--- a/Проект/Индивидуальный проект.pptx
+++ b/Проект/Индивидуальный проект.pptx
@@ -9,6 +9,9 @@
     <p:sldId id="257" r:id="rId3"/>
     <p:sldId id="258" r:id="rId4"/>
     <p:sldId id="259" r:id="rId5"/>
+    <p:sldId id="260" r:id="rId6"/>
+    <p:sldId id="261" r:id="rId7"/>
+    <p:sldId id="262" r:id="rId8"/>
   </p:sldIdLst>
   <p:sldSz cx="12192000" cy="6858000"/>
   <p:notesSz cx="6858000" cy="9144000"/>
@@ -107,6 +110,11 @@
       </a:defRPr>
     </a:lvl9pPr>
   </p:defaultTextStyle>
+  <p:extLst>
+    <p:ext uri="{EFAFB233-063F-42B5-8137-9DF3F51BA10A}">
+      <p15:sldGuideLst xmlns:p15="http://schemas.microsoft.com/office/powerpoint/2012/main"/>
+    </p:ext>
+  </p:extLst>
 </p:presentation>
 </file>
 
@@ -5745,13 +5753,13 @@
   <p:clrMapOvr>
     <a:overrideClrMapping bg1="dk1" tx1="lt1" bg2="dk2" tx2="lt2" accent1="accent1" accent2="accent2" accent3="accent3" accent4="accent4" accent5="accent5" accent6="accent6" hlink="hlink" folHlink="folHlink"/>
   </p:clrMapOvr>
-  <mc:AlternateContent xmlns:mc="http://schemas.openxmlformats.org/markup-compatibility/2006">
-    <mc:Choice xmlns:p14="http://schemas.microsoft.com/office/powerpoint/2010/main" Requires="p14">
+  <mc:AlternateContent xmlns:mc="http://schemas.openxmlformats.org/markup-compatibility/2006" xmlns:p14="http://schemas.microsoft.com/office/powerpoint/2010/main">
+    <mc:Choice Requires="p14">
       <p:transition spd="slow" p14:dur="3400">
         <p14:reveal/>
       </p:transition>
     </mc:Choice>
-    <mc:Fallback>
+    <mc:Fallback xmlns="">
       <p:transition spd="slow">
         <p:fade/>
       </p:transition>
@@ -6194,13 +6202,13 @@
   <p:clrMapOvr>
     <a:masterClrMapping/>
   </p:clrMapOvr>
-  <mc:AlternateContent xmlns:mc="http://schemas.openxmlformats.org/markup-compatibility/2006">
-    <mc:Choice xmlns:p14="http://schemas.microsoft.com/office/powerpoint/2010/main" Requires="p14">
+  <mc:AlternateContent xmlns:mc="http://schemas.openxmlformats.org/markup-compatibility/2006" xmlns:p14="http://schemas.microsoft.com/office/powerpoint/2010/main">
+    <mc:Choice Requires="p14">
       <p:transition spd="med" p14:dur="700">
         <p:fade/>
       </p:transition>
     </mc:Choice>
-    <mc:Fallback>
+    <mc:Fallback xmlns="">
       <p:transition spd="med">
         <p:fade/>
       </p:transition>
@@ -6244,8 +6252,8 @@
         </p:nvSpPr>
         <p:spPr>
           <a:xfrm>
-            <a:off x="271462" y="-319617"/>
-            <a:ext cx="11649075" cy="2743200"/>
+            <a:off x="0" y="0"/>
+            <a:ext cx="10489671" cy="1775884"/>
           </a:xfrm>
         </p:spPr>
         <p:txBody>
@@ -6255,41 +6263,33 @@
           <a:lstStyle/>
           <a:p>
             <a:r>
-              <a:rPr lang="ru-RU" b="1" dirty="0"/>
-              <a:t>Задание 1:</a:t>
-            </a:r>
-            <a:r>
+              <a:rPr lang="uk-UA" sz="2700" b="1" dirty="0" err="1"/>
+              <a:t>Расчет</a:t>
+            </a:r>
+            <a:r>
+              <a:rPr lang="uk-UA" sz="2700" b="1" dirty="0"/>
+              <a:t> оптимальной схемы компьютерной сети и </a:t>
+            </a:r>
+            <a:r>
+              <a:rPr lang="uk-UA" sz="2700" b="1" dirty="0" err="1"/>
+              <a:t>подбор</a:t>
+            </a:r>
+            <a:r>
+              <a:rPr lang="uk-UA" sz="2700" b="1" dirty="0"/>
+              <a:t> </a:t>
+            </a:r>
+            <a:r>
+              <a:rPr lang="uk-UA" sz="2700" b="1" dirty="0" err="1"/>
+              <a:t>оборудования</a:t>
+            </a:r>
+            <a:r>
+              <a:rPr lang="uk-UA" sz="2700" b="1" dirty="0"/>
+              <a:t> для учебного кабинета</a:t>
+            </a:r>
+            <a:br>
               <a:rPr lang="en-US" b="1" dirty="0"/>
-              <a:t> </a:t>
-            </a:r>
-            <a:r>
-              <a:rPr lang="uk-UA" sz="2700" i="1" dirty="0" err="1"/>
-              <a:t>Расчет</a:t>
-            </a:r>
-            <a:r>
-              <a:rPr lang="uk-UA" sz="2700" i="1" dirty="0"/>
-              <a:t> оптимальной схемы компьютерной сети и </a:t>
-            </a:r>
-            <a:r>
-              <a:rPr lang="uk-UA" sz="2700" i="1" dirty="0" err="1"/>
-              <a:t>подбор</a:t>
-            </a:r>
-            <a:r>
-              <a:rPr lang="uk-UA" sz="2700" i="1" dirty="0"/>
-              <a:t> </a:t>
-            </a:r>
-            <a:r>
-              <a:rPr lang="uk-UA" sz="2700" i="1" dirty="0" err="1"/>
-              <a:t>оборудования</a:t>
-            </a:r>
-            <a:r>
-              <a:rPr lang="uk-UA" sz="2700" i="1" dirty="0"/>
-              <a:t> для учебного кабинета</a:t>
-            </a:r>
-            <a:br>
-              <a:rPr lang="en-US" dirty="0"/>
             </a:br>
-            <a:endParaRPr lang="en-US" dirty="0"/>
+            <a:endParaRPr lang="en-US" b="1" dirty="0"/>
           </a:p>
         </p:txBody>
       </p:sp>
@@ -6311,8 +6311,8 @@
         </p:nvSpPr>
         <p:spPr>
           <a:xfrm>
-            <a:off x="-4763" y="1668991"/>
-            <a:ext cx="4995862" cy="1647825"/>
+            <a:off x="0" y="1168400"/>
+            <a:ext cx="12192000" cy="982133"/>
           </a:xfrm>
         </p:spPr>
         <p:txBody>
@@ -6355,8 +6355,8 @@
         </p:blipFill>
         <p:spPr>
           <a:xfrm>
-            <a:off x="4991099" y="2190749"/>
-            <a:ext cx="6689173" cy="3667125"/>
+            <a:off x="2036233" y="2270271"/>
+            <a:ext cx="7920567" cy="4342197"/>
           </a:xfrm>
           <a:prstGeom prst="rect">
             <a:avLst/>
@@ -6373,6 +6373,18 @@
   <p:clrMapOvr>
     <a:masterClrMapping/>
   </p:clrMapOvr>
+  <mc:AlternateContent xmlns:mc="http://schemas.openxmlformats.org/markup-compatibility/2006">
+    <mc:Choice xmlns:p14="http://schemas.microsoft.com/office/powerpoint/2010/main" Requires="p14">
+      <p:transition spd="med" p14:dur="700">
+        <p:fade/>
+      </p:transition>
+    </mc:Choice>
+    <mc:Fallback>
+      <p:transition spd="med">
+        <p:fade/>
+      </p:transition>
+    </mc:Fallback>
+  </mc:AlternateContent>
 </p:sld>
 </file>
 
@@ -6409,21 +6421,1969 @@
             <p:ph type="title"/>
           </p:nvPr>
         </p:nvSpPr>
-        <p:spPr/>
+        <p:spPr>
+          <a:xfrm>
+            <a:off x="1" y="0"/>
+            <a:ext cx="10617200" cy="893804"/>
+          </a:xfrm>
+        </p:spPr>
         <p:txBody>
-          <a:bodyPr/>
+          <a:bodyPr>
+            <a:normAutofit/>
+          </a:bodyPr>
           <a:lstStyle/>
           <a:p>
-            <a:endParaRPr lang="en-US"/>
+            <a:r>
+              <a:rPr lang="ru-RU" b="1" dirty="0"/>
+              <a:t>Характеристики кабинета</a:t>
+            </a:r>
+            <a:r>
+              <a:rPr lang="en-US" b="1" dirty="0"/>
+              <a:t>:</a:t>
+            </a:r>
           </a:p>
         </p:txBody>
       </p:sp>
       <p:sp>
         <p:nvSpPr>
-          <p:cNvPr id="3" name="Текст 2">
+          <p:cNvPr id="5" name="Rectangle 1">
             <a:extLst>
               <a:ext uri="{FF2B5EF4-FFF2-40B4-BE49-F238E27FC236}">
-                <a16:creationId xmlns:a16="http://schemas.microsoft.com/office/drawing/2014/main" id="{47F19E5C-8B9B-4629-B690-324E0E351C7A}"/>
+                <a16:creationId xmlns:a16="http://schemas.microsoft.com/office/drawing/2014/main" id="{0F6642AC-7649-40A8-9CFF-2B72EAC85243}"/>
+              </a:ext>
+            </a:extLst>
+          </p:cNvPr>
+          <p:cNvSpPr>
+            <a:spLocks noGrp="1" noChangeArrowheads="1"/>
+          </p:cNvSpPr>
+          <p:nvPr>
+            <p:ph type="body" sz="quarter" idx="13"/>
+          </p:nvPr>
+        </p:nvSpPr>
+        <p:spPr bwMode="auto">
+          <a:xfrm>
+            <a:off x="-177800" y="893804"/>
+            <a:ext cx="12564533" cy="2923877"/>
+          </a:xfrm>
+          <a:prstGeom prst="rect">
+            <a:avLst/>
+          </a:prstGeom>
+          <a:noFill/>
+          <a:ln>
+            <a:noFill/>
+          </a:ln>
+          <a:effectLst/>
+          <a:extLst>
+            <a:ext uri="{909E8E84-426E-40DD-AFC4-6F175D3DCCD1}">
+              <a14:hiddenFill xmlns:a14="http://schemas.microsoft.com/office/drawing/2010/main">
+                <a:solidFill>
+                  <a:schemeClr val="accent1"/>
+                </a:solidFill>
+              </a14:hiddenFill>
+            </a:ext>
+            <a:ext uri="{91240B29-F687-4F45-9708-019B960494DF}">
+              <a14:hiddenLine xmlns:a14="http://schemas.microsoft.com/office/drawing/2010/main" w="9525">
+                <a:solidFill>
+                  <a:schemeClr val="tx1"/>
+                </a:solidFill>
+                <a:miter lim="800000"/>
+                <a:headEnd/>
+                <a:tailEnd/>
+              </a14:hiddenLine>
+            </a:ext>
+            <a:ext uri="{AF507438-7753-43E0-B8FC-AC1667EBCBE1}">
+              <a14:hiddenEffects xmlns:a14="http://schemas.microsoft.com/office/drawing/2010/main">
+                <a:effectLst>
+                  <a:outerShdw dist="35921" dir="2700000" algn="ctr" rotWithShape="0">
+                    <a:schemeClr val="bg2"/>
+                  </a:outerShdw>
+                </a:effectLst>
+              </a14:hiddenEffects>
+            </a:ext>
+          </a:extLst>
+        </p:spPr>
+        <p:txBody>
+          <a:bodyPr vert="horz" wrap="square" lIns="91440" tIns="45720" rIns="91440" bIns="45720" numCol="1" anchor="ctr" anchorCtr="0" compatLnSpc="1">
+            <a:prstTxWarp prst="textNoShape">
+              <a:avLst/>
+            </a:prstTxWarp>
+            <a:spAutoFit/>
+          </a:bodyPr>
+          <a:lstStyle/>
+          <a:p>
+            <a:pPr marL="0" marR="0" lvl="0" indent="457200" algn="just" defTabSz="914400" rtl="0" eaLnBrk="0" fontAlgn="base" latinLnBrk="0" hangingPunct="0">
+              <a:lnSpc>
+                <a:spcPct val="150000"/>
+              </a:lnSpc>
+              <a:spcBef>
+                <a:spcPct val="0"/>
+              </a:spcBef>
+              <a:spcAft>
+                <a:spcPct val="0"/>
+              </a:spcAft>
+              <a:buClrTx/>
+              <a:buSzTx/>
+              <a:buFontTx/>
+              <a:buNone/>
+              <a:tabLst/>
+            </a:pPr>
+            <a:r>
+              <a:rPr kumimoji="0" lang="uk-UA" altLang="en-US" sz="1600" b="0" i="0" u="none" strike="noStrike" cap="none" normalizeH="0" baseline="0" dirty="0">
+                <a:ln>
+                  <a:noFill/>
+                </a:ln>
+                <a:solidFill>
+                  <a:schemeClr val="tx1"/>
+                </a:solidFill>
+                <a:effectLst/>
+                <a:ea typeface="Times New Roman" panose="02020603050405020304" pitchFamily="18" charset="0"/>
+              </a:rPr>
+              <a:t>1) Ширина   </a:t>
+            </a:r>
+            <a:r>
+              <a:rPr kumimoji="0" lang="uk-UA" altLang="en-US" sz="1600" b="0" i="0" u="none" strike="noStrike" cap="none" normalizeH="0" baseline="0" dirty="0" err="1">
+                <a:ln>
+                  <a:noFill/>
+                </a:ln>
+                <a:solidFill>
+                  <a:schemeClr val="tx1"/>
+                </a:solidFill>
+                <a:effectLst/>
+                <a:ea typeface="Times New Roman" panose="02020603050405020304" pitchFamily="18" charset="0"/>
+              </a:rPr>
+              <a:t>кабинета</a:t>
+            </a:r>
+            <a:r>
+              <a:rPr kumimoji="0" lang="uk-UA" altLang="en-US" sz="1600" b="0" i="0" u="none" strike="noStrike" cap="none" normalizeH="0" baseline="0" dirty="0">
+                <a:ln>
+                  <a:noFill/>
+                </a:ln>
+                <a:solidFill>
+                  <a:schemeClr val="tx1"/>
+                </a:solidFill>
+                <a:effectLst/>
+                <a:ea typeface="Times New Roman" panose="02020603050405020304" pitchFamily="18" charset="0"/>
+              </a:rPr>
+              <a:t> – 10 м., </a:t>
+            </a:r>
+            <a:r>
+              <a:rPr kumimoji="0" lang="uk-UA" altLang="en-US" sz="1600" b="0" i="0" u="none" strike="noStrike" cap="none" normalizeH="0" baseline="0" dirty="0" err="1">
+                <a:ln>
+                  <a:noFill/>
+                </a:ln>
+                <a:solidFill>
+                  <a:schemeClr val="tx1"/>
+                </a:solidFill>
+                <a:effectLst/>
+                <a:ea typeface="Times New Roman" panose="02020603050405020304" pitchFamily="18" charset="0"/>
+              </a:rPr>
+              <a:t>Длина</a:t>
+            </a:r>
+            <a:r>
+              <a:rPr kumimoji="0" lang="uk-UA" altLang="en-US" sz="1600" b="0" i="0" u="none" strike="noStrike" cap="none" normalizeH="0" baseline="0" dirty="0">
+                <a:ln>
+                  <a:noFill/>
+                </a:ln>
+                <a:solidFill>
+                  <a:schemeClr val="tx1"/>
+                </a:solidFill>
+                <a:effectLst/>
+                <a:ea typeface="Times New Roman" panose="02020603050405020304" pitchFamily="18" charset="0"/>
+              </a:rPr>
+              <a:t> – </a:t>
+            </a:r>
+            <a:r>
+              <a:rPr kumimoji="0" lang="ru-RU" altLang="en-US" sz="1600" b="0" i="0" u="none" strike="noStrike" cap="none" normalizeH="0" baseline="0" dirty="0">
+                <a:ln>
+                  <a:noFill/>
+                </a:ln>
+                <a:solidFill>
+                  <a:schemeClr val="tx1"/>
+                </a:solidFill>
+                <a:effectLst/>
+                <a:ea typeface="Times New Roman" panose="02020603050405020304" pitchFamily="18" charset="0"/>
+              </a:rPr>
+              <a:t>7</a:t>
+            </a:r>
+            <a:r>
+              <a:rPr kumimoji="0" lang="uk-UA" altLang="en-US" sz="1600" b="0" i="0" u="none" strike="noStrike" cap="none" normalizeH="0" baseline="0" dirty="0">
+                <a:ln>
+                  <a:noFill/>
+                </a:ln>
+                <a:solidFill>
+                  <a:schemeClr val="tx1"/>
+                </a:solidFill>
+                <a:effectLst/>
+                <a:ea typeface="Times New Roman" panose="02020603050405020304" pitchFamily="18" charset="0"/>
+              </a:rPr>
+              <a:t> м.  </a:t>
+            </a:r>
+          </a:p>
+          <a:p>
+            <a:pPr marL="0" lvl="0" indent="457200" algn="just" defTabSz="914400" eaLnBrk="0" fontAlgn="base" hangingPunct="0">
+              <a:lnSpc>
+                <a:spcPct val="150000"/>
+              </a:lnSpc>
+              <a:spcBef>
+                <a:spcPct val="0"/>
+              </a:spcBef>
+              <a:spcAft>
+                <a:spcPct val="0"/>
+              </a:spcAft>
+              <a:buClrTx/>
+              <a:buSzTx/>
+            </a:pPr>
+            <a:r>
+              <a:rPr lang="uk-UA" sz="1600" cap="none" dirty="0"/>
+              <a:t>2) По </a:t>
+            </a:r>
+            <a:r>
+              <a:rPr lang="uk-UA" sz="1600" cap="none" dirty="0" err="1"/>
+              <a:t>длине</a:t>
+            </a:r>
+            <a:r>
+              <a:rPr lang="uk-UA" sz="1600" cap="none" dirty="0"/>
+              <a:t> </a:t>
+            </a:r>
+            <a:r>
+              <a:rPr lang="uk-UA" sz="1600" cap="none" dirty="0" err="1"/>
+              <a:t>кабинета</a:t>
+            </a:r>
+            <a:r>
+              <a:rPr lang="uk-UA" sz="1600" cap="none" dirty="0"/>
+              <a:t> </a:t>
+            </a:r>
+            <a:r>
+              <a:rPr lang="uk-UA" sz="1600" cap="none" dirty="0" err="1"/>
+              <a:t>можно</a:t>
+            </a:r>
+            <a:r>
+              <a:rPr lang="uk-UA" sz="1600" cap="none" dirty="0"/>
+              <a:t> </a:t>
+            </a:r>
+            <a:r>
+              <a:rPr lang="uk-UA" sz="1600" cap="none" dirty="0" err="1"/>
+              <a:t>расположить</a:t>
+            </a:r>
+            <a:r>
+              <a:rPr lang="uk-UA" sz="1600" cap="none" dirty="0"/>
+              <a:t> </a:t>
+            </a:r>
+            <a:r>
+              <a:rPr lang="ru-RU" sz="1600" cap="none" dirty="0"/>
+              <a:t>5</a:t>
+            </a:r>
+            <a:r>
+              <a:rPr lang="uk-UA" sz="1600" cap="none" dirty="0"/>
+              <a:t> </a:t>
+            </a:r>
+            <a:r>
+              <a:rPr lang="uk-UA" sz="1600" cap="none" dirty="0" err="1"/>
+              <a:t>рабочих</a:t>
+            </a:r>
+            <a:r>
+              <a:rPr lang="uk-UA" sz="1600" cap="none" dirty="0"/>
+              <a:t> </a:t>
+            </a:r>
+            <a:r>
+              <a:rPr lang="uk-UA" sz="1600" cap="none" dirty="0" err="1"/>
+              <a:t>мест</a:t>
+            </a:r>
+            <a:r>
+              <a:rPr lang="uk-UA" sz="1600" cap="none" dirty="0"/>
+              <a:t>, по </a:t>
+            </a:r>
+            <a:r>
+              <a:rPr lang="uk-UA" sz="1600" cap="none" dirty="0" err="1"/>
+              <a:t>ширине</a:t>
+            </a:r>
+            <a:r>
+              <a:rPr lang="uk-UA" sz="1600" cap="none" dirty="0"/>
+              <a:t> – </a:t>
+            </a:r>
+            <a:r>
+              <a:rPr lang="ru-RU" sz="1600" cap="none" dirty="0"/>
+              <a:t>4, итого в кабинете 15 рабочих мест.</a:t>
+            </a:r>
+          </a:p>
+          <a:p>
+            <a:pPr marL="0" indent="457200" algn="just" defTabSz="914400" eaLnBrk="0" fontAlgn="base" hangingPunct="0">
+              <a:lnSpc>
+                <a:spcPct val="200000"/>
+              </a:lnSpc>
+              <a:spcBef>
+                <a:spcPct val="0"/>
+              </a:spcBef>
+              <a:spcAft>
+                <a:spcPct val="0"/>
+              </a:spcAft>
+              <a:buClrTx/>
+              <a:buSzTx/>
+            </a:pPr>
+            <a:r>
+              <a:rPr lang="ru-RU" sz="1600" cap="none" dirty="0"/>
+              <a:t>3) Суммарное количество кабеля для подключения компьютеров к свитчу составило 146.9 метров.</a:t>
+            </a:r>
+          </a:p>
+          <a:p>
+            <a:pPr marL="0" indent="457200" algn="just" defTabSz="914400" eaLnBrk="0" fontAlgn="base" hangingPunct="0">
+              <a:lnSpc>
+                <a:spcPct val="200000"/>
+              </a:lnSpc>
+              <a:spcBef>
+                <a:spcPct val="0"/>
+              </a:spcBef>
+              <a:spcAft>
+                <a:spcPct val="0"/>
+              </a:spcAft>
+              <a:buClrTx/>
+              <a:buSzTx/>
+            </a:pPr>
+            <a:r>
+              <a:rPr lang="ru-RU" sz="2000" b="1" cap="none" dirty="0"/>
+              <a:t>Цены всего оборудования кабинета:</a:t>
+            </a:r>
+          </a:p>
+          <a:p>
+            <a:pPr marL="0" indent="457200" algn="just" defTabSz="914400" eaLnBrk="0" fontAlgn="base" hangingPunct="0">
+              <a:lnSpc>
+                <a:spcPct val="150000"/>
+              </a:lnSpc>
+              <a:spcBef>
+                <a:spcPct val="0"/>
+              </a:spcBef>
+              <a:spcAft>
+                <a:spcPct val="0"/>
+              </a:spcAft>
+              <a:buClrTx/>
+              <a:buSzTx/>
+            </a:pPr>
+            <a:endParaRPr lang="ru-RU" sz="1600" cap="none" dirty="0"/>
+          </a:p>
+          <a:p>
+            <a:pPr marL="0" indent="457200" algn="just" defTabSz="914400" eaLnBrk="0" fontAlgn="base" hangingPunct="0">
+              <a:lnSpc>
+                <a:spcPct val="150000"/>
+              </a:lnSpc>
+              <a:spcBef>
+                <a:spcPct val="0"/>
+              </a:spcBef>
+              <a:spcAft>
+                <a:spcPct val="0"/>
+              </a:spcAft>
+              <a:buClrTx/>
+              <a:buSzTx/>
+            </a:pPr>
+            <a:endParaRPr lang="ru-RU" sz="1600" cap="none" dirty="0"/>
+          </a:p>
+          <a:p>
+            <a:pPr marL="0" lvl="0" indent="457200" algn="just" defTabSz="914400" eaLnBrk="0" fontAlgn="base" hangingPunct="0">
+              <a:spcBef>
+                <a:spcPct val="0"/>
+              </a:spcBef>
+              <a:spcAft>
+                <a:spcPct val="0"/>
+              </a:spcAft>
+              <a:buClrTx/>
+              <a:buSzTx/>
+            </a:pPr>
+            <a:endParaRPr kumimoji="0" lang="uk-UA" altLang="en-US" sz="1600" b="0" i="0" u="none" strike="noStrike" cap="none" normalizeH="0" baseline="0" dirty="0">
+              <a:ln>
+                <a:noFill/>
+              </a:ln>
+              <a:solidFill>
+                <a:schemeClr val="tx1"/>
+              </a:solidFill>
+              <a:effectLst/>
+            </a:endParaRPr>
+          </a:p>
+        </p:txBody>
+      </p:sp>
+      <p:graphicFrame>
+        <p:nvGraphicFramePr>
+          <p:cNvPr id="8" name="Таблица 8">
+            <a:extLst>
+              <a:ext uri="{FF2B5EF4-FFF2-40B4-BE49-F238E27FC236}">
+                <a16:creationId xmlns:a16="http://schemas.microsoft.com/office/drawing/2014/main" id="{C09F1E10-CCE5-4D5D-9B2F-B5EE63E4C135}"/>
+              </a:ext>
+            </a:extLst>
+          </p:cNvPr>
+          <p:cNvGraphicFramePr>
+            <a:graphicFrameLocks noGrp="1"/>
+          </p:cNvGraphicFramePr>
+          <p:nvPr>
+            <p:extLst>
+              <p:ext uri="{D42A27DB-BD31-4B8C-83A1-F6EECF244321}">
+                <p14:modId xmlns:p14="http://schemas.microsoft.com/office/powerpoint/2010/main" val="671221896"/>
+              </p:ext>
+            </p:extLst>
+          </p:nvPr>
+        </p:nvGraphicFramePr>
+        <p:xfrm>
+          <a:off x="338666" y="2836333"/>
+          <a:ext cx="11514668" cy="3847673"/>
+        </p:xfrm>
+        <a:graphic>
+          <a:graphicData uri="http://schemas.openxmlformats.org/drawingml/2006/table">
+            <a:tbl>
+              <a:tblPr firstRow="1" bandRow="1">
+                <a:tableStyleId>{5C22544A-7EE6-4342-B048-85BDC9FD1C3A}</a:tableStyleId>
+              </a:tblPr>
+              <a:tblGrid>
+                <a:gridCol w="2878667">
+                  <a:extLst>
+                    <a:ext uri="{9D8B030D-6E8A-4147-A177-3AD203B41FA5}">
+                      <a16:colId xmlns:a16="http://schemas.microsoft.com/office/drawing/2014/main" val="3486880435"/>
+                    </a:ext>
+                  </a:extLst>
+                </a:gridCol>
+                <a:gridCol w="2878667">
+                  <a:extLst>
+                    <a:ext uri="{9D8B030D-6E8A-4147-A177-3AD203B41FA5}">
+                      <a16:colId xmlns:a16="http://schemas.microsoft.com/office/drawing/2014/main" val="2468402471"/>
+                    </a:ext>
+                  </a:extLst>
+                </a:gridCol>
+                <a:gridCol w="2878667">
+                  <a:extLst>
+                    <a:ext uri="{9D8B030D-6E8A-4147-A177-3AD203B41FA5}">
+                      <a16:colId xmlns:a16="http://schemas.microsoft.com/office/drawing/2014/main" val="3669103756"/>
+                    </a:ext>
+                  </a:extLst>
+                </a:gridCol>
+                <a:gridCol w="2878667">
+                  <a:extLst>
+                    <a:ext uri="{9D8B030D-6E8A-4147-A177-3AD203B41FA5}">
+                      <a16:colId xmlns:a16="http://schemas.microsoft.com/office/drawing/2014/main" val="1342930340"/>
+                    </a:ext>
+                  </a:extLst>
+                </a:gridCol>
+              </a:tblGrid>
+              <a:tr h="219408">
+                <a:tc>
+                  <a:txBody>
+                    <a:bodyPr/>
+                    <a:lstStyle/>
+                    <a:p>
+                      <a:pPr algn="ctr">
+                        <a:spcAft>
+                          <a:spcPts val="0"/>
+                        </a:spcAft>
+                      </a:pPr>
+                      <a:r>
+                        <a:rPr lang="uk-UA" sz="1400" dirty="0" err="1">
+                          <a:effectLst/>
+                          <a:latin typeface="Times New Roman" panose="02020603050405020304" pitchFamily="18" charset="0"/>
+                          <a:ea typeface="Times New Roman" panose="02020603050405020304" pitchFamily="18" charset="0"/>
+                        </a:rPr>
+                        <a:t>Наименование</a:t>
+                      </a:r>
+                      <a:endParaRPr lang="en-US" sz="1400" dirty="0">
+                        <a:effectLst/>
+                        <a:latin typeface="Times New Roman" panose="02020603050405020304" pitchFamily="18" charset="0"/>
+                        <a:ea typeface="Times New Roman" panose="02020603050405020304" pitchFamily="18" charset="0"/>
+                      </a:endParaRPr>
+                    </a:p>
+                  </a:txBody>
+                  <a:tcPr marL="68580" marR="68580" marT="0" marB="0" anchor="ctr"/>
+                </a:tc>
+                <a:tc>
+                  <a:txBody>
+                    <a:bodyPr/>
+                    <a:lstStyle/>
+                    <a:p>
+                      <a:pPr algn="ctr">
+                        <a:spcAft>
+                          <a:spcPts val="0"/>
+                        </a:spcAft>
+                      </a:pPr>
+                      <a:r>
+                        <a:rPr lang="uk-UA" sz="1400">
+                          <a:effectLst/>
+                          <a:latin typeface="Times New Roman" panose="02020603050405020304" pitchFamily="18" charset="0"/>
+                          <a:ea typeface="Times New Roman" panose="02020603050405020304" pitchFamily="18" charset="0"/>
+                        </a:rPr>
+                        <a:t>Цена, руб</a:t>
+                      </a:r>
+                      <a:endParaRPr lang="en-US" sz="1400">
+                        <a:effectLst/>
+                        <a:latin typeface="Times New Roman" panose="02020603050405020304" pitchFamily="18" charset="0"/>
+                        <a:ea typeface="Times New Roman" panose="02020603050405020304" pitchFamily="18" charset="0"/>
+                      </a:endParaRPr>
+                    </a:p>
+                  </a:txBody>
+                  <a:tcPr marL="68580" marR="68580" marT="0" marB="0" anchor="ctr"/>
+                </a:tc>
+                <a:tc>
+                  <a:txBody>
+                    <a:bodyPr/>
+                    <a:lstStyle/>
+                    <a:p>
+                      <a:pPr algn="ctr">
+                        <a:spcAft>
+                          <a:spcPts val="0"/>
+                        </a:spcAft>
+                      </a:pPr>
+                      <a:r>
+                        <a:rPr lang="uk-UA" sz="1400">
+                          <a:effectLst/>
+                          <a:latin typeface="Times New Roman" panose="02020603050405020304" pitchFamily="18" charset="0"/>
+                          <a:ea typeface="Times New Roman" panose="02020603050405020304" pitchFamily="18" charset="0"/>
+                        </a:rPr>
+                        <a:t>Количество</a:t>
+                      </a:r>
+                      <a:endParaRPr lang="en-US" sz="1400">
+                        <a:effectLst/>
+                        <a:latin typeface="Times New Roman" panose="02020603050405020304" pitchFamily="18" charset="0"/>
+                        <a:ea typeface="Times New Roman" panose="02020603050405020304" pitchFamily="18" charset="0"/>
+                      </a:endParaRPr>
+                    </a:p>
+                  </a:txBody>
+                  <a:tcPr marL="68580" marR="68580" marT="0" marB="0" anchor="ctr"/>
+                </a:tc>
+                <a:tc>
+                  <a:txBody>
+                    <a:bodyPr/>
+                    <a:lstStyle/>
+                    <a:p>
+                      <a:pPr algn="ctr">
+                        <a:spcAft>
+                          <a:spcPts val="0"/>
+                        </a:spcAft>
+                      </a:pPr>
+                      <a:r>
+                        <a:rPr lang="uk-UA" sz="1400">
+                          <a:effectLst/>
+                          <a:latin typeface="Times New Roman" panose="02020603050405020304" pitchFamily="18" charset="0"/>
+                          <a:ea typeface="Times New Roman" panose="02020603050405020304" pitchFamily="18" charset="0"/>
+                        </a:rPr>
+                        <a:t>Сумма, руб</a:t>
+                      </a:r>
+                      <a:endParaRPr lang="en-US" sz="1400">
+                        <a:effectLst/>
+                        <a:latin typeface="Times New Roman" panose="02020603050405020304" pitchFamily="18" charset="0"/>
+                        <a:ea typeface="Times New Roman" panose="02020603050405020304" pitchFamily="18" charset="0"/>
+                      </a:endParaRPr>
+                    </a:p>
+                  </a:txBody>
+                  <a:tcPr marL="68580" marR="68580" marT="0" marB="0" anchor="ctr"/>
+                </a:tc>
+                <a:extLst>
+                  <a:ext uri="{0D108BD9-81ED-4DB2-BD59-A6C34878D82A}">
+                    <a16:rowId xmlns:a16="http://schemas.microsoft.com/office/drawing/2014/main" val="1873142396"/>
+                  </a:ext>
+                </a:extLst>
+              </a:tr>
+              <a:tr h="658224">
+                <a:tc>
+                  <a:txBody>
+                    <a:bodyPr/>
+                    <a:lstStyle/>
+                    <a:p>
+                      <a:pPr algn="l">
+                        <a:spcAft>
+                          <a:spcPts val="0"/>
+                        </a:spcAft>
+                      </a:pPr>
+                      <a:r>
+                        <a:rPr lang="uk-UA" sz="1400" dirty="0" err="1">
+                          <a:effectLst/>
+                          <a:latin typeface="Times New Roman" panose="02020603050405020304" pitchFamily="18" charset="0"/>
+                          <a:ea typeface="Times New Roman" panose="02020603050405020304" pitchFamily="18" charset="0"/>
+                          <a:cs typeface="Times New Roman" panose="02020603050405020304" pitchFamily="18" charset="0"/>
+                        </a:rPr>
+                        <a:t>Витая</a:t>
+                      </a:r>
+                      <a:r>
+                        <a:rPr lang="uk-UA" sz="1400" dirty="0">
+                          <a:effectLst/>
+                          <a:latin typeface="Times New Roman" panose="02020603050405020304" pitchFamily="18" charset="0"/>
+                          <a:ea typeface="Times New Roman" panose="02020603050405020304" pitchFamily="18" charset="0"/>
+                          <a:cs typeface="Times New Roman" panose="02020603050405020304" pitchFamily="18" charset="0"/>
+                        </a:rPr>
+                        <a:t> пара: кабель </a:t>
+                      </a:r>
+                      <a:r>
+                        <a:rPr lang="en-US" sz="1400" dirty="0">
+                          <a:effectLst/>
+                          <a:latin typeface="Times New Roman" panose="02020603050405020304" pitchFamily="18" charset="0"/>
+                          <a:ea typeface="Times New Roman" panose="02020603050405020304" pitchFamily="18" charset="0"/>
+                          <a:cs typeface="Times New Roman" panose="02020603050405020304" pitchFamily="18" charset="0"/>
+                        </a:rPr>
+                        <a:t>FTP Category</a:t>
+                      </a:r>
+                      <a:r>
+                        <a:rPr lang="uk-UA" sz="1400" dirty="0">
+                          <a:effectLst/>
+                          <a:latin typeface="Times New Roman" panose="02020603050405020304" pitchFamily="18" charset="0"/>
+                          <a:ea typeface="Times New Roman" panose="02020603050405020304" pitchFamily="18" charset="0"/>
+                          <a:cs typeface="Times New Roman" panose="02020603050405020304" pitchFamily="18" charset="0"/>
+                        </a:rPr>
+                        <a:t> 5</a:t>
+                      </a:r>
+                      <a:r>
+                        <a:rPr lang="en-US" sz="1400" dirty="0">
+                          <a:effectLst/>
+                          <a:latin typeface="Times New Roman" panose="02020603050405020304" pitchFamily="18" charset="0"/>
+                          <a:ea typeface="Times New Roman" panose="02020603050405020304" pitchFamily="18" charset="0"/>
+                          <a:cs typeface="Times New Roman" panose="02020603050405020304" pitchFamily="18" charset="0"/>
+                        </a:rPr>
+                        <a:t>e</a:t>
+                      </a:r>
+                      <a:r>
+                        <a:rPr lang="uk-UA" sz="1400" dirty="0">
+                          <a:effectLst/>
+                          <a:latin typeface="Times New Roman" panose="02020603050405020304" pitchFamily="18" charset="0"/>
+                          <a:ea typeface="Times New Roman" panose="02020603050405020304" pitchFamily="18" charset="0"/>
+                          <a:cs typeface="Times New Roman" panose="02020603050405020304" pitchFamily="18" charset="0"/>
+                        </a:rPr>
+                        <a:t> 305 м. (</a:t>
+                      </a:r>
+                      <a:r>
+                        <a:rPr lang="en-US" sz="1400" dirty="0" err="1">
+                          <a:effectLst/>
+                          <a:latin typeface="Times New Roman" panose="02020603050405020304" pitchFamily="18" charset="0"/>
+                          <a:ea typeface="Times New Roman" panose="02020603050405020304" pitchFamily="18" charset="0"/>
+                          <a:cs typeface="Times New Roman" panose="02020603050405020304" pitchFamily="18" charset="0"/>
+                        </a:rPr>
+                        <a:t>Atcom</a:t>
+                      </a:r>
+                      <a:r>
+                        <a:rPr lang="uk-UA" sz="1400" dirty="0">
+                          <a:effectLst/>
+                          <a:latin typeface="Times New Roman" panose="02020603050405020304" pitchFamily="18" charset="0"/>
+                          <a:ea typeface="Times New Roman" panose="02020603050405020304" pitchFamily="18" charset="0"/>
+                          <a:cs typeface="Times New Roman" panose="02020603050405020304" pitchFamily="18" charset="0"/>
+                        </a:rPr>
+                        <a:t> "</a:t>
+                      </a:r>
+                      <a:r>
+                        <a:rPr lang="en-US" sz="1400" dirty="0">
+                          <a:effectLst/>
+                          <a:latin typeface="Times New Roman" panose="02020603050405020304" pitchFamily="18" charset="0"/>
+                          <a:ea typeface="Times New Roman" panose="02020603050405020304" pitchFamily="18" charset="0"/>
+                          <a:cs typeface="Times New Roman" panose="02020603050405020304" pitchFamily="18" charset="0"/>
+                        </a:rPr>
+                        <a:t>Standard</a:t>
+                      </a:r>
+                      <a:r>
+                        <a:rPr lang="uk-UA" sz="1400" dirty="0">
+                          <a:effectLst/>
+                          <a:latin typeface="Times New Roman" panose="02020603050405020304" pitchFamily="18" charset="0"/>
+                          <a:ea typeface="Times New Roman" panose="02020603050405020304" pitchFamily="18" charset="0"/>
+                          <a:cs typeface="Times New Roman" panose="02020603050405020304" pitchFamily="18" charset="0"/>
+                        </a:rPr>
+                        <a:t>") </a:t>
+                      </a:r>
+                      <a:r>
+                        <a:rPr lang="uk-UA" sz="1400" dirty="0" err="1">
+                          <a:effectLst/>
+                          <a:latin typeface="Times New Roman" panose="02020603050405020304" pitchFamily="18" charset="0"/>
+                          <a:ea typeface="Times New Roman" panose="02020603050405020304" pitchFamily="18" charset="0"/>
+                          <a:cs typeface="Times New Roman" panose="02020603050405020304" pitchFamily="18" charset="0"/>
+                        </a:rPr>
+                        <a:t>только</a:t>
+                      </a:r>
+                      <a:r>
+                        <a:rPr lang="uk-UA" sz="1400" dirty="0">
+                          <a:effectLst/>
+                          <a:latin typeface="Times New Roman" panose="02020603050405020304" pitchFamily="18" charset="0"/>
+                          <a:ea typeface="Times New Roman" panose="02020603050405020304" pitchFamily="18" charset="0"/>
+                          <a:cs typeface="Times New Roman" panose="02020603050405020304" pitchFamily="18" charset="0"/>
+                        </a:rPr>
+                        <a:t> бухтами (АТ3801)</a:t>
+                      </a:r>
+                      <a:endParaRPr lang="en-US" sz="1400" dirty="0">
+                        <a:effectLst/>
+                        <a:latin typeface="Times New Roman" panose="02020603050405020304" pitchFamily="18" charset="0"/>
+                        <a:ea typeface="Times New Roman" panose="02020603050405020304" pitchFamily="18" charset="0"/>
+                        <a:cs typeface="Times New Roman" panose="02020603050405020304" pitchFamily="18" charset="0"/>
+                      </a:endParaRPr>
+                    </a:p>
+                  </a:txBody>
+                  <a:tcPr marL="68580" marR="68580" marT="0" marB="0"/>
+                </a:tc>
+                <a:tc>
+                  <a:txBody>
+                    <a:bodyPr/>
+                    <a:lstStyle/>
+                    <a:p>
+                      <a:pPr algn="ctr">
+                        <a:spcAft>
+                          <a:spcPts val="0"/>
+                        </a:spcAft>
+                      </a:pPr>
+                      <a:r>
+                        <a:rPr lang="uk-UA" sz="1400" dirty="0">
+                          <a:effectLst/>
+                          <a:latin typeface="Times New Roman" panose="02020603050405020304" pitchFamily="18" charset="0"/>
+                          <a:ea typeface="Times New Roman" panose="02020603050405020304" pitchFamily="18" charset="0"/>
+                        </a:rPr>
+                        <a:t>2747</a:t>
+                      </a:r>
+                      <a:endParaRPr lang="en-US" sz="1400" dirty="0">
+                        <a:effectLst/>
+                        <a:latin typeface="Times New Roman" panose="02020603050405020304" pitchFamily="18" charset="0"/>
+                        <a:ea typeface="Times New Roman" panose="02020603050405020304" pitchFamily="18" charset="0"/>
+                      </a:endParaRPr>
+                    </a:p>
+                  </a:txBody>
+                  <a:tcPr marL="68580" marR="68580" marT="0" marB="0" anchor="ctr"/>
+                </a:tc>
+                <a:tc>
+                  <a:txBody>
+                    <a:bodyPr/>
+                    <a:lstStyle/>
+                    <a:p>
+                      <a:pPr algn="ctr">
+                        <a:spcAft>
+                          <a:spcPts val="0"/>
+                        </a:spcAft>
+                      </a:pPr>
+                      <a:r>
+                        <a:rPr lang="en-US" sz="1400">
+                          <a:effectLst/>
+                          <a:latin typeface="Times New Roman" panose="02020603050405020304" pitchFamily="18" charset="0"/>
+                          <a:ea typeface="Times New Roman" panose="02020603050405020304" pitchFamily="18" charset="0"/>
+                        </a:rPr>
+                        <a:t>1</a:t>
+                      </a:r>
+                    </a:p>
+                  </a:txBody>
+                  <a:tcPr marL="68580" marR="68580" marT="0" marB="0" anchor="ctr"/>
+                </a:tc>
+                <a:tc>
+                  <a:txBody>
+                    <a:bodyPr/>
+                    <a:lstStyle/>
+                    <a:p>
+                      <a:pPr algn="ctr">
+                        <a:spcAft>
+                          <a:spcPts val="0"/>
+                        </a:spcAft>
+                      </a:pPr>
+                      <a:r>
+                        <a:rPr lang="en-US" sz="1400" dirty="0">
+                          <a:effectLst/>
+                          <a:latin typeface="Times New Roman" panose="02020603050405020304" pitchFamily="18" charset="0"/>
+                          <a:ea typeface="Times New Roman" panose="02020603050405020304" pitchFamily="18" charset="0"/>
+                        </a:rPr>
+                        <a:t>2747</a:t>
+                      </a:r>
+                    </a:p>
+                  </a:txBody>
+                  <a:tcPr marL="68580" marR="68580" marT="0" marB="0" anchor="ctr"/>
+                </a:tc>
+                <a:extLst>
+                  <a:ext uri="{0D108BD9-81ED-4DB2-BD59-A6C34878D82A}">
+                    <a16:rowId xmlns:a16="http://schemas.microsoft.com/office/drawing/2014/main" val="139731292"/>
+                  </a:ext>
+                </a:extLst>
+              </a:tr>
+              <a:tr h="438816">
+                <a:tc>
+                  <a:txBody>
+                    <a:bodyPr/>
+                    <a:lstStyle/>
+                    <a:p>
+                      <a:pPr algn="l">
+                        <a:spcAft>
+                          <a:spcPts val="0"/>
+                        </a:spcAft>
+                      </a:pPr>
+                      <a:r>
+                        <a:rPr lang="uk-UA" sz="1400" dirty="0">
+                          <a:effectLst/>
+                          <a:latin typeface="Times New Roman" panose="02020603050405020304" pitchFamily="18" charset="0"/>
+                          <a:ea typeface="Times New Roman" panose="02020603050405020304" pitchFamily="18" charset="0"/>
+                          <a:cs typeface="Times New Roman" panose="02020603050405020304" pitchFamily="18" charset="0"/>
+                        </a:rPr>
+                        <a:t>Розетка </a:t>
+                      </a:r>
+                      <a:r>
+                        <a:rPr lang="uk-UA" sz="1400" dirty="0" err="1">
+                          <a:effectLst/>
+                          <a:latin typeface="Times New Roman" panose="02020603050405020304" pitchFamily="18" charset="0"/>
+                          <a:ea typeface="Times New Roman" panose="02020603050405020304" pitchFamily="18" charset="0"/>
+                          <a:cs typeface="Times New Roman" panose="02020603050405020304" pitchFamily="18" charset="0"/>
+                        </a:rPr>
+                        <a:t>настенная</a:t>
+                      </a:r>
+                      <a:r>
+                        <a:rPr lang="uk-UA" sz="1400" dirty="0">
+                          <a:effectLst/>
+                          <a:latin typeface="Times New Roman" panose="02020603050405020304" pitchFamily="18" charset="0"/>
+                          <a:ea typeface="Times New Roman" panose="02020603050405020304" pitchFamily="18" charset="0"/>
+                          <a:cs typeface="Times New Roman" panose="02020603050405020304" pitchFamily="18" charset="0"/>
+                        </a:rPr>
+                        <a:t> </a:t>
+                      </a:r>
+                      <a:r>
+                        <a:rPr lang="en-US" sz="1400" dirty="0" err="1">
+                          <a:effectLst/>
+                          <a:latin typeface="Times New Roman" panose="02020603050405020304" pitchFamily="18" charset="0"/>
+                          <a:ea typeface="Times New Roman" panose="02020603050405020304" pitchFamily="18" charset="0"/>
+                          <a:cs typeface="Times New Roman" panose="02020603050405020304" pitchFamily="18" charset="0"/>
+                        </a:rPr>
+                        <a:t>Atcom</a:t>
+                      </a:r>
+                      <a:r>
+                        <a:rPr lang="en-US" sz="1400" dirty="0">
+                          <a:effectLst/>
+                          <a:latin typeface="Times New Roman" panose="02020603050405020304" pitchFamily="18" charset="0"/>
+                          <a:ea typeface="Times New Roman" panose="02020603050405020304" pitchFamily="18" charset="0"/>
+                          <a:cs typeface="Times New Roman" panose="02020603050405020304" pitchFamily="18" charset="0"/>
+                        </a:rPr>
+                        <a:t> UTP</a:t>
+                      </a:r>
+                      <a:r>
+                        <a:rPr lang="uk-UA" sz="1400" dirty="0">
+                          <a:effectLst/>
+                          <a:latin typeface="Times New Roman" panose="02020603050405020304" pitchFamily="18" charset="0"/>
+                          <a:ea typeface="Times New Roman" panose="02020603050405020304" pitchFamily="18" charset="0"/>
+                          <a:cs typeface="Times New Roman" panose="02020603050405020304" pitchFamily="18" charset="0"/>
+                        </a:rPr>
+                        <a:t> 8</a:t>
+                      </a:r>
+                      <a:r>
+                        <a:rPr lang="en-US" sz="1400" dirty="0">
+                          <a:effectLst/>
+                          <a:latin typeface="Times New Roman" panose="02020603050405020304" pitchFamily="18" charset="0"/>
+                          <a:ea typeface="Times New Roman" panose="02020603050405020304" pitchFamily="18" charset="0"/>
+                          <a:cs typeface="Times New Roman" panose="02020603050405020304" pitchFamily="18" charset="0"/>
+                        </a:rPr>
+                        <a:t>P</a:t>
+                      </a:r>
+                      <a:r>
+                        <a:rPr lang="uk-UA" sz="1400" dirty="0">
+                          <a:effectLst/>
+                          <a:latin typeface="Times New Roman" panose="02020603050405020304" pitchFamily="18" charset="0"/>
+                          <a:ea typeface="Times New Roman" panose="02020603050405020304" pitchFamily="18" charset="0"/>
+                          <a:cs typeface="Times New Roman" panose="02020603050405020304" pitchFamily="18" charset="0"/>
+                        </a:rPr>
+                        <a:t>8</a:t>
+                      </a:r>
+                      <a:r>
+                        <a:rPr lang="en-US" sz="1400" dirty="0">
+                          <a:effectLst/>
+                          <a:latin typeface="Times New Roman" panose="02020603050405020304" pitchFamily="18" charset="0"/>
+                          <a:ea typeface="Times New Roman" panose="02020603050405020304" pitchFamily="18" charset="0"/>
+                          <a:cs typeface="Times New Roman" panose="02020603050405020304" pitchFamily="18" charset="0"/>
+                        </a:rPr>
+                        <a:t>C</a:t>
+                      </a:r>
+                      <a:r>
+                        <a:rPr lang="uk-UA" sz="1400" dirty="0">
+                          <a:effectLst/>
+                          <a:latin typeface="Times New Roman" panose="02020603050405020304" pitchFamily="18" charset="0"/>
+                          <a:ea typeface="Times New Roman" panose="02020603050405020304" pitchFamily="18" charset="0"/>
+                          <a:cs typeface="Times New Roman" panose="02020603050405020304" pitchFamily="18" charset="0"/>
+                        </a:rPr>
+                        <a:t> 1</a:t>
+                      </a:r>
+                      <a:r>
+                        <a:rPr lang="en-US" sz="1400" dirty="0" err="1">
+                          <a:effectLst/>
+                          <a:latin typeface="Times New Roman" panose="02020603050405020304" pitchFamily="18" charset="0"/>
+                          <a:ea typeface="Times New Roman" panose="02020603050405020304" pitchFamily="18" charset="0"/>
+                          <a:cs typeface="Times New Roman" panose="02020603050405020304" pitchFamily="18" charset="0"/>
+                        </a:rPr>
+                        <a:t>xRJ</a:t>
+                      </a:r>
+                      <a:r>
+                        <a:rPr lang="uk-UA" sz="1400" dirty="0">
+                          <a:effectLst/>
+                          <a:latin typeface="Times New Roman" panose="02020603050405020304" pitchFamily="18" charset="0"/>
+                          <a:ea typeface="Times New Roman" panose="02020603050405020304" pitchFamily="18" charset="0"/>
+                          <a:cs typeface="Times New Roman" panose="02020603050405020304" pitchFamily="18" charset="0"/>
+                        </a:rPr>
+                        <a:t>-45 </a:t>
+                      </a:r>
+                      <a:r>
+                        <a:rPr lang="uk-UA" sz="1400" dirty="0" err="1">
+                          <a:effectLst/>
+                          <a:latin typeface="Times New Roman" panose="02020603050405020304" pitchFamily="18" charset="0"/>
+                          <a:ea typeface="Times New Roman" panose="02020603050405020304" pitchFamily="18" charset="0"/>
+                          <a:cs typeface="Times New Roman" panose="02020603050405020304" pitchFamily="18" charset="0"/>
+                        </a:rPr>
+                        <a:t>одинарная</a:t>
+                      </a:r>
+                      <a:r>
+                        <a:rPr lang="uk-UA" sz="1400" dirty="0">
+                          <a:effectLst/>
+                          <a:latin typeface="Times New Roman" panose="02020603050405020304" pitchFamily="18" charset="0"/>
+                          <a:ea typeface="Times New Roman" panose="02020603050405020304" pitchFamily="18" charset="0"/>
+                          <a:cs typeface="Times New Roman" panose="02020603050405020304" pitchFamily="18" charset="0"/>
+                        </a:rPr>
+                        <a:t> (АТ15253)</a:t>
+                      </a:r>
+                      <a:endParaRPr lang="en-US" sz="1400" dirty="0">
+                        <a:effectLst/>
+                        <a:latin typeface="Times New Roman" panose="02020603050405020304" pitchFamily="18" charset="0"/>
+                        <a:ea typeface="Times New Roman" panose="02020603050405020304" pitchFamily="18" charset="0"/>
+                        <a:cs typeface="Times New Roman" panose="02020603050405020304" pitchFamily="18" charset="0"/>
+                      </a:endParaRPr>
+                    </a:p>
+                  </a:txBody>
+                  <a:tcPr marL="68580" marR="68580" marT="0" marB="0"/>
+                </a:tc>
+                <a:tc>
+                  <a:txBody>
+                    <a:bodyPr/>
+                    <a:lstStyle/>
+                    <a:p>
+                      <a:pPr algn="ctr">
+                        <a:spcAft>
+                          <a:spcPts val="0"/>
+                        </a:spcAft>
+                      </a:pPr>
+                      <a:r>
+                        <a:rPr lang="ru-RU" sz="1400" dirty="0">
+                          <a:effectLst/>
+                          <a:latin typeface="Times New Roman" panose="02020603050405020304" pitchFamily="18" charset="0"/>
+                          <a:ea typeface="Times New Roman" panose="02020603050405020304" pitchFamily="18" charset="0"/>
+                        </a:rPr>
+                        <a:t>9</a:t>
+                      </a:r>
+                      <a:r>
+                        <a:rPr lang="en-US" sz="1400" dirty="0">
+                          <a:effectLst/>
+                          <a:latin typeface="Times New Roman" panose="02020603050405020304" pitchFamily="18" charset="0"/>
+                          <a:ea typeface="Times New Roman" panose="02020603050405020304" pitchFamily="18" charset="0"/>
+                        </a:rPr>
+                        <a:t>3</a:t>
+                      </a:r>
+                    </a:p>
+                  </a:txBody>
+                  <a:tcPr marL="68580" marR="68580" marT="0" marB="0" anchor="ctr"/>
+                </a:tc>
+                <a:tc>
+                  <a:txBody>
+                    <a:bodyPr/>
+                    <a:lstStyle/>
+                    <a:p>
+                      <a:pPr algn="ctr">
+                        <a:spcAft>
+                          <a:spcPts val="0"/>
+                        </a:spcAft>
+                      </a:pPr>
+                      <a:r>
+                        <a:rPr lang="en-US" sz="1400">
+                          <a:effectLst/>
+                          <a:latin typeface="Times New Roman" panose="02020603050405020304" pitchFamily="18" charset="0"/>
+                          <a:ea typeface="Times New Roman" panose="02020603050405020304" pitchFamily="18" charset="0"/>
+                        </a:rPr>
+                        <a:t>17</a:t>
+                      </a:r>
+                    </a:p>
+                  </a:txBody>
+                  <a:tcPr marL="68580" marR="68580" marT="0" marB="0" anchor="ctr"/>
+                </a:tc>
+                <a:tc>
+                  <a:txBody>
+                    <a:bodyPr/>
+                    <a:lstStyle/>
+                    <a:p>
+                      <a:pPr algn="ctr">
+                        <a:spcAft>
+                          <a:spcPts val="0"/>
+                        </a:spcAft>
+                      </a:pPr>
+                      <a:r>
+                        <a:rPr lang="en-US" sz="1400">
+                          <a:effectLst/>
+                          <a:latin typeface="Times New Roman" panose="02020603050405020304" pitchFamily="18" charset="0"/>
+                          <a:ea typeface="Times New Roman" panose="02020603050405020304" pitchFamily="18" charset="0"/>
+                        </a:rPr>
+                        <a:t>1581</a:t>
+                      </a:r>
+                    </a:p>
+                  </a:txBody>
+                  <a:tcPr marL="68580" marR="68580" marT="0" marB="0" anchor="ctr"/>
+                </a:tc>
+                <a:extLst>
+                  <a:ext uri="{0D108BD9-81ED-4DB2-BD59-A6C34878D82A}">
+                    <a16:rowId xmlns:a16="http://schemas.microsoft.com/office/drawing/2014/main" val="368920930"/>
+                  </a:ext>
+                </a:extLst>
+              </a:tr>
+              <a:tr h="273281">
+                <a:tc>
+                  <a:txBody>
+                    <a:bodyPr/>
+                    <a:lstStyle/>
+                    <a:p>
+                      <a:pPr algn="l">
+                        <a:lnSpc>
+                          <a:spcPct val="140000"/>
+                        </a:lnSpc>
+                        <a:spcAft>
+                          <a:spcPts val="0"/>
+                        </a:spcAft>
+                      </a:pPr>
+                      <a:r>
+                        <a:rPr lang="ru-RU" sz="1400" b="0" kern="1400" cap="all" dirty="0">
+                          <a:solidFill>
+                            <a:srgbClr val="000000"/>
+                          </a:solidFill>
+                          <a:effectLst/>
+                          <a:latin typeface="Times New Roman" panose="02020603050405020304" pitchFamily="18" charset="0"/>
+                          <a:cs typeface="Times New Roman" panose="02020603050405020304" pitchFamily="18" charset="0"/>
+                        </a:rPr>
+                        <a:t>Коннектор</a:t>
+                      </a:r>
+                      <a:r>
+                        <a:rPr lang="uk-UA" sz="1400" b="0" kern="0" cap="all" dirty="0">
+                          <a:solidFill>
+                            <a:srgbClr val="000000"/>
+                          </a:solidFill>
+                          <a:effectLst/>
+                          <a:latin typeface="Times New Roman" panose="02020603050405020304" pitchFamily="18" charset="0"/>
+                          <a:cs typeface="Times New Roman" panose="02020603050405020304" pitchFamily="18" charset="0"/>
+                        </a:rPr>
+                        <a:t> RJ 45</a:t>
+                      </a:r>
+                      <a:endParaRPr lang="en-US" sz="1400" b="1" kern="1400" cap="all" dirty="0">
+                        <a:effectLst/>
+                        <a:latin typeface="Times New Roman" panose="02020603050405020304" pitchFamily="18" charset="0"/>
+                        <a:cs typeface="Times New Roman" panose="02020603050405020304" pitchFamily="18" charset="0"/>
+                      </a:endParaRPr>
+                    </a:p>
+                  </a:txBody>
+                  <a:tcPr marL="68580" marR="68580" marT="0" marB="0"/>
+                </a:tc>
+                <a:tc>
+                  <a:txBody>
+                    <a:bodyPr/>
+                    <a:lstStyle/>
+                    <a:p>
+                      <a:pPr algn="ctr">
+                        <a:spcAft>
+                          <a:spcPts val="0"/>
+                        </a:spcAft>
+                      </a:pPr>
+                      <a:r>
+                        <a:rPr lang="en-US" sz="1400" dirty="0">
+                          <a:effectLst/>
+                          <a:latin typeface="Times New Roman" panose="02020603050405020304" pitchFamily="18" charset="0"/>
+                          <a:ea typeface="Times New Roman" panose="02020603050405020304" pitchFamily="18" charset="0"/>
+                        </a:rPr>
+                        <a:t>5</a:t>
+                      </a:r>
+                    </a:p>
+                  </a:txBody>
+                  <a:tcPr marL="68580" marR="68580" marT="0" marB="0" anchor="ctr"/>
+                </a:tc>
+                <a:tc>
+                  <a:txBody>
+                    <a:bodyPr/>
+                    <a:lstStyle/>
+                    <a:p>
+                      <a:pPr algn="ctr">
+                        <a:spcAft>
+                          <a:spcPts val="0"/>
+                        </a:spcAft>
+                      </a:pPr>
+                      <a:r>
+                        <a:rPr lang="uk-UA" sz="1400" dirty="0">
+                          <a:effectLst/>
+                          <a:latin typeface="Times New Roman" panose="02020603050405020304" pitchFamily="18" charset="0"/>
+                          <a:ea typeface="Times New Roman" panose="02020603050405020304" pitchFamily="18" charset="0"/>
+                        </a:rPr>
+                        <a:t>1</a:t>
+                      </a:r>
+                      <a:r>
+                        <a:rPr lang="ru-RU" sz="1400" dirty="0">
+                          <a:effectLst/>
+                          <a:latin typeface="Times New Roman" panose="02020603050405020304" pitchFamily="18" charset="0"/>
+                          <a:ea typeface="Times New Roman" panose="02020603050405020304" pitchFamily="18" charset="0"/>
+                        </a:rPr>
+                        <a:t>6</a:t>
+                      </a:r>
+                      <a:endParaRPr lang="en-US" sz="1400" dirty="0">
+                        <a:effectLst/>
+                        <a:latin typeface="Times New Roman" panose="02020603050405020304" pitchFamily="18" charset="0"/>
+                        <a:ea typeface="Times New Roman" panose="02020603050405020304" pitchFamily="18" charset="0"/>
+                      </a:endParaRPr>
+                    </a:p>
+                  </a:txBody>
+                  <a:tcPr marL="68580" marR="68580" marT="0" marB="0" anchor="ctr"/>
+                </a:tc>
+                <a:tc>
+                  <a:txBody>
+                    <a:bodyPr/>
+                    <a:lstStyle/>
+                    <a:p>
+                      <a:pPr algn="ctr">
+                        <a:spcAft>
+                          <a:spcPts val="0"/>
+                        </a:spcAft>
+                      </a:pPr>
+                      <a:r>
+                        <a:rPr lang="ru-RU" sz="1400">
+                          <a:effectLst/>
+                          <a:latin typeface="Times New Roman" panose="02020603050405020304" pitchFamily="18" charset="0"/>
+                          <a:ea typeface="Times New Roman" panose="02020603050405020304" pitchFamily="18" charset="0"/>
+                        </a:rPr>
+                        <a:t>96</a:t>
+                      </a:r>
+                      <a:endParaRPr lang="en-US" sz="1400">
+                        <a:effectLst/>
+                        <a:latin typeface="Times New Roman" panose="02020603050405020304" pitchFamily="18" charset="0"/>
+                        <a:ea typeface="Times New Roman" panose="02020603050405020304" pitchFamily="18" charset="0"/>
+                      </a:endParaRPr>
+                    </a:p>
+                  </a:txBody>
+                  <a:tcPr marL="68580" marR="68580" marT="0" marB="0" anchor="ctr"/>
+                </a:tc>
+                <a:extLst>
+                  <a:ext uri="{0D108BD9-81ED-4DB2-BD59-A6C34878D82A}">
+                    <a16:rowId xmlns:a16="http://schemas.microsoft.com/office/drawing/2014/main" val="4246030164"/>
+                  </a:ext>
+                </a:extLst>
+              </a:tr>
+              <a:tr h="580452">
+                <a:tc>
+                  <a:txBody>
+                    <a:bodyPr/>
+                    <a:lstStyle/>
+                    <a:p>
+                      <a:pPr algn="l">
+                        <a:lnSpc>
+                          <a:spcPct val="140000"/>
+                        </a:lnSpc>
+                        <a:spcAft>
+                          <a:spcPts val="0"/>
+                        </a:spcAft>
+                      </a:pPr>
+                      <a:r>
+                        <a:rPr lang="uk-UA" sz="1400" b="0" kern="0" cap="all">
+                          <a:solidFill>
+                            <a:srgbClr val="000000"/>
+                          </a:solidFill>
+                          <a:effectLst/>
+                          <a:latin typeface="Times New Roman" panose="02020603050405020304" pitchFamily="18" charset="0"/>
+                          <a:cs typeface="Times New Roman" panose="02020603050405020304" pitchFamily="18" charset="0"/>
+                        </a:rPr>
+                        <a:t>Коммутатор</a:t>
+                      </a:r>
+                      <a:r>
+                        <a:rPr lang="en-US" sz="1400" b="0" kern="0" cap="all">
+                          <a:solidFill>
+                            <a:srgbClr val="000000"/>
+                          </a:solidFill>
+                          <a:effectLst/>
+                          <a:latin typeface="Times New Roman" panose="02020603050405020304" pitchFamily="18" charset="0"/>
+                          <a:cs typeface="Times New Roman" panose="02020603050405020304" pitchFamily="18" charset="0"/>
+                        </a:rPr>
+                        <a:t> TP-Link TL-SF1016D 16port 10/100</a:t>
+                      </a:r>
+                      <a:endParaRPr lang="en-US" sz="1400" b="1" kern="1400" cap="all">
+                        <a:effectLst/>
+                        <a:latin typeface="Times New Roman" panose="02020603050405020304" pitchFamily="18" charset="0"/>
+                        <a:cs typeface="Times New Roman" panose="02020603050405020304" pitchFamily="18" charset="0"/>
+                      </a:endParaRPr>
+                    </a:p>
+                  </a:txBody>
+                  <a:tcPr marL="68580" marR="68580" marT="0" marB="0"/>
+                </a:tc>
+                <a:tc>
+                  <a:txBody>
+                    <a:bodyPr/>
+                    <a:lstStyle/>
+                    <a:p>
+                      <a:pPr algn="ctr">
+                        <a:spcAft>
+                          <a:spcPts val="0"/>
+                        </a:spcAft>
+                      </a:pPr>
+                      <a:r>
+                        <a:rPr lang="en-US" sz="1400" dirty="0">
+                          <a:effectLst/>
+                          <a:latin typeface="Times New Roman" panose="02020603050405020304" pitchFamily="18" charset="0"/>
+                          <a:ea typeface="Times New Roman" panose="02020603050405020304" pitchFamily="18" charset="0"/>
+                        </a:rPr>
+                        <a:t>1382</a:t>
+                      </a:r>
+                    </a:p>
+                  </a:txBody>
+                  <a:tcPr marL="68580" marR="68580" marT="0" marB="0" anchor="ctr"/>
+                </a:tc>
+                <a:tc>
+                  <a:txBody>
+                    <a:bodyPr/>
+                    <a:lstStyle/>
+                    <a:p>
+                      <a:pPr algn="ctr">
+                        <a:spcAft>
+                          <a:spcPts val="0"/>
+                        </a:spcAft>
+                      </a:pPr>
+                      <a:r>
+                        <a:rPr lang="uk-UA" sz="1400" dirty="0">
+                          <a:effectLst/>
+                          <a:latin typeface="Times New Roman" panose="02020603050405020304" pitchFamily="18" charset="0"/>
+                          <a:ea typeface="Times New Roman" panose="02020603050405020304" pitchFamily="18" charset="0"/>
+                        </a:rPr>
+                        <a:t>1</a:t>
+                      </a:r>
+                      <a:endParaRPr lang="en-US" sz="1400" dirty="0">
+                        <a:effectLst/>
+                        <a:latin typeface="Times New Roman" panose="02020603050405020304" pitchFamily="18" charset="0"/>
+                        <a:ea typeface="Times New Roman" panose="02020603050405020304" pitchFamily="18" charset="0"/>
+                      </a:endParaRPr>
+                    </a:p>
+                  </a:txBody>
+                  <a:tcPr marL="68580" marR="68580" marT="0" marB="0" anchor="ctr"/>
+                </a:tc>
+                <a:tc>
+                  <a:txBody>
+                    <a:bodyPr/>
+                    <a:lstStyle/>
+                    <a:p>
+                      <a:pPr algn="ctr">
+                        <a:spcAft>
+                          <a:spcPts val="0"/>
+                        </a:spcAft>
+                      </a:pPr>
+                      <a:r>
+                        <a:rPr lang="uk-UA" sz="1400" dirty="0">
+                          <a:effectLst/>
+                          <a:latin typeface="Times New Roman" panose="02020603050405020304" pitchFamily="18" charset="0"/>
+                          <a:ea typeface="Times New Roman" panose="02020603050405020304" pitchFamily="18" charset="0"/>
+                        </a:rPr>
+                        <a:t>1392</a:t>
+                      </a:r>
+                      <a:endParaRPr lang="en-US" sz="1400" dirty="0">
+                        <a:effectLst/>
+                        <a:latin typeface="Times New Roman" panose="02020603050405020304" pitchFamily="18" charset="0"/>
+                        <a:ea typeface="Times New Roman" panose="02020603050405020304" pitchFamily="18" charset="0"/>
+                      </a:endParaRPr>
+                    </a:p>
+                  </a:txBody>
+                  <a:tcPr marL="68580" marR="68580" marT="0" marB="0" anchor="ctr"/>
+                </a:tc>
+                <a:extLst>
+                  <a:ext uri="{0D108BD9-81ED-4DB2-BD59-A6C34878D82A}">
+                    <a16:rowId xmlns:a16="http://schemas.microsoft.com/office/drawing/2014/main" val="3744111680"/>
+                  </a:ext>
+                </a:extLst>
+              </a:tr>
+              <a:tr h="580452">
+                <a:tc>
+                  <a:txBody>
+                    <a:bodyPr/>
+                    <a:lstStyle/>
+                    <a:p>
+                      <a:pPr algn="l">
+                        <a:lnSpc>
+                          <a:spcPct val="140000"/>
+                        </a:lnSpc>
+                        <a:spcAft>
+                          <a:spcPts val="0"/>
+                        </a:spcAft>
+                      </a:pPr>
+                      <a:r>
+                        <a:rPr lang="uk-UA" sz="1400" b="0" kern="0" cap="all">
+                          <a:solidFill>
+                            <a:srgbClr val="000000"/>
+                          </a:solidFill>
+                          <a:effectLst/>
+                          <a:latin typeface="Times New Roman" panose="02020603050405020304" pitchFamily="18" charset="0"/>
+                          <a:cs typeface="Times New Roman" panose="02020603050405020304" pitchFamily="18" charset="0"/>
+                        </a:rPr>
+                        <a:t>Кабельный канал (короб) пластиковый 40x40 </a:t>
+                      </a:r>
+                      <a:endParaRPr lang="en-US" sz="1400" b="1" kern="1400" cap="all">
+                        <a:effectLst/>
+                        <a:latin typeface="Times New Roman" panose="02020603050405020304" pitchFamily="18" charset="0"/>
+                        <a:cs typeface="Times New Roman" panose="02020603050405020304" pitchFamily="18" charset="0"/>
+                      </a:endParaRPr>
+                    </a:p>
+                  </a:txBody>
+                  <a:tcPr marL="68580" marR="68580" marT="0" marB="0"/>
+                </a:tc>
+                <a:tc>
+                  <a:txBody>
+                    <a:bodyPr/>
+                    <a:lstStyle/>
+                    <a:p>
+                      <a:pPr algn="ctr">
+                        <a:spcAft>
+                          <a:spcPts val="0"/>
+                        </a:spcAft>
+                      </a:pPr>
+                      <a:r>
+                        <a:rPr lang="en-US" sz="1400">
+                          <a:effectLst/>
+                          <a:latin typeface="Times New Roman" panose="02020603050405020304" pitchFamily="18" charset="0"/>
+                          <a:ea typeface="Times New Roman" panose="02020603050405020304" pitchFamily="18" charset="0"/>
+                        </a:rPr>
+                        <a:t>57</a:t>
+                      </a:r>
+                    </a:p>
+                  </a:txBody>
+                  <a:tcPr marL="68580" marR="68580" marT="0" marB="0" anchor="ctr"/>
+                </a:tc>
+                <a:tc>
+                  <a:txBody>
+                    <a:bodyPr/>
+                    <a:lstStyle/>
+                    <a:p>
+                      <a:pPr algn="ctr">
+                        <a:spcAft>
+                          <a:spcPts val="0"/>
+                        </a:spcAft>
+                      </a:pPr>
+                      <a:r>
+                        <a:rPr lang="uk-UA" sz="1400" dirty="0">
+                          <a:effectLst/>
+                          <a:latin typeface="Times New Roman" panose="02020603050405020304" pitchFamily="18" charset="0"/>
+                          <a:ea typeface="Times New Roman" panose="02020603050405020304" pitchFamily="18" charset="0"/>
+                        </a:rPr>
+                        <a:t>1</a:t>
+                      </a:r>
+                      <a:r>
+                        <a:rPr lang="ru-RU" sz="1400" dirty="0">
+                          <a:effectLst/>
+                          <a:latin typeface="Times New Roman" panose="02020603050405020304" pitchFamily="18" charset="0"/>
+                          <a:ea typeface="Times New Roman" panose="02020603050405020304" pitchFamily="18" charset="0"/>
+                        </a:rPr>
+                        <a:t>1</a:t>
+                      </a:r>
+                      <a:endParaRPr lang="en-US" sz="1400" dirty="0">
+                        <a:effectLst/>
+                        <a:latin typeface="Times New Roman" panose="02020603050405020304" pitchFamily="18" charset="0"/>
+                        <a:ea typeface="Times New Roman" panose="02020603050405020304" pitchFamily="18" charset="0"/>
+                      </a:endParaRPr>
+                    </a:p>
+                  </a:txBody>
+                  <a:tcPr marL="68580" marR="68580" marT="0" marB="0" anchor="ctr"/>
+                </a:tc>
+                <a:tc>
+                  <a:txBody>
+                    <a:bodyPr/>
+                    <a:lstStyle/>
+                    <a:p>
+                      <a:pPr algn="ctr">
+                        <a:spcAft>
+                          <a:spcPts val="0"/>
+                        </a:spcAft>
+                      </a:pPr>
+                      <a:r>
+                        <a:rPr lang="ru-RU" sz="1400">
+                          <a:effectLst/>
+                          <a:latin typeface="Times New Roman" panose="02020603050405020304" pitchFamily="18" charset="0"/>
+                          <a:ea typeface="Times New Roman" panose="02020603050405020304" pitchFamily="18" charset="0"/>
+                        </a:rPr>
+                        <a:t>704</a:t>
+                      </a:r>
+                      <a:endParaRPr lang="en-US" sz="1400">
+                        <a:effectLst/>
+                        <a:latin typeface="Times New Roman" panose="02020603050405020304" pitchFamily="18" charset="0"/>
+                        <a:ea typeface="Times New Roman" panose="02020603050405020304" pitchFamily="18" charset="0"/>
+                      </a:endParaRPr>
+                    </a:p>
+                  </a:txBody>
+                  <a:tcPr marL="68580" marR="68580" marT="0" marB="0" anchor="ctr"/>
+                </a:tc>
+                <a:extLst>
+                  <a:ext uri="{0D108BD9-81ED-4DB2-BD59-A6C34878D82A}">
+                    <a16:rowId xmlns:a16="http://schemas.microsoft.com/office/drawing/2014/main" val="3840834747"/>
+                  </a:ext>
+                </a:extLst>
+              </a:tr>
+              <a:tr h="219408">
+                <a:tc>
+                  <a:txBody>
+                    <a:bodyPr/>
+                    <a:lstStyle/>
+                    <a:p>
+                      <a:pPr algn="l">
+                        <a:spcAft>
+                          <a:spcPts val="0"/>
+                        </a:spcAft>
+                      </a:pPr>
+                      <a:r>
+                        <a:rPr lang="uk-UA" sz="1400">
+                          <a:effectLst/>
+                          <a:latin typeface="Times New Roman" panose="02020603050405020304" pitchFamily="18" charset="0"/>
+                          <a:ea typeface="Times New Roman" panose="02020603050405020304" pitchFamily="18" charset="0"/>
+                          <a:cs typeface="Times New Roman" panose="02020603050405020304" pitchFamily="18" charset="0"/>
+                        </a:rPr>
+                        <a:t>Шурупы саморезы, шт</a:t>
+                      </a:r>
+                      <a:endParaRPr lang="en-US" sz="1400">
+                        <a:effectLst/>
+                        <a:latin typeface="Times New Roman" panose="02020603050405020304" pitchFamily="18" charset="0"/>
+                        <a:ea typeface="Times New Roman" panose="02020603050405020304" pitchFamily="18" charset="0"/>
+                        <a:cs typeface="Times New Roman" panose="02020603050405020304" pitchFamily="18" charset="0"/>
+                      </a:endParaRPr>
+                    </a:p>
+                  </a:txBody>
+                  <a:tcPr marL="68580" marR="68580" marT="0" marB="0"/>
+                </a:tc>
+                <a:tc>
+                  <a:txBody>
+                    <a:bodyPr/>
+                    <a:lstStyle/>
+                    <a:p>
+                      <a:pPr algn="ctr">
+                        <a:spcAft>
+                          <a:spcPts val="0"/>
+                        </a:spcAft>
+                      </a:pPr>
+                      <a:r>
+                        <a:rPr lang="uk-UA" sz="1400">
+                          <a:effectLst/>
+                          <a:latin typeface="Times New Roman" panose="02020603050405020304" pitchFamily="18" charset="0"/>
+                          <a:ea typeface="Times New Roman" panose="02020603050405020304" pitchFamily="18" charset="0"/>
+                        </a:rPr>
+                        <a:t>0</a:t>
+                      </a:r>
+                      <a:r>
+                        <a:rPr lang="en-US" sz="1400">
+                          <a:effectLst/>
+                          <a:latin typeface="Times New Roman" panose="02020603050405020304" pitchFamily="18" charset="0"/>
+                          <a:ea typeface="Times New Roman" panose="02020603050405020304" pitchFamily="18" charset="0"/>
+                        </a:rPr>
+                        <a:t>,29</a:t>
+                      </a:r>
+                    </a:p>
+                  </a:txBody>
+                  <a:tcPr marL="68580" marR="68580" marT="0" marB="0" anchor="ctr"/>
+                </a:tc>
+                <a:tc>
+                  <a:txBody>
+                    <a:bodyPr/>
+                    <a:lstStyle/>
+                    <a:p>
+                      <a:pPr algn="ctr">
+                        <a:spcAft>
+                          <a:spcPts val="0"/>
+                        </a:spcAft>
+                      </a:pPr>
+                      <a:r>
+                        <a:rPr lang="uk-UA" sz="1400" dirty="0">
+                          <a:effectLst/>
+                          <a:latin typeface="Times New Roman" panose="02020603050405020304" pitchFamily="18" charset="0"/>
+                          <a:ea typeface="Times New Roman" panose="02020603050405020304" pitchFamily="18" charset="0"/>
+                        </a:rPr>
+                        <a:t>3</a:t>
+                      </a:r>
+                      <a:r>
+                        <a:rPr lang="en-US" sz="1400" dirty="0">
+                          <a:effectLst/>
+                          <a:latin typeface="Times New Roman" panose="02020603050405020304" pitchFamily="18" charset="0"/>
+                          <a:ea typeface="Times New Roman" panose="02020603050405020304" pitchFamily="18" charset="0"/>
+                        </a:rPr>
+                        <a:t>9</a:t>
+                      </a:r>
+                    </a:p>
+                  </a:txBody>
+                  <a:tcPr marL="68580" marR="68580" marT="0" marB="0" anchor="ctr"/>
+                </a:tc>
+                <a:tc>
+                  <a:txBody>
+                    <a:bodyPr/>
+                    <a:lstStyle/>
+                    <a:p>
+                      <a:pPr algn="ctr">
+                        <a:spcAft>
+                          <a:spcPts val="0"/>
+                        </a:spcAft>
+                      </a:pPr>
+                      <a:r>
+                        <a:rPr lang="en-US" sz="1400" dirty="0">
+                          <a:effectLst/>
+                          <a:latin typeface="Times New Roman" panose="02020603050405020304" pitchFamily="18" charset="0"/>
+                          <a:ea typeface="Times New Roman" panose="02020603050405020304" pitchFamily="18" charset="0"/>
+                        </a:rPr>
+                        <a:t>11,31</a:t>
+                      </a:r>
+                    </a:p>
+                  </a:txBody>
+                  <a:tcPr marL="68580" marR="68580" marT="0" marB="0" anchor="ctr"/>
+                </a:tc>
+                <a:extLst>
+                  <a:ext uri="{0D108BD9-81ED-4DB2-BD59-A6C34878D82A}">
+                    <a16:rowId xmlns:a16="http://schemas.microsoft.com/office/drawing/2014/main" val="1585800378"/>
+                  </a:ext>
+                </a:extLst>
+              </a:tr>
+              <a:tr h="438816">
+                <a:tc>
+                  <a:txBody>
+                    <a:bodyPr/>
+                    <a:lstStyle/>
+                    <a:p>
+                      <a:pPr algn="l">
+                        <a:spcAft>
+                          <a:spcPts val="0"/>
+                        </a:spcAft>
+                      </a:pPr>
+                      <a:r>
+                        <a:rPr lang="uk-UA" sz="1400">
+                          <a:effectLst/>
+                          <a:latin typeface="Times New Roman" panose="02020603050405020304" pitchFamily="18" charset="0"/>
+                          <a:ea typeface="Times New Roman" panose="02020603050405020304" pitchFamily="18" charset="0"/>
+                          <a:cs typeface="Times New Roman" panose="02020603050405020304" pitchFamily="18" charset="0"/>
+                        </a:rPr>
+                        <a:t>Уголки</a:t>
+                      </a:r>
+                      <a:r>
+                        <a:rPr lang="ru-RU" sz="1400">
+                          <a:effectLst/>
+                          <a:latin typeface="Times New Roman" panose="02020603050405020304" pitchFamily="18" charset="0"/>
+                          <a:ea typeface="Times New Roman" panose="02020603050405020304" pitchFamily="18" charset="0"/>
+                          <a:cs typeface="Times New Roman" panose="02020603050405020304" pitchFamily="18" charset="0"/>
+                        </a:rPr>
+                        <a:t>: </a:t>
+                      </a:r>
+                      <a:r>
+                        <a:rPr lang="uk-UA" sz="1400">
+                          <a:effectLst/>
+                          <a:latin typeface="Times New Roman" panose="02020603050405020304" pitchFamily="18" charset="0"/>
+                          <a:ea typeface="Times New Roman" panose="02020603050405020304" pitchFamily="18" charset="0"/>
+                          <a:cs typeface="Times New Roman" panose="02020603050405020304" pitchFamily="18" charset="0"/>
+                        </a:rPr>
+                        <a:t>внутренний</a:t>
+                      </a:r>
+                      <a:r>
+                        <a:rPr lang="ru-RU" sz="1400">
+                          <a:effectLst/>
+                          <a:latin typeface="Times New Roman" panose="02020603050405020304" pitchFamily="18" charset="0"/>
+                          <a:ea typeface="Times New Roman" panose="02020603050405020304" pitchFamily="18" charset="0"/>
+                          <a:cs typeface="Times New Roman" panose="02020603050405020304" pitchFamily="18" charset="0"/>
+                        </a:rPr>
+                        <a:t>, </a:t>
+                      </a:r>
+                      <a:r>
+                        <a:rPr lang="uk-UA" sz="1400">
+                          <a:effectLst/>
+                          <a:latin typeface="Times New Roman" panose="02020603050405020304" pitchFamily="18" charset="0"/>
+                          <a:ea typeface="Times New Roman" panose="02020603050405020304" pitchFamily="18" charset="0"/>
+                          <a:cs typeface="Times New Roman" panose="02020603050405020304" pitchFamily="18" charset="0"/>
+                        </a:rPr>
+                        <a:t>внешний</a:t>
+                      </a:r>
+                      <a:r>
+                        <a:rPr lang="ru-RU" sz="1400">
+                          <a:effectLst/>
+                          <a:latin typeface="Times New Roman" panose="02020603050405020304" pitchFamily="18" charset="0"/>
+                          <a:ea typeface="Times New Roman" panose="02020603050405020304" pitchFamily="18" charset="0"/>
+                          <a:cs typeface="Times New Roman" panose="02020603050405020304" pitchFamily="18" charset="0"/>
+                        </a:rPr>
+                        <a:t>, </a:t>
+                      </a:r>
+                      <a:r>
+                        <a:rPr lang="uk-UA" sz="1400">
+                          <a:effectLst/>
+                          <a:latin typeface="Times New Roman" panose="02020603050405020304" pitchFamily="18" charset="0"/>
+                          <a:ea typeface="Times New Roman" panose="02020603050405020304" pitchFamily="18" charset="0"/>
+                          <a:cs typeface="Times New Roman" panose="02020603050405020304" pitchFamily="18" charset="0"/>
+                        </a:rPr>
+                        <a:t>Т/образный</a:t>
+                      </a:r>
+                      <a:endParaRPr lang="en-US" sz="1400">
+                        <a:effectLst/>
+                        <a:latin typeface="Times New Roman" panose="02020603050405020304" pitchFamily="18" charset="0"/>
+                        <a:ea typeface="Times New Roman" panose="02020603050405020304" pitchFamily="18" charset="0"/>
+                        <a:cs typeface="Times New Roman" panose="02020603050405020304" pitchFamily="18" charset="0"/>
+                      </a:endParaRPr>
+                    </a:p>
+                  </a:txBody>
+                  <a:tcPr marL="68580" marR="68580" marT="0" marB="0"/>
+                </a:tc>
+                <a:tc>
+                  <a:txBody>
+                    <a:bodyPr/>
+                    <a:lstStyle/>
+                    <a:p>
+                      <a:pPr algn="ctr">
+                        <a:spcAft>
+                          <a:spcPts val="0"/>
+                        </a:spcAft>
+                      </a:pPr>
+                      <a:r>
+                        <a:rPr lang="en-US" sz="1400">
+                          <a:effectLst/>
+                          <a:latin typeface="Times New Roman" panose="02020603050405020304" pitchFamily="18" charset="0"/>
+                          <a:ea typeface="Times New Roman" panose="02020603050405020304" pitchFamily="18" charset="0"/>
+                        </a:rPr>
+                        <a:t>17</a:t>
+                      </a:r>
+                    </a:p>
+                    <a:p>
+                      <a:pPr algn="ctr">
+                        <a:spcAft>
+                          <a:spcPts val="0"/>
+                        </a:spcAft>
+                      </a:pPr>
+                      <a:r>
+                        <a:rPr lang="uk-UA" sz="1400">
+                          <a:effectLst/>
+                          <a:latin typeface="Times New Roman" panose="02020603050405020304" pitchFamily="18" charset="0"/>
+                          <a:ea typeface="Times New Roman" panose="02020603050405020304" pitchFamily="18" charset="0"/>
+                        </a:rPr>
+                        <a:t>18</a:t>
+                      </a:r>
+                      <a:endParaRPr lang="en-US" sz="1400">
+                        <a:effectLst/>
+                        <a:latin typeface="Times New Roman" panose="02020603050405020304" pitchFamily="18" charset="0"/>
+                        <a:ea typeface="Times New Roman" panose="02020603050405020304" pitchFamily="18" charset="0"/>
+                      </a:endParaRPr>
+                    </a:p>
+                  </a:txBody>
+                  <a:tcPr marL="68580" marR="68580" marT="0" marB="0" anchor="ctr"/>
+                </a:tc>
+                <a:tc>
+                  <a:txBody>
+                    <a:bodyPr/>
+                    <a:lstStyle/>
+                    <a:p>
+                      <a:pPr algn="ctr">
+                        <a:spcAft>
+                          <a:spcPts val="0"/>
+                        </a:spcAft>
+                      </a:pPr>
+                      <a:r>
+                        <a:rPr lang="en-US" sz="1400">
+                          <a:effectLst/>
+                          <a:latin typeface="Times New Roman" panose="02020603050405020304" pitchFamily="18" charset="0"/>
+                          <a:ea typeface="Times New Roman" panose="02020603050405020304" pitchFamily="18" charset="0"/>
+                        </a:rPr>
+                        <a:t>3</a:t>
+                      </a:r>
+                    </a:p>
+                    <a:p>
+                      <a:pPr algn="ctr">
+                        <a:spcAft>
+                          <a:spcPts val="0"/>
+                        </a:spcAft>
+                      </a:pPr>
+                      <a:r>
+                        <a:rPr lang="en-US" sz="1400">
+                          <a:effectLst/>
+                          <a:latin typeface="Times New Roman" panose="02020603050405020304" pitchFamily="18" charset="0"/>
+                          <a:ea typeface="Times New Roman" panose="02020603050405020304" pitchFamily="18" charset="0"/>
+                        </a:rPr>
+                        <a:t>1</a:t>
+                      </a:r>
+                    </a:p>
+                  </a:txBody>
+                  <a:tcPr marL="68580" marR="68580" marT="0" marB="0" anchor="ctr"/>
+                </a:tc>
+                <a:tc>
+                  <a:txBody>
+                    <a:bodyPr/>
+                    <a:lstStyle/>
+                    <a:p>
+                      <a:pPr algn="ctr">
+                        <a:spcAft>
+                          <a:spcPts val="0"/>
+                        </a:spcAft>
+                      </a:pPr>
+                      <a:r>
+                        <a:rPr lang="ru-RU" sz="1400" dirty="0">
+                          <a:effectLst/>
+                          <a:latin typeface="Times New Roman" panose="02020603050405020304" pitchFamily="18" charset="0"/>
+                          <a:ea typeface="Times New Roman" panose="02020603050405020304" pitchFamily="18" charset="0"/>
+                        </a:rPr>
+                        <a:t>69</a:t>
+                      </a:r>
+                      <a:endParaRPr lang="en-US" sz="1400" dirty="0">
+                        <a:effectLst/>
+                        <a:latin typeface="Times New Roman" panose="02020603050405020304" pitchFamily="18" charset="0"/>
+                        <a:ea typeface="Times New Roman" panose="02020603050405020304" pitchFamily="18" charset="0"/>
+                      </a:endParaRPr>
+                    </a:p>
+                  </a:txBody>
+                  <a:tcPr marL="68580" marR="68580" marT="0" marB="0" anchor="ctr"/>
+                </a:tc>
+                <a:extLst>
+                  <a:ext uri="{0D108BD9-81ED-4DB2-BD59-A6C34878D82A}">
+                    <a16:rowId xmlns:a16="http://schemas.microsoft.com/office/drawing/2014/main" val="1472573988"/>
+                  </a:ext>
+                </a:extLst>
+              </a:tr>
+              <a:tr h="219408">
+                <a:tc>
+                  <a:txBody>
+                    <a:bodyPr/>
+                    <a:lstStyle/>
+                    <a:p>
+                      <a:pPr algn="l">
+                        <a:spcAft>
+                          <a:spcPts val="0"/>
+                        </a:spcAft>
+                      </a:pPr>
+                      <a:r>
+                        <a:rPr lang="uk-UA" sz="1400">
+                          <a:effectLst/>
+                          <a:latin typeface="Times New Roman" panose="02020603050405020304" pitchFamily="18" charset="0"/>
+                          <a:ea typeface="Times New Roman" panose="02020603050405020304" pitchFamily="18" charset="0"/>
+                          <a:cs typeface="Times New Roman" panose="02020603050405020304" pitchFamily="18" charset="0"/>
+                        </a:rPr>
+                        <a:t>Работа, метр</a:t>
+                      </a:r>
+                      <a:endParaRPr lang="en-US" sz="1400">
+                        <a:effectLst/>
+                        <a:latin typeface="Times New Roman" panose="02020603050405020304" pitchFamily="18" charset="0"/>
+                        <a:ea typeface="Times New Roman" panose="02020603050405020304" pitchFamily="18" charset="0"/>
+                        <a:cs typeface="Times New Roman" panose="02020603050405020304" pitchFamily="18" charset="0"/>
+                      </a:endParaRPr>
+                    </a:p>
+                  </a:txBody>
+                  <a:tcPr marL="68580" marR="68580" marT="0" marB="0"/>
+                </a:tc>
+                <a:tc>
+                  <a:txBody>
+                    <a:bodyPr/>
+                    <a:lstStyle/>
+                    <a:p>
+                      <a:pPr algn="ctr">
+                        <a:spcAft>
+                          <a:spcPts val="0"/>
+                        </a:spcAft>
+                      </a:pPr>
+                      <a:r>
+                        <a:rPr lang="uk-UA" sz="1400">
+                          <a:effectLst/>
+                          <a:latin typeface="Times New Roman" panose="02020603050405020304" pitchFamily="18" charset="0"/>
+                          <a:ea typeface="Times New Roman" panose="02020603050405020304" pitchFamily="18" charset="0"/>
+                        </a:rPr>
+                        <a:t>3</a:t>
+                      </a:r>
+                      <a:r>
+                        <a:rPr lang="en-US" sz="1400">
+                          <a:effectLst/>
+                          <a:latin typeface="Times New Roman" panose="02020603050405020304" pitchFamily="18" charset="0"/>
+                          <a:ea typeface="Times New Roman" panose="02020603050405020304" pitchFamily="18" charset="0"/>
+                        </a:rPr>
+                        <a:t>12</a:t>
+                      </a:r>
+                    </a:p>
+                  </a:txBody>
+                  <a:tcPr marL="68580" marR="68580" marT="0" marB="0" anchor="ctr"/>
+                </a:tc>
+                <a:tc>
+                  <a:txBody>
+                    <a:bodyPr/>
+                    <a:lstStyle/>
+                    <a:p>
+                      <a:pPr algn="ctr">
+                        <a:spcAft>
+                          <a:spcPts val="0"/>
+                        </a:spcAft>
+                      </a:pPr>
+                      <a:r>
+                        <a:rPr lang="uk-UA" sz="1400">
+                          <a:effectLst/>
+                          <a:latin typeface="Times New Roman" panose="02020603050405020304" pitchFamily="18" charset="0"/>
+                          <a:ea typeface="Times New Roman" panose="02020603050405020304" pitchFamily="18" charset="0"/>
+                        </a:rPr>
+                        <a:t>2</a:t>
+                      </a:r>
+                      <a:r>
+                        <a:rPr lang="en-US" sz="1400">
+                          <a:effectLst/>
+                          <a:latin typeface="Times New Roman" panose="02020603050405020304" pitchFamily="18" charset="0"/>
+                          <a:ea typeface="Times New Roman" panose="02020603050405020304" pitchFamily="18" charset="0"/>
+                        </a:rPr>
+                        <a:t>5,6</a:t>
+                      </a:r>
+                    </a:p>
+                  </a:txBody>
+                  <a:tcPr marL="68580" marR="68580" marT="0" marB="0" anchor="ctr"/>
+                </a:tc>
+                <a:tc>
+                  <a:txBody>
+                    <a:bodyPr/>
+                    <a:lstStyle/>
+                    <a:p>
+                      <a:pPr algn="ctr">
+                        <a:spcAft>
+                          <a:spcPts val="0"/>
+                        </a:spcAft>
+                      </a:pPr>
+                      <a:r>
+                        <a:rPr lang="en-US" sz="1400" dirty="0">
+                          <a:effectLst/>
+                          <a:latin typeface="Times New Roman" panose="02020603050405020304" pitchFamily="18" charset="0"/>
+                          <a:ea typeface="Times New Roman" panose="02020603050405020304" pitchFamily="18" charset="0"/>
+                        </a:rPr>
+                        <a:t>7987,2</a:t>
+                      </a:r>
+                    </a:p>
+                  </a:txBody>
+                  <a:tcPr marL="68580" marR="68580" marT="0" marB="0" anchor="ctr"/>
+                </a:tc>
+                <a:extLst>
+                  <a:ext uri="{0D108BD9-81ED-4DB2-BD59-A6C34878D82A}">
+                    <a16:rowId xmlns:a16="http://schemas.microsoft.com/office/drawing/2014/main" val="203423050"/>
+                  </a:ext>
+                </a:extLst>
+              </a:tr>
+              <a:tr h="219408">
+                <a:tc>
+                  <a:txBody>
+                    <a:bodyPr/>
+                    <a:lstStyle/>
+                    <a:p>
+                      <a:pPr algn="l">
+                        <a:spcAft>
+                          <a:spcPts val="0"/>
+                        </a:spcAft>
+                      </a:pPr>
+                      <a:r>
+                        <a:rPr lang="uk-UA" sz="1400" dirty="0">
+                          <a:effectLst/>
+                          <a:latin typeface="Times New Roman" panose="02020603050405020304" pitchFamily="18" charset="0"/>
+                          <a:ea typeface="Times New Roman" panose="02020603050405020304" pitchFamily="18" charset="0"/>
+                          <a:cs typeface="Times New Roman" panose="02020603050405020304" pitchFamily="18" charset="0"/>
+                        </a:rPr>
+                        <a:t>ИТОГО, руб </a:t>
+                      </a:r>
+                      <a:endParaRPr lang="en-US" sz="1400" dirty="0">
+                        <a:effectLst/>
+                        <a:latin typeface="Times New Roman" panose="02020603050405020304" pitchFamily="18" charset="0"/>
+                        <a:ea typeface="Times New Roman" panose="02020603050405020304" pitchFamily="18" charset="0"/>
+                        <a:cs typeface="Times New Roman" panose="02020603050405020304" pitchFamily="18" charset="0"/>
+                      </a:endParaRPr>
+                    </a:p>
+                  </a:txBody>
+                  <a:tcPr marL="68580" marR="68580" marT="0" marB="0"/>
+                </a:tc>
+                <a:tc>
+                  <a:txBody>
+                    <a:bodyPr/>
+                    <a:lstStyle/>
+                    <a:p>
+                      <a:pPr algn="ctr">
+                        <a:spcAft>
+                          <a:spcPts val="0"/>
+                        </a:spcAft>
+                      </a:pPr>
+                      <a:r>
+                        <a:rPr lang="en-US" sz="1400">
+                          <a:effectLst/>
+                          <a:latin typeface="Times New Roman" panose="02020603050405020304" pitchFamily="18" charset="0"/>
+                          <a:ea typeface="Times New Roman" panose="02020603050405020304" pitchFamily="18" charset="0"/>
+                        </a:rPr>
+                        <a:t> </a:t>
+                      </a:r>
+                    </a:p>
+                  </a:txBody>
+                  <a:tcPr marL="68580" marR="68580" marT="0" marB="0" anchor="ctr"/>
+                </a:tc>
+                <a:tc>
+                  <a:txBody>
+                    <a:bodyPr/>
+                    <a:lstStyle/>
+                    <a:p>
+                      <a:pPr algn="ctr">
+                        <a:spcAft>
+                          <a:spcPts val="0"/>
+                        </a:spcAft>
+                      </a:pPr>
+                      <a:r>
+                        <a:rPr lang="en-US" sz="1400">
+                          <a:effectLst/>
+                          <a:latin typeface="Times New Roman" panose="02020603050405020304" pitchFamily="18" charset="0"/>
+                          <a:ea typeface="Times New Roman" panose="02020603050405020304" pitchFamily="18" charset="0"/>
+                        </a:rPr>
+                        <a:t> </a:t>
+                      </a:r>
+                    </a:p>
+                  </a:txBody>
+                  <a:tcPr marL="68580" marR="68580" marT="0" marB="0" anchor="ctr"/>
+                </a:tc>
+                <a:tc>
+                  <a:txBody>
+                    <a:bodyPr/>
+                    <a:lstStyle/>
+                    <a:p>
+                      <a:pPr algn="ctr">
+                        <a:spcAft>
+                          <a:spcPts val="0"/>
+                        </a:spcAft>
+                      </a:pPr>
+                      <a:r>
+                        <a:rPr lang="ru-RU" sz="1400" dirty="0">
+                          <a:effectLst/>
+                          <a:latin typeface="Times New Roman" panose="02020603050405020304" pitchFamily="18" charset="0"/>
+                          <a:ea typeface="Times New Roman" panose="02020603050405020304" pitchFamily="18" charset="0"/>
+                        </a:rPr>
+                        <a:t>13 860,31</a:t>
+                      </a:r>
+                      <a:endParaRPr lang="en-US" sz="1400" dirty="0">
+                        <a:effectLst/>
+                        <a:latin typeface="Times New Roman" panose="02020603050405020304" pitchFamily="18" charset="0"/>
+                        <a:ea typeface="Times New Roman" panose="02020603050405020304" pitchFamily="18" charset="0"/>
+                      </a:endParaRPr>
+                    </a:p>
+                  </a:txBody>
+                  <a:tcPr marL="68580" marR="68580" marT="0" marB="0" anchor="ctr"/>
+                </a:tc>
+                <a:extLst>
+                  <a:ext uri="{0D108BD9-81ED-4DB2-BD59-A6C34878D82A}">
+                    <a16:rowId xmlns:a16="http://schemas.microsoft.com/office/drawing/2014/main" val="641755167"/>
+                  </a:ext>
+                </a:extLst>
+              </a:tr>
+            </a:tbl>
+          </a:graphicData>
+        </a:graphic>
+      </p:graphicFrame>
+    </p:spTree>
+    <p:extLst>
+      <p:ext uri="{BB962C8B-B14F-4D97-AF65-F5344CB8AC3E}">
+        <p14:creationId xmlns:p14="http://schemas.microsoft.com/office/powerpoint/2010/main" val="3819921279"/>
+      </p:ext>
+    </p:extLst>
+  </p:cSld>
+  <p:clrMapOvr>
+    <a:masterClrMapping/>
+  </p:clrMapOvr>
+  <mc:AlternateContent xmlns:mc="http://schemas.openxmlformats.org/markup-compatibility/2006">
+    <mc:Choice xmlns:p14="http://schemas.microsoft.com/office/powerpoint/2010/main" Requires="p14">
+      <p:transition spd="med" p14:dur="700">
+        <p:fade/>
+      </p:transition>
+    </mc:Choice>
+    <mc:Fallback>
+      <p:transition spd="med">
+        <p:fade/>
+      </p:transition>
+    </mc:Fallback>
+  </mc:AlternateContent>
+</p:sld>
+</file>
+
+<file path=ppt/slides/slide5.xml><?xml version="1.0" encoding="utf-8"?>
+<p:sld xmlns:a="http://schemas.openxmlformats.org/drawingml/2006/main" xmlns:r="http://schemas.openxmlformats.org/officeDocument/2006/relationships" xmlns:p="http://schemas.openxmlformats.org/presentationml/2006/main">
+  <p:cSld>
+    <p:spTree>
+      <p:nvGrpSpPr>
+        <p:cNvPr id="1" name=""/>
+        <p:cNvGrpSpPr/>
+        <p:nvPr/>
+      </p:nvGrpSpPr>
+      <p:grpSpPr>
+        <a:xfrm>
+          <a:off x="0" y="0"/>
+          <a:ext cx="0" cy="0"/>
+          <a:chOff x="0" y="0"/>
+          <a:chExt cx="0" cy="0"/>
+        </a:xfrm>
+      </p:grpSpPr>
+      <p:sp>
+        <p:nvSpPr>
+          <p:cNvPr id="2" name="Заголовок 1">
+            <a:extLst>
+              <a:ext uri="{FF2B5EF4-FFF2-40B4-BE49-F238E27FC236}">
+                <a16:creationId xmlns:a16="http://schemas.microsoft.com/office/drawing/2014/main" id="{DB173ED9-D600-4505-9262-988A4063B9B6}"/>
               </a:ext>
             </a:extLst>
           </p:cNvPr>
@@ -6431,15 +8391,26 @@
             <a:spLocks noGrp="1"/>
           </p:cNvSpPr>
           <p:nvPr>
-            <p:ph type="body" sz="quarter" idx="13"/>
+            <p:ph type="title"/>
           </p:nvPr>
         </p:nvSpPr>
-        <p:spPr/>
+        <p:spPr>
+          <a:xfrm>
+            <a:off x="0" y="0"/>
+            <a:ext cx="10430933" cy="922865"/>
+          </a:xfrm>
+        </p:spPr>
         <p:txBody>
-          <a:bodyPr/>
+          <a:bodyPr>
+            <a:normAutofit/>
+          </a:bodyPr>
           <a:lstStyle/>
           <a:p>
-            <a:endParaRPr lang="en-US"/>
+            <a:r>
+              <a:rPr lang="uk-UA" sz="3200" b="1" dirty="0"/>
+              <a:t>Сбор оптимальной конфигурации ПК</a:t>
+            </a:r>
+            <a:endParaRPr lang="en-US" sz="3200" b="1" dirty="0"/>
           </a:p>
         </p:txBody>
       </p:sp>
@@ -6448,7 +8419,7 @@
           <p:cNvPr id="4" name="Текст 3">
             <a:extLst>
               <a:ext uri="{FF2B5EF4-FFF2-40B4-BE49-F238E27FC236}">
-                <a16:creationId xmlns:a16="http://schemas.microsoft.com/office/drawing/2014/main" id="{04CB45BC-03FE-40FD-934D-88DCE0E7FAFE}"/>
+                <a16:creationId xmlns:a16="http://schemas.microsoft.com/office/drawing/2014/main" id="{91C7D4B2-4C8E-4A8F-91EC-247F05E7C944}"/>
               </a:ext>
             </a:extLst>
           </p:cNvPr>
@@ -6459,25 +8430,4399 @@
             <p:ph type="body" idx="1"/>
           </p:nvPr>
         </p:nvSpPr>
-        <p:spPr/>
+        <p:spPr>
+          <a:xfrm>
+            <a:off x="0" y="922865"/>
+            <a:ext cx="12192000" cy="1227667"/>
+          </a:xfrm>
+        </p:spPr>
         <p:txBody>
-          <a:bodyPr/>
+          <a:bodyPr>
+            <a:normAutofit/>
+          </a:bodyPr>
           <a:lstStyle/>
           <a:p>
-            <a:endParaRPr lang="en-US"/>
+            <a:r>
+              <a:rPr lang="uk-UA" sz="1600" dirty="0" err="1">
+                <a:solidFill>
+                  <a:schemeClr val="tx1"/>
+                </a:solidFill>
+              </a:rPr>
+              <a:t>Стационарный</a:t>
+            </a:r>
+            <a:r>
+              <a:rPr lang="uk-UA" sz="1600" dirty="0">
+                <a:solidFill>
+                  <a:schemeClr val="tx1"/>
+                </a:solidFill>
+              </a:rPr>
+              <a:t> </a:t>
+            </a:r>
+            <a:r>
+              <a:rPr lang="uk-UA" sz="1600" dirty="0" err="1">
+                <a:solidFill>
+                  <a:schemeClr val="tx1"/>
+                </a:solidFill>
+              </a:rPr>
+              <a:t>компьютер</a:t>
+            </a:r>
+            <a:r>
+              <a:rPr lang="uk-UA" sz="1600" dirty="0">
+                <a:solidFill>
+                  <a:schemeClr val="tx1"/>
+                </a:solidFill>
+              </a:rPr>
+              <a:t> </a:t>
+            </a:r>
+            <a:r>
+              <a:rPr lang="uk-UA" sz="1600" dirty="0" err="1">
+                <a:solidFill>
+                  <a:schemeClr val="tx1"/>
+                </a:solidFill>
+              </a:rPr>
+              <a:t>может</a:t>
+            </a:r>
+            <a:r>
+              <a:rPr lang="uk-UA" sz="1600" dirty="0">
+                <a:solidFill>
+                  <a:schemeClr val="tx1"/>
+                </a:solidFill>
+              </a:rPr>
+              <a:t> </a:t>
+            </a:r>
+            <a:r>
+              <a:rPr lang="uk-UA" sz="1600" dirty="0" err="1">
+                <a:solidFill>
+                  <a:schemeClr val="tx1"/>
+                </a:solidFill>
+              </a:rPr>
+              <a:t>быть</a:t>
+            </a:r>
+            <a:r>
+              <a:rPr lang="uk-UA" sz="1600" dirty="0">
+                <a:solidFill>
+                  <a:schemeClr val="tx1"/>
+                </a:solidFill>
+              </a:rPr>
+              <a:t> </a:t>
+            </a:r>
+            <a:r>
+              <a:rPr lang="uk-UA" sz="1600" dirty="0" err="1">
+                <a:solidFill>
+                  <a:schemeClr val="tx1"/>
+                </a:solidFill>
+              </a:rPr>
+              <a:t>как</a:t>
+            </a:r>
+            <a:r>
+              <a:rPr lang="uk-UA" sz="1600" dirty="0">
+                <a:solidFill>
+                  <a:schemeClr val="tx1"/>
+                </a:solidFill>
+              </a:rPr>
+              <a:t> недорогим </a:t>
+            </a:r>
+            <a:r>
+              <a:rPr lang="uk-UA" sz="1600" dirty="0" err="1">
+                <a:solidFill>
+                  <a:schemeClr val="tx1"/>
+                </a:solidFill>
+              </a:rPr>
+              <a:t>офисным</a:t>
+            </a:r>
+            <a:r>
+              <a:rPr lang="uk-UA" sz="1600" dirty="0">
+                <a:solidFill>
+                  <a:schemeClr val="tx1"/>
+                </a:solidFill>
+              </a:rPr>
+              <a:t> </a:t>
+            </a:r>
+            <a:r>
+              <a:rPr lang="uk-UA" sz="1600" dirty="0" err="1">
+                <a:solidFill>
+                  <a:schemeClr val="tx1"/>
+                </a:solidFill>
+              </a:rPr>
+              <a:t>оборудованием</a:t>
+            </a:r>
+            <a:r>
+              <a:rPr lang="uk-UA" sz="1600" dirty="0">
+                <a:solidFill>
+                  <a:schemeClr val="tx1"/>
+                </a:solidFill>
+              </a:rPr>
+              <a:t>, так и </a:t>
+            </a:r>
+            <a:r>
+              <a:rPr lang="uk-UA" sz="1600" dirty="0" err="1">
+                <a:solidFill>
+                  <a:schemeClr val="tx1"/>
+                </a:solidFill>
+              </a:rPr>
+              <a:t>дорогостоящей</a:t>
+            </a:r>
+            <a:r>
+              <a:rPr lang="uk-UA" sz="1600" dirty="0">
+                <a:solidFill>
+                  <a:schemeClr val="tx1"/>
+                </a:solidFill>
+              </a:rPr>
+              <a:t> </a:t>
+            </a:r>
+            <a:r>
+              <a:rPr lang="uk-UA" sz="1600" dirty="0" err="1">
+                <a:solidFill>
+                  <a:schemeClr val="tx1"/>
+                </a:solidFill>
+              </a:rPr>
+              <a:t>игровой</a:t>
+            </a:r>
+            <a:r>
+              <a:rPr lang="uk-UA" sz="1600" dirty="0">
+                <a:solidFill>
+                  <a:schemeClr val="tx1"/>
+                </a:solidFill>
+              </a:rPr>
+              <a:t> </a:t>
+            </a:r>
+            <a:r>
+              <a:rPr lang="uk-UA" sz="1600" dirty="0" err="1">
+                <a:solidFill>
+                  <a:schemeClr val="tx1"/>
+                </a:solidFill>
+              </a:rPr>
+              <a:t>машиной</a:t>
+            </a:r>
+            <a:r>
+              <a:rPr lang="en-US" sz="1600" dirty="0">
+                <a:solidFill>
+                  <a:schemeClr val="tx1"/>
+                </a:solidFill>
+              </a:rPr>
+              <a:t>. </a:t>
+            </a:r>
+            <a:r>
+              <a:rPr lang="ru-RU" sz="1600" dirty="0">
+                <a:solidFill>
+                  <a:schemeClr val="tx1"/>
+                </a:solidFill>
+              </a:rPr>
+              <a:t>В нашем случае у нас офисный кабинет, поэтому мы будем собирать </a:t>
+            </a:r>
+            <a:r>
+              <a:rPr lang="ru-RU" sz="1600" dirty="0" err="1">
+                <a:solidFill>
+                  <a:schemeClr val="tx1"/>
+                </a:solidFill>
+              </a:rPr>
+              <a:t>пк</a:t>
+            </a:r>
+            <a:r>
+              <a:rPr lang="ru-RU" sz="1600" dirty="0">
+                <a:solidFill>
+                  <a:schemeClr val="tx1"/>
+                </a:solidFill>
+              </a:rPr>
+              <a:t> с недорогим офисным оборудованием.</a:t>
+            </a:r>
+            <a:endParaRPr lang="en-US" sz="1600" dirty="0">
+              <a:solidFill>
+                <a:schemeClr val="tx1"/>
+              </a:solidFill>
+            </a:endParaRPr>
+          </a:p>
+        </p:txBody>
+      </p:sp>
+      <p:graphicFrame>
+        <p:nvGraphicFramePr>
+          <p:cNvPr id="6" name="Таблица 5">
+            <a:extLst>
+              <a:ext uri="{FF2B5EF4-FFF2-40B4-BE49-F238E27FC236}">
+                <a16:creationId xmlns:a16="http://schemas.microsoft.com/office/drawing/2014/main" id="{23844FC7-D066-49A0-B9E1-078E2B45A311}"/>
+              </a:ext>
+            </a:extLst>
+          </p:cNvPr>
+          <p:cNvGraphicFramePr>
+            <a:graphicFrameLocks noGrp="1"/>
+          </p:cNvGraphicFramePr>
+          <p:nvPr>
+            <p:extLst>
+              <p:ext uri="{D42A27DB-BD31-4B8C-83A1-F6EECF244321}">
+                <p14:modId xmlns:p14="http://schemas.microsoft.com/office/powerpoint/2010/main" val="3834869058"/>
+              </p:ext>
+            </p:extLst>
+          </p:nvPr>
+        </p:nvGraphicFramePr>
+        <p:xfrm>
+          <a:off x="125942" y="1767630"/>
+          <a:ext cx="5623984" cy="4917059"/>
+        </p:xfrm>
+        <a:graphic>
+          <a:graphicData uri="http://schemas.openxmlformats.org/drawingml/2006/table">
+            <a:tbl>
+              <a:tblPr firstRow="1" firstCol="1" bandRow="1">
+                <a:tableStyleId>{5C22544A-7EE6-4342-B048-85BDC9FD1C3A}</a:tableStyleId>
+              </a:tblPr>
+              <a:tblGrid>
+                <a:gridCol w="1812766">
+                  <a:extLst>
+                    <a:ext uri="{9D8B030D-6E8A-4147-A177-3AD203B41FA5}">
+                      <a16:colId xmlns:a16="http://schemas.microsoft.com/office/drawing/2014/main" val="605098221"/>
+                    </a:ext>
+                  </a:extLst>
+                </a:gridCol>
+                <a:gridCol w="2177003">
+                  <a:extLst>
+                    <a:ext uri="{9D8B030D-6E8A-4147-A177-3AD203B41FA5}">
+                      <a16:colId xmlns:a16="http://schemas.microsoft.com/office/drawing/2014/main" val="35082555"/>
+                    </a:ext>
+                  </a:extLst>
+                </a:gridCol>
+                <a:gridCol w="615027">
+                  <a:extLst>
+                    <a:ext uri="{9D8B030D-6E8A-4147-A177-3AD203B41FA5}">
+                      <a16:colId xmlns:a16="http://schemas.microsoft.com/office/drawing/2014/main" val="1744727110"/>
+                    </a:ext>
+                  </a:extLst>
+                </a:gridCol>
+                <a:gridCol w="1019188">
+                  <a:extLst>
+                    <a:ext uri="{9D8B030D-6E8A-4147-A177-3AD203B41FA5}">
+                      <a16:colId xmlns:a16="http://schemas.microsoft.com/office/drawing/2014/main" val="2414908107"/>
+                    </a:ext>
+                  </a:extLst>
+                </a:gridCol>
+              </a:tblGrid>
+              <a:tr h="541108">
+                <a:tc>
+                  <a:txBody>
+                    <a:bodyPr/>
+                    <a:lstStyle/>
+                    <a:p>
+                      <a:pPr algn="ctr">
+                        <a:lnSpc>
+                          <a:spcPct val="150000"/>
+                        </a:lnSpc>
+                        <a:spcAft>
+                          <a:spcPts val="0"/>
+                        </a:spcAft>
+                      </a:pPr>
+                      <a:r>
+                        <a:rPr lang="ru-RU" sz="1400">
+                          <a:effectLst/>
+                        </a:rPr>
+                        <a:t>Компонент</a:t>
+                      </a:r>
+                      <a:endParaRPr lang="en-US" sz="1400">
+                        <a:effectLst/>
+                        <a:latin typeface="Times New Roman" panose="02020603050405020304" pitchFamily="18" charset="0"/>
+                        <a:ea typeface="Times New Roman" panose="02020603050405020304" pitchFamily="18" charset="0"/>
+                      </a:endParaRPr>
+                    </a:p>
+                  </a:txBody>
+                  <a:tcPr marL="68580" marR="68580" marT="0" marB="0"/>
+                </a:tc>
+                <a:tc>
+                  <a:txBody>
+                    <a:bodyPr/>
+                    <a:lstStyle/>
+                    <a:p>
+                      <a:pPr algn="ctr">
+                        <a:lnSpc>
+                          <a:spcPct val="150000"/>
+                        </a:lnSpc>
+                        <a:spcAft>
+                          <a:spcPts val="0"/>
+                        </a:spcAft>
+                      </a:pPr>
+                      <a:r>
+                        <a:rPr lang="ru-RU" sz="1400" dirty="0">
+                          <a:effectLst/>
+                        </a:rPr>
+                        <a:t>Наименование</a:t>
+                      </a:r>
+                      <a:endParaRPr lang="en-US" sz="1400" dirty="0">
+                        <a:effectLst/>
+                        <a:latin typeface="Times New Roman" panose="02020603050405020304" pitchFamily="18" charset="0"/>
+                        <a:ea typeface="Times New Roman" panose="02020603050405020304" pitchFamily="18" charset="0"/>
+                      </a:endParaRPr>
+                    </a:p>
+                  </a:txBody>
+                  <a:tcPr marL="68580" marR="68580" marT="0" marB="0"/>
+                </a:tc>
+                <a:tc>
+                  <a:txBody>
+                    <a:bodyPr/>
+                    <a:lstStyle/>
+                    <a:p>
+                      <a:pPr algn="ctr">
+                        <a:lnSpc>
+                          <a:spcPct val="150000"/>
+                        </a:lnSpc>
+                        <a:spcAft>
+                          <a:spcPts val="0"/>
+                        </a:spcAft>
+                      </a:pPr>
+                      <a:r>
+                        <a:rPr lang="ru-RU" sz="1400">
+                          <a:effectLst/>
+                        </a:rPr>
+                        <a:t>Кол-во</a:t>
+                      </a:r>
+                      <a:endParaRPr lang="en-US" sz="1400">
+                        <a:effectLst/>
+                        <a:latin typeface="Times New Roman" panose="02020603050405020304" pitchFamily="18" charset="0"/>
+                        <a:ea typeface="Times New Roman" panose="02020603050405020304" pitchFamily="18" charset="0"/>
+                      </a:endParaRPr>
+                    </a:p>
+                  </a:txBody>
+                  <a:tcPr marL="68580" marR="68580" marT="0" marB="0"/>
+                </a:tc>
+                <a:tc>
+                  <a:txBody>
+                    <a:bodyPr/>
+                    <a:lstStyle/>
+                    <a:p>
+                      <a:pPr algn="ctr">
+                        <a:lnSpc>
+                          <a:spcPct val="150000"/>
+                        </a:lnSpc>
+                        <a:spcAft>
+                          <a:spcPts val="0"/>
+                        </a:spcAft>
+                      </a:pPr>
+                      <a:r>
+                        <a:rPr lang="ru-RU" sz="1400" dirty="0">
+                          <a:effectLst/>
+                        </a:rPr>
+                        <a:t>Цена</a:t>
+                      </a:r>
+                      <a:endParaRPr lang="en-US" sz="1400" dirty="0">
+                        <a:effectLst/>
+                        <a:latin typeface="Times New Roman" panose="02020603050405020304" pitchFamily="18" charset="0"/>
+                        <a:ea typeface="Times New Roman" panose="02020603050405020304" pitchFamily="18" charset="0"/>
+                      </a:endParaRPr>
+                    </a:p>
+                  </a:txBody>
+                  <a:tcPr marL="68580" marR="68580" marT="0" marB="0"/>
+                </a:tc>
+                <a:extLst>
+                  <a:ext uri="{0D108BD9-81ED-4DB2-BD59-A6C34878D82A}">
+                    <a16:rowId xmlns:a16="http://schemas.microsoft.com/office/drawing/2014/main" val="2459155297"/>
+                  </a:ext>
+                </a:extLst>
+              </a:tr>
+              <a:tr h="541222">
+                <a:tc>
+                  <a:txBody>
+                    <a:bodyPr/>
+                    <a:lstStyle/>
+                    <a:p>
+                      <a:pPr algn="just">
+                        <a:lnSpc>
+                          <a:spcPct val="150000"/>
+                        </a:lnSpc>
+                        <a:spcAft>
+                          <a:spcPts val="0"/>
+                        </a:spcAft>
+                      </a:pPr>
+                      <a:r>
+                        <a:rPr lang="ru-RU" sz="1400" dirty="0">
+                          <a:effectLst/>
+                        </a:rPr>
+                        <a:t>Процессор</a:t>
+                      </a:r>
+                      <a:endParaRPr lang="en-US" sz="1400" dirty="0">
+                        <a:effectLst/>
+                        <a:latin typeface="Times New Roman" panose="02020603050405020304" pitchFamily="18" charset="0"/>
+                        <a:ea typeface="Times New Roman" panose="02020603050405020304" pitchFamily="18" charset="0"/>
+                      </a:endParaRPr>
+                    </a:p>
+                  </a:txBody>
+                  <a:tcPr marL="68580" marR="68580" marT="0" marB="0"/>
+                </a:tc>
+                <a:tc>
+                  <a:txBody>
+                    <a:bodyPr/>
+                    <a:lstStyle/>
+                    <a:p>
+                      <a:pPr algn="just">
+                        <a:lnSpc>
+                          <a:spcPct val="150000"/>
+                        </a:lnSpc>
+                        <a:spcAft>
+                          <a:spcPts val="0"/>
+                        </a:spcAft>
+                      </a:pPr>
+                      <a:r>
+                        <a:rPr lang="uk-UA" sz="1400">
+                          <a:effectLst/>
+                        </a:rPr>
+                        <a:t>AMD Athlon 3000G OEM</a:t>
+                      </a:r>
+                      <a:endParaRPr lang="en-US" sz="1400">
+                        <a:effectLst/>
+                        <a:latin typeface="Times New Roman" panose="02020603050405020304" pitchFamily="18" charset="0"/>
+                        <a:ea typeface="Times New Roman" panose="02020603050405020304" pitchFamily="18" charset="0"/>
+                      </a:endParaRPr>
+                    </a:p>
+                  </a:txBody>
+                  <a:tcPr marL="68580" marR="68580" marT="0" marB="0"/>
+                </a:tc>
+                <a:tc>
+                  <a:txBody>
+                    <a:bodyPr/>
+                    <a:lstStyle/>
+                    <a:p>
+                      <a:pPr algn="just">
+                        <a:lnSpc>
+                          <a:spcPct val="150000"/>
+                        </a:lnSpc>
+                        <a:spcAft>
+                          <a:spcPts val="0"/>
+                        </a:spcAft>
+                      </a:pPr>
+                      <a:r>
+                        <a:rPr lang="ru-RU" sz="1400">
+                          <a:effectLst/>
+                        </a:rPr>
+                        <a:t>1</a:t>
+                      </a:r>
+                      <a:endParaRPr lang="en-US" sz="1400">
+                        <a:effectLst/>
+                        <a:latin typeface="Times New Roman" panose="02020603050405020304" pitchFamily="18" charset="0"/>
+                        <a:ea typeface="Times New Roman" panose="02020603050405020304" pitchFamily="18" charset="0"/>
+                      </a:endParaRPr>
+                    </a:p>
+                  </a:txBody>
+                  <a:tcPr marL="68580" marR="68580" marT="0" marB="0"/>
+                </a:tc>
+                <a:tc>
+                  <a:txBody>
+                    <a:bodyPr/>
+                    <a:lstStyle/>
+                    <a:p>
+                      <a:pPr algn="just">
+                        <a:lnSpc>
+                          <a:spcPct val="150000"/>
+                        </a:lnSpc>
+                        <a:spcAft>
+                          <a:spcPts val="0"/>
+                        </a:spcAft>
+                      </a:pPr>
+                      <a:r>
+                        <a:rPr lang="uk-UA" sz="1400" dirty="0">
+                          <a:effectLst/>
+                        </a:rPr>
+                        <a:t>5 299 ₽</a:t>
+                      </a:r>
+                      <a:endParaRPr lang="en-US" sz="1400" dirty="0">
+                        <a:effectLst/>
+                        <a:latin typeface="Times New Roman" panose="02020603050405020304" pitchFamily="18" charset="0"/>
+                        <a:ea typeface="Times New Roman" panose="02020603050405020304" pitchFamily="18" charset="0"/>
+                      </a:endParaRPr>
+                    </a:p>
+                  </a:txBody>
+                  <a:tcPr marL="68580" marR="68580" marT="0" marB="0"/>
+                </a:tc>
+                <a:extLst>
+                  <a:ext uri="{0D108BD9-81ED-4DB2-BD59-A6C34878D82A}">
+                    <a16:rowId xmlns:a16="http://schemas.microsoft.com/office/drawing/2014/main" val="2230608023"/>
+                  </a:ext>
+                </a:extLst>
+              </a:tr>
+              <a:tr h="541108">
+                <a:tc>
+                  <a:txBody>
+                    <a:bodyPr/>
+                    <a:lstStyle/>
+                    <a:p>
+                      <a:pPr algn="just">
+                        <a:lnSpc>
+                          <a:spcPct val="150000"/>
+                        </a:lnSpc>
+                        <a:spcAft>
+                          <a:spcPts val="0"/>
+                        </a:spcAft>
+                      </a:pPr>
+                      <a:r>
+                        <a:rPr lang="ru-RU" sz="1400" dirty="0">
+                          <a:effectLst/>
+                        </a:rPr>
+                        <a:t>Материнская плата</a:t>
+                      </a:r>
+                      <a:endParaRPr lang="en-US" sz="1400" dirty="0">
+                        <a:effectLst/>
+                        <a:latin typeface="Times New Roman" panose="02020603050405020304" pitchFamily="18" charset="0"/>
+                        <a:ea typeface="Times New Roman" panose="02020603050405020304" pitchFamily="18" charset="0"/>
+                      </a:endParaRPr>
+                    </a:p>
+                  </a:txBody>
+                  <a:tcPr marL="68580" marR="68580" marT="0" marB="0"/>
+                </a:tc>
+                <a:tc>
+                  <a:txBody>
+                    <a:bodyPr/>
+                    <a:lstStyle/>
+                    <a:p>
+                      <a:pPr algn="just">
+                        <a:lnSpc>
+                          <a:spcPct val="150000"/>
+                        </a:lnSpc>
+                        <a:spcAft>
+                          <a:spcPts val="0"/>
+                        </a:spcAft>
+                      </a:pPr>
+                      <a:r>
+                        <a:rPr lang="uk-UA" sz="1400">
+                          <a:effectLst/>
+                        </a:rPr>
+                        <a:t>MSI B450M-A PRO MAX</a:t>
+                      </a:r>
+                      <a:endParaRPr lang="en-US" sz="1400">
+                        <a:effectLst/>
+                        <a:latin typeface="Times New Roman" panose="02020603050405020304" pitchFamily="18" charset="0"/>
+                        <a:ea typeface="Times New Roman" panose="02020603050405020304" pitchFamily="18" charset="0"/>
+                      </a:endParaRPr>
+                    </a:p>
+                  </a:txBody>
+                  <a:tcPr marL="68580" marR="68580" marT="0" marB="0"/>
+                </a:tc>
+                <a:tc>
+                  <a:txBody>
+                    <a:bodyPr/>
+                    <a:lstStyle/>
+                    <a:p>
+                      <a:pPr algn="just">
+                        <a:lnSpc>
+                          <a:spcPct val="150000"/>
+                        </a:lnSpc>
+                        <a:spcAft>
+                          <a:spcPts val="0"/>
+                        </a:spcAft>
+                      </a:pPr>
+                      <a:r>
+                        <a:rPr lang="ru-RU" sz="1400">
+                          <a:effectLst/>
+                        </a:rPr>
+                        <a:t>1</a:t>
+                      </a:r>
+                      <a:endParaRPr lang="en-US" sz="1400">
+                        <a:effectLst/>
+                        <a:latin typeface="Times New Roman" panose="02020603050405020304" pitchFamily="18" charset="0"/>
+                        <a:ea typeface="Times New Roman" panose="02020603050405020304" pitchFamily="18" charset="0"/>
+                      </a:endParaRPr>
+                    </a:p>
+                  </a:txBody>
+                  <a:tcPr marL="68580" marR="68580" marT="0" marB="0"/>
+                </a:tc>
+                <a:tc>
+                  <a:txBody>
+                    <a:bodyPr/>
+                    <a:lstStyle/>
+                    <a:p>
+                      <a:pPr algn="just">
+                        <a:lnSpc>
+                          <a:spcPct val="150000"/>
+                        </a:lnSpc>
+                        <a:spcAft>
+                          <a:spcPts val="0"/>
+                        </a:spcAft>
+                      </a:pPr>
+                      <a:r>
+                        <a:rPr lang="uk-UA" sz="1400">
+                          <a:effectLst/>
+                        </a:rPr>
+                        <a:t>5 499 ₽</a:t>
+                      </a:r>
+                      <a:endParaRPr lang="en-US" sz="1400">
+                        <a:effectLst/>
+                        <a:latin typeface="Times New Roman" panose="02020603050405020304" pitchFamily="18" charset="0"/>
+                        <a:ea typeface="Times New Roman" panose="02020603050405020304" pitchFamily="18" charset="0"/>
+                      </a:endParaRPr>
+                    </a:p>
+                  </a:txBody>
+                  <a:tcPr marL="68580" marR="68580" marT="0" marB="0"/>
+                </a:tc>
+                <a:extLst>
+                  <a:ext uri="{0D108BD9-81ED-4DB2-BD59-A6C34878D82A}">
+                    <a16:rowId xmlns:a16="http://schemas.microsoft.com/office/drawing/2014/main" val="494437705"/>
+                  </a:ext>
+                </a:extLst>
+              </a:tr>
+              <a:tr h="541222">
+                <a:tc>
+                  <a:txBody>
+                    <a:bodyPr/>
+                    <a:lstStyle/>
+                    <a:p>
+                      <a:pPr algn="just">
+                        <a:lnSpc>
+                          <a:spcPct val="150000"/>
+                        </a:lnSpc>
+                        <a:spcAft>
+                          <a:spcPts val="0"/>
+                        </a:spcAft>
+                      </a:pPr>
+                      <a:r>
+                        <a:rPr lang="ru-RU" sz="1400">
+                          <a:effectLst/>
+                        </a:rPr>
+                        <a:t>Оперативная память</a:t>
+                      </a:r>
+                      <a:endParaRPr lang="en-US" sz="1400">
+                        <a:effectLst/>
+                        <a:latin typeface="Times New Roman" panose="02020603050405020304" pitchFamily="18" charset="0"/>
+                        <a:ea typeface="Times New Roman" panose="02020603050405020304" pitchFamily="18" charset="0"/>
+                      </a:endParaRPr>
+                    </a:p>
+                  </a:txBody>
+                  <a:tcPr marL="68580" marR="68580" marT="0" marB="0"/>
+                </a:tc>
+                <a:tc>
+                  <a:txBody>
+                    <a:bodyPr/>
+                    <a:lstStyle/>
+                    <a:p>
+                      <a:pPr algn="just">
+                        <a:lnSpc>
+                          <a:spcPct val="150000"/>
+                        </a:lnSpc>
+                        <a:spcAft>
+                          <a:spcPts val="0"/>
+                        </a:spcAft>
+                      </a:pPr>
+                      <a:r>
+                        <a:rPr lang="uk-UA" sz="1400">
+                          <a:effectLst/>
+                        </a:rPr>
+                        <a:t>AMD Radeon R7 Performance 4 ГБ</a:t>
+                      </a:r>
+                      <a:endParaRPr lang="en-US" sz="1400">
+                        <a:effectLst/>
+                        <a:latin typeface="Times New Roman" panose="02020603050405020304" pitchFamily="18" charset="0"/>
+                        <a:ea typeface="Times New Roman" panose="02020603050405020304" pitchFamily="18" charset="0"/>
+                      </a:endParaRPr>
+                    </a:p>
+                  </a:txBody>
+                  <a:tcPr marL="68580" marR="68580" marT="0" marB="0"/>
+                </a:tc>
+                <a:tc>
+                  <a:txBody>
+                    <a:bodyPr/>
+                    <a:lstStyle/>
+                    <a:p>
+                      <a:pPr algn="just">
+                        <a:lnSpc>
+                          <a:spcPct val="150000"/>
+                        </a:lnSpc>
+                        <a:spcAft>
+                          <a:spcPts val="0"/>
+                        </a:spcAft>
+                      </a:pPr>
+                      <a:r>
+                        <a:rPr lang="ru-RU" sz="1400">
+                          <a:effectLst/>
+                        </a:rPr>
+                        <a:t>2</a:t>
+                      </a:r>
+                      <a:endParaRPr lang="en-US" sz="1400">
+                        <a:effectLst/>
+                        <a:latin typeface="Times New Roman" panose="02020603050405020304" pitchFamily="18" charset="0"/>
+                        <a:ea typeface="Times New Roman" panose="02020603050405020304" pitchFamily="18" charset="0"/>
+                      </a:endParaRPr>
+                    </a:p>
+                  </a:txBody>
+                  <a:tcPr marL="68580" marR="68580" marT="0" marB="0"/>
+                </a:tc>
+                <a:tc>
+                  <a:txBody>
+                    <a:bodyPr/>
+                    <a:lstStyle/>
+                    <a:p>
+                      <a:pPr algn="just">
+                        <a:lnSpc>
+                          <a:spcPct val="150000"/>
+                        </a:lnSpc>
+                        <a:spcAft>
+                          <a:spcPts val="0"/>
+                        </a:spcAft>
+                      </a:pPr>
+                      <a:r>
+                        <a:rPr lang="ru-RU" sz="1400">
+                          <a:effectLst/>
+                        </a:rPr>
+                        <a:t>1700</a:t>
+                      </a:r>
+                      <a:r>
+                        <a:rPr lang="uk-UA" sz="1400">
+                          <a:effectLst/>
+                        </a:rPr>
+                        <a:t> ₽</a:t>
+                      </a:r>
+                      <a:endParaRPr lang="en-US" sz="1400">
+                        <a:effectLst/>
+                        <a:latin typeface="Times New Roman" panose="02020603050405020304" pitchFamily="18" charset="0"/>
+                        <a:ea typeface="Times New Roman" panose="02020603050405020304" pitchFamily="18" charset="0"/>
+                      </a:endParaRPr>
+                    </a:p>
+                  </a:txBody>
+                  <a:tcPr marL="68580" marR="68580" marT="0" marB="0"/>
+                </a:tc>
+                <a:extLst>
+                  <a:ext uri="{0D108BD9-81ED-4DB2-BD59-A6C34878D82A}">
+                    <a16:rowId xmlns:a16="http://schemas.microsoft.com/office/drawing/2014/main" val="1824425111"/>
+                  </a:ext>
+                </a:extLst>
+              </a:tr>
+              <a:tr h="541222">
+                <a:tc>
+                  <a:txBody>
+                    <a:bodyPr/>
+                    <a:lstStyle/>
+                    <a:p>
+                      <a:pPr algn="just">
+                        <a:lnSpc>
+                          <a:spcPct val="150000"/>
+                        </a:lnSpc>
+                        <a:spcAft>
+                          <a:spcPts val="0"/>
+                        </a:spcAft>
+                      </a:pPr>
+                      <a:r>
+                        <a:rPr lang="ru-RU" sz="1400">
+                          <a:effectLst/>
+                        </a:rPr>
+                        <a:t>Хранение данных</a:t>
+                      </a:r>
+                      <a:endParaRPr lang="en-US" sz="1400">
+                        <a:effectLst/>
+                        <a:latin typeface="Times New Roman" panose="02020603050405020304" pitchFamily="18" charset="0"/>
+                        <a:ea typeface="Times New Roman" panose="02020603050405020304" pitchFamily="18" charset="0"/>
+                      </a:endParaRPr>
+                    </a:p>
+                  </a:txBody>
+                  <a:tcPr marL="68580" marR="68580" marT="0" marB="0"/>
+                </a:tc>
+                <a:tc>
+                  <a:txBody>
+                    <a:bodyPr/>
+                    <a:lstStyle/>
+                    <a:p>
+                      <a:pPr algn="just">
+                        <a:lnSpc>
+                          <a:spcPct val="150000"/>
+                        </a:lnSpc>
+                        <a:spcAft>
+                          <a:spcPts val="0"/>
+                        </a:spcAft>
+                      </a:pPr>
+                      <a:r>
+                        <a:rPr lang="ru-RU" sz="1400" dirty="0">
+                          <a:effectLst/>
+                        </a:rPr>
+                        <a:t>250</a:t>
+                      </a:r>
+                      <a:r>
+                        <a:rPr lang="en-US" sz="1400" dirty="0">
+                          <a:effectLst/>
+                        </a:rPr>
+                        <a:t>GB </a:t>
+                      </a:r>
+                      <a:r>
+                        <a:rPr lang="ru-RU" sz="1400" dirty="0">
+                          <a:effectLst/>
+                        </a:rPr>
+                        <a:t>Н</a:t>
+                      </a:r>
+                      <a:r>
+                        <a:rPr lang="uk-UA" sz="1400" dirty="0" err="1">
+                          <a:effectLst/>
+                        </a:rPr>
+                        <a:t>акопитель</a:t>
+                      </a:r>
+                      <a:r>
+                        <a:rPr lang="uk-UA" sz="1400" dirty="0">
+                          <a:effectLst/>
+                        </a:rPr>
+                        <a:t> </a:t>
+                      </a:r>
+                      <a:r>
+                        <a:rPr lang="uk-UA" sz="1400" dirty="0" err="1">
+                          <a:effectLst/>
+                        </a:rPr>
+                        <a:t>Kingston</a:t>
+                      </a:r>
+                      <a:r>
+                        <a:rPr lang="uk-UA" sz="1400" dirty="0">
+                          <a:effectLst/>
+                        </a:rPr>
+                        <a:t> NV1</a:t>
+                      </a:r>
+                      <a:endParaRPr lang="en-US" sz="1400" dirty="0">
+                        <a:effectLst/>
+                        <a:latin typeface="Times New Roman" panose="02020603050405020304" pitchFamily="18" charset="0"/>
+                        <a:ea typeface="Times New Roman" panose="02020603050405020304" pitchFamily="18" charset="0"/>
+                      </a:endParaRPr>
+                    </a:p>
+                  </a:txBody>
+                  <a:tcPr marL="68580" marR="68580" marT="0" marB="0"/>
+                </a:tc>
+                <a:tc>
+                  <a:txBody>
+                    <a:bodyPr/>
+                    <a:lstStyle/>
+                    <a:p>
+                      <a:pPr algn="just">
+                        <a:lnSpc>
+                          <a:spcPct val="150000"/>
+                        </a:lnSpc>
+                        <a:spcAft>
+                          <a:spcPts val="0"/>
+                        </a:spcAft>
+                      </a:pPr>
+                      <a:r>
+                        <a:rPr lang="ru-RU" sz="1400" dirty="0">
+                          <a:effectLst/>
+                        </a:rPr>
+                        <a:t>1</a:t>
+                      </a:r>
+                      <a:endParaRPr lang="en-US" sz="1400" dirty="0">
+                        <a:effectLst/>
+                        <a:latin typeface="Times New Roman" panose="02020603050405020304" pitchFamily="18" charset="0"/>
+                        <a:ea typeface="Times New Roman" panose="02020603050405020304" pitchFamily="18" charset="0"/>
+                      </a:endParaRPr>
+                    </a:p>
+                  </a:txBody>
+                  <a:tcPr marL="68580" marR="68580" marT="0" marB="0"/>
+                </a:tc>
+                <a:tc>
+                  <a:txBody>
+                    <a:bodyPr/>
+                    <a:lstStyle/>
+                    <a:p>
+                      <a:pPr algn="just">
+                        <a:lnSpc>
+                          <a:spcPct val="150000"/>
+                        </a:lnSpc>
+                        <a:spcAft>
+                          <a:spcPts val="0"/>
+                        </a:spcAft>
+                      </a:pPr>
+                      <a:r>
+                        <a:rPr lang="uk-UA" sz="1400">
+                          <a:effectLst/>
+                        </a:rPr>
+                        <a:t>2 150 ₽</a:t>
+                      </a:r>
+                      <a:endParaRPr lang="en-US" sz="1400">
+                        <a:effectLst/>
+                        <a:latin typeface="Times New Roman" panose="02020603050405020304" pitchFamily="18" charset="0"/>
+                        <a:ea typeface="Times New Roman" panose="02020603050405020304" pitchFamily="18" charset="0"/>
+                      </a:endParaRPr>
+                    </a:p>
+                  </a:txBody>
+                  <a:tcPr marL="68580" marR="68580" marT="0" marB="0"/>
+                </a:tc>
+                <a:extLst>
+                  <a:ext uri="{0D108BD9-81ED-4DB2-BD59-A6C34878D82A}">
+                    <a16:rowId xmlns:a16="http://schemas.microsoft.com/office/drawing/2014/main" val="2732748833"/>
+                  </a:ext>
+                </a:extLst>
+              </a:tr>
+              <a:tr h="541108">
+                <a:tc>
+                  <a:txBody>
+                    <a:bodyPr/>
+                    <a:lstStyle/>
+                    <a:p>
+                      <a:pPr algn="just">
+                        <a:lnSpc>
+                          <a:spcPct val="150000"/>
+                        </a:lnSpc>
+                        <a:spcAft>
+                          <a:spcPts val="0"/>
+                        </a:spcAft>
+                      </a:pPr>
+                      <a:r>
+                        <a:rPr lang="ru-RU" sz="1400">
+                          <a:effectLst/>
+                        </a:rPr>
+                        <a:t>Куллер для процессора </a:t>
+                      </a:r>
+                      <a:endParaRPr lang="en-US" sz="1400">
+                        <a:effectLst/>
+                        <a:latin typeface="Times New Roman" panose="02020603050405020304" pitchFamily="18" charset="0"/>
+                        <a:ea typeface="Times New Roman" panose="02020603050405020304" pitchFamily="18" charset="0"/>
+                      </a:endParaRPr>
+                    </a:p>
+                  </a:txBody>
+                  <a:tcPr marL="68580" marR="68580" marT="0" marB="0"/>
+                </a:tc>
+                <a:tc>
+                  <a:txBody>
+                    <a:bodyPr/>
+                    <a:lstStyle/>
+                    <a:p>
+                      <a:pPr algn="just">
+                        <a:lnSpc>
+                          <a:spcPct val="150000"/>
+                        </a:lnSpc>
+                        <a:spcAft>
+                          <a:spcPts val="0"/>
+                        </a:spcAft>
+                      </a:pPr>
+                      <a:r>
+                        <a:rPr lang="uk-UA" sz="1400">
+                          <a:effectLst/>
+                        </a:rPr>
+                        <a:t>AeroCool Verkho A-3P</a:t>
+                      </a:r>
+                      <a:endParaRPr lang="en-US" sz="1400">
+                        <a:effectLst/>
+                        <a:latin typeface="Times New Roman" panose="02020603050405020304" pitchFamily="18" charset="0"/>
+                        <a:ea typeface="Times New Roman" panose="02020603050405020304" pitchFamily="18" charset="0"/>
+                      </a:endParaRPr>
+                    </a:p>
+                  </a:txBody>
+                  <a:tcPr marL="68580" marR="68580" marT="0" marB="0"/>
+                </a:tc>
+                <a:tc>
+                  <a:txBody>
+                    <a:bodyPr/>
+                    <a:lstStyle/>
+                    <a:p>
+                      <a:pPr algn="just">
+                        <a:lnSpc>
+                          <a:spcPct val="150000"/>
+                        </a:lnSpc>
+                        <a:spcAft>
+                          <a:spcPts val="0"/>
+                        </a:spcAft>
+                      </a:pPr>
+                      <a:r>
+                        <a:rPr lang="ru-RU" sz="1400" dirty="0">
+                          <a:effectLst/>
+                        </a:rPr>
+                        <a:t>1</a:t>
+                      </a:r>
+                      <a:endParaRPr lang="en-US" sz="1400" dirty="0">
+                        <a:effectLst/>
+                        <a:latin typeface="Times New Roman" panose="02020603050405020304" pitchFamily="18" charset="0"/>
+                        <a:ea typeface="Times New Roman" panose="02020603050405020304" pitchFamily="18" charset="0"/>
+                      </a:endParaRPr>
+                    </a:p>
+                  </a:txBody>
+                  <a:tcPr marL="68580" marR="68580" marT="0" marB="0"/>
+                </a:tc>
+                <a:tc>
+                  <a:txBody>
+                    <a:bodyPr/>
+                    <a:lstStyle/>
+                    <a:p>
+                      <a:pPr algn="just">
+                        <a:lnSpc>
+                          <a:spcPct val="150000"/>
+                        </a:lnSpc>
+                        <a:spcAft>
+                          <a:spcPts val="0"/>
+                        </a:spcAft>
+                      </a:pPr>
+                      <a:r>
+                        <a:rPr lang="uk-UA" sz="1400">
+                          <a:effectLst/>
+                        </a:rPr>
+                        <a:t>599 ₽</a:t>
+                      </a:r>
+                      <a:endParaRPr lang="en-US" sz="1400">
+                        <a:effectLst/>
+                        <a:latin typeface="Times New Roman" panose="02020603050405020304" pitchFamily="18" charset="0"/>
+                        <a:ea typeface="Times New Roman" panose="02020603050405020304" pitchFamily="18" charset="0"/>
+                      </a:endParaRPr>
+                    </a:p>
+                  </a:txBody>
+                  <a:tcPr marL="68580" marR="68580" marT="0" marB="0"/>
+                </a:tc>
+                <a:extLst>
+                  <a:ext uri="{0D108BD9-81ED-4DB2-BD59-A6C34878D82A}">
+                    <a16:rowId xmlns:a16="http://schemas.microsoft.com/office/drawing/2014/main" val="3141927529"/>
+                  </a:ext>
+                </a:extLst>
+              </a:tr>
+              <a:tr h="384056">
+                <a:tc>
+                  <a:txBody>
+                    <a:bodyPr/>
+                    <a:lstStyle/>
+                    <a:p>
+                      <a:pPr algn="just">
+                        <a:lnSpc>
+                          <a:spcPct val="150000"/>
+                        </a:lnSpc>
+                        <a:spcAft>
+                          <a:spcPts val="0"/>
+                        </a:spcAft>
+                      </a:pPr>
+                      <a:r>
+                        <a:rPr lang="ru-RU" sz="1400">
+                          <a:effectLst/>
+                        </a:rPr>
+                        <a:t>Корпус</a:t>
+                      </a:r>
+                      <a:endParaRPr lang="en-US" sz="1400">
+                        <a:effectLst/>
+                        <a:latin typeface="Times New Roman" panose="02020603050405020304" pitchFamily="18" charset="0"/>
+                        <a:ea typeface="Times New Roman" panose="02020603050405020304" pitchFamily="18" charset="0"/>
+                      </a:endParaRPr>
+                    </a:p>
+                  </a:txBody>
+                  <a:tcPr marL="68580" marR="68580" marT="0" marB="0"/>
+                </a:tc>
+                <a:tc>
+                  <a:txBody>
+                    <a:bodyPr/>
+                    <a:lstStyle/>
+                    <a:p>
+                      <a:r>
+                        <a:rPr lang="uk-UA" sz="1400">
+                          <a:effectLst/>
+                        </a:rPr>
+                        <a:t>DEEPCOOL MATREXX 30</a:t>
+                      </a:r>
+                      <a:endParaRPr lang="en-US" sz="1000">
+                        <a:effectLst/>
+                        <a:latin typeface="Times New Roman" panose="02020603050405020304" pitchFamily="18" charset="0"/>
+                        <a:ea typeface="Times New Roman" panose="02020603050405020304" pitchFamily="18" charset="0"/>
+                      </a:endParaRPr>
+                    </a:p>
+                  </a:txBody>
+                  <a:tcPr marL="68580" marR="68580" marT="0" marB="0"/>
+                </a:tc>
+                <a:tc>
+                  <a:txBody>
+                    <a:bodyPr/>
+                    <a:lstStyle/>
+                    <a:p>
+                      <a:pPr algn="just">
+                        <a:lnSpc>
+                          <a:spcPct val="150000"/>
+                        </a:lnSpc>
+                        <a:spcAft>
+                          <a:spcPts val="0"/>
+                        </a:spcAft>
+                      </a:pPr>
+                      <a:r>
+                        <a:rPr lang="ru-RU" sz="1400">
+                          <a:effectLst/>
+                        </a:rPr>
+                        <a:t>1</a:t>
+                      </a:r>
+                      <a:endParaRPr lang="en-US" sz="1400">
+                        <a:effectLst/>
+                        <a:latin typeface="Times New Roman" panose="02020603050405020304" pitchFamily="18" charset="0"/>
+                        <a:ea typeface="Times New Roman" panose="02020603050405020304" pitchFamily="18" charset="0"/>
+                      </a:endParaRPr>
+                    </a:p>
+                  </a:txBody>
+                  <a:tcPr marL="68580" marR="68580" marT="0" marB="0"/>
+                </a:tc>
+                <a:tc>
+                  <a:txBody>
+                    <a:bodyPr/>
+                    <a:lstStyle/>
+                    <a:p>
+                      <a:pPr algn="just">
+                        <a:lnSpc>
+                          <a:spcPct val="150000"/>
+                        </a:lnSpc>
+                        <a:spcAft>
+                          <a:spcPts val="0"/>
+                        </a:spcAft>
+                      </a:pPr>
+                      <a:r>
+                        <a:rPr lang="uk-UA" sz="1400">
+                          <a:effectLst/>
+                        </a:rPr>
+                        <a:t>2 999 ₽</a:t>
+                      </a:r>
+                      <a:endParaRPr lang="en-US" sz="1400">
+                        <a:effectLst/>
+                        <a:latin typeface="Times New Roman" panose="02020603050405020304" pitchFamily="18" charset="0"/>
+                        <a:ea typeface="Times New Roman" panose="02020603050405020304" pitchFamily="18" charset="0"/>
+                      </a:endParaRPr>
+                    </a:p>
+                  </a:txBody>
+                  <a:tcPr marL="68580" marR="68580" marT="0" marB="0"/>
+                </a:tc>
+                <a:extLst>
+                  <a:ext uri="{0D108BD9-81ED-4DB2-BD59-A6C34878D82A}">
+                    <a16:rowId xmlns:a16="http://schemas.microsoft.com/office/drawing/2014/main" val="2109348623"/>
+                  </a:ext>
+                </a:extLst>
+              </a:tr>
+              <a:tr h="541222">
+                <a:tc>
+                  <a:txBody>
+                    <a:bodyPr/>
+                    <a:lstStyle/>
+                    <a:p>
+                      <a:pPr algn="just">
+                        <a:lnSpc>
+                          <a:spcPct val="150000"/>
+                        </a:lnSpc>
+                        <a:spcAft>
+                          <a:spcPts val="0"/>
+                        </a:spcAft>
+                      </a:pPr>
+                      <a:r>
+                        <a:rPr lang="ru-RU" sz="1400">
+                          <a:effectLst/>
+                        </a:rPr>
+                        <a:t>Блок питания</a:t>
+                      </a:r>
+                      <a:endParaRPr lang="en-US" sz="1400">
+                        <a:effectLst/>
+                        <a:latin typeface="Times New Roman" panose="02020603050405020304" pitchFamily="18" charset="0"/>
+                        <a:ea typeface="Times New Roman" panose="02020603050405020304" pitchFamily="18" charset="0"/>
+                      </a:endParaRPr>
+                    </a:p>
+                  </a:txBody>
+                  <a:tcPr marL="68580" marR="68580" marT="0" marB="0"/>
+                </a:tc>
+                <a:tc>
+                  <a:txBody>
+                    <a:bodyPr/>
+                    <a:lstStyle/>
+                    <a:p>
+                      <a:pPr algn="just">
+                        <a:lnSpc>
+                          <a:spcPct val="150000"/>
+                        </a:lnSpc>
+                        <a:spcAft>
+                          <a:spcPts val="0"/>
+                        </a:spcAft>
+                      </a:pPr>
+                      <a:r>
+                        <a:rPr lang="uk-UA" sz="1400">
+                          <a:effectLst/>
+                        </a:rPr>
+                        <a:t>Блок питания Winard 500W </a:t>
+                      </a:r>
+                      <a:endParaRPr lang="en-US" sz="1400">
+                        <a:effectLst/>
+                        <a:latin typeface="Times New Roman" panose="02020603050405020304" pitchFamily="18" charset="0"/>
+                        <a:ea typeface="Times New Roman" panose="02020603050405020304" pitchFamily="18" charset="0"/>
+                      </a:endParaRPr>
+                    </a:p>
+                  </a:txBody>
+                  <a:tcPr marL="68580" marR="68580" marT="0" marB="0"/>
+                </a:tc>
+                <a:tc>
+                  <a:txBody>
+                    <a:bodyPr/>
+                    <a:lstStyle/>
+                    <a:p>
+                      <a:pPr algn="just">
+                        <a:lnSpc>
+                          <a:spcPct val="150000"/>
+                        </a:lnSpc>
+                        <a:spcAft>
+                          <a:spcPts val="0"/>
+                        </a:spcAft>
+                      </a:pPr>
+                      <a:r>
+                        <a:rPr lang="ru-RU" sz="1400">
+                          <a:effectLst/>
+                        </a:rPr>
+                        <a:t>1</a:t>
+                      </a:r>
+                      <a:endParaRPr lang="en-US" sz="1400">
+                        <a:effectLst/>
+                        <a:latin typeface="Times New Roman" panose="02020603050405020304" pitchFamily="18" charset="0"/>
+                        <a:ea typeface="Times New Roman" panose="02020603050405020304" pitchFamily="18" charset="0"/>
+                      </a:endParaRPr>
+                    </a:p>
+                  </a:txBody>
+                  <a:tcPr marL="68580" marR="68580" marT="0" marB="0"/>
+                </a:tc>
+                <a:tc>
+                  <a:txBody>
+                    <a:bodyPr/>
+                    <a:lstStyle/>
+                    <a:p>
+                      <a:pPr algn="just">
+                        <a:lnSpc>
+                          <a:spcPct val="150000"/>
+                        </a:lnSpc>
+                        <a:spcAft>
+                          <a:spcPts val="0"/>
+                        </a:spcAft>
+                      </a:pPr>
+                      <a:r>
+                        <a:rPr lang="uk-UA" sz="1400">
+                          <a:effectLst/>
+                        </a:rPr>
+                        <a:t>1 199 ₽</a:t>
+                      </a:r>
+                      <a:endParaRPr lang="en-US" sz="1400">
+                        <a:effectLst/>
+                        <a:latin typeface="Times New Roman" panose="02020603050405020304" pitchFamily="18" charset="0"/>
+                        <a:ea typeface="Times New Roman" panose="02020603050405020304" pitchFamily="18" charset="0"/>
+                      </a:endParaRPr>
+                    </a:p>
+                  </a:txBody>
+                  <a:tcPr marL="68580" marR="68580" marT="0" marB="0"/>
+                </a:tc>
+                <a:extLst>
+                  <a:ext uri="{0D108BD9-81ED-4DB2-BD59-A6C34878D82A}">
+                    <a16:rowId xmlns:a16="http://schemas.microsoft.com/office/drawing/2014/main" val="3356687952"/>
+                  </a:ext>
+                </a:extLst>
+              </a:tr>
+              <a:tr h="253180">
+                <a:tc>
+                  <a:txBody>
+                    <a:bodyPr/>
+                    <a:lstStyle/>
+                    <a:p>
+                      <a:pPr algn="just">
+                        <a:lnSpc>
+                          <a:spcPct val="150000"/>
+                        </a:lnSpc>
+                        <a:spcAft>
+                          <a:spcPts val="0"/>
+                        </a:spcAft>
+                      </a:pPr>
+                      <a:r>
+                        <a:rPr lang="ru-RU" sz="1400">
+                          <a:effectLst/>
+                        </a:rPr>
+                        <a:t>Итого:</a:t>
+                      </a:r>
+                      <a:endParaRPr lang="en-US" sz="1400">
+                        <a:effectLst/>
+                        <a:latin typeface="Times New Roman" panose="02020603050405020304" pitchFamily="18" charset="0"/>
+                        <a:ea typeface="Times New Roman" panose="02020603050405020304" pitchFamily="18" charset="0"/>
+                      </a:endParaRPr>
+                    </a:p>
+                  </a:txBody>
+                  <a:tcPr marL="68580" marR="68580" marT="0" marB="0"/>
+                </a:tc>
+                <a:tc>
+                  <a:txBody>
+                    <a:bodyPr/>
+                    <a:lstStyle/>
+                    <a:p>
+                      <a:pPr algn="just">
+                        <a:lnSpc>
+                          <a:spcPct val="150000"/>
+                        </a:lnSpc>
+                        <a:spcAft>
+                          <a:spcPts val="0"/>
+                        </a:spcAft>
+                      </a:pPr>
+                      <a:r>
+                        <a:rPr lang="uk-UA" sz="1400" dirty="0">
+                          <a:effectLst/>
+                        </a:rPr>
+                        <a:t> </a:t>
+                      </a:r>
+                      <a:endParaRPr lang="en-US" sz="1400" dirty="0">
+                        <a:effectLst/>
+                        <a:latin typeface="Times New Roman" panose="02020603050405020304" pitchFamily="18" charset="0"/>
+                        <a:ea typeface="Times New Roman" panose="02020603050405020304" pitchFamily="18" charset="0"/>
+                      </a:endParaRPr>
+                    </a:p>
+                  </a:txBody>
+                  <a:tcPr marL="68580" marR="68580" marT="0" marB="0"/>
+                </a:tc>
+                <a:tc>
+                  <a:txBody>
+                    <a:bodyPr/>
+                    <a:lstStyle/>
+                    <a:p>
+                      <a:pPr algn="just">
+                        <a:lnSpc>
+                          <a:spcPct val="150000"/>
+                        </a:lnSpc>
+                        <a:spcAft>
+                          <a:spcPts val="0"/>
+                        </a:spcAft>
+                      </a:pPr>
+                      <a:r>
+                        <a:rPr lang="uk-UA" sz="1400">
+                          <a:effectLst/>
+                        </a:rPr>
+                        <a:t> </a:t>
+                      </a:r>
+                      <a:endParaRPr lang="en-US" sz="1400">
+                        <a:effectLst/>
+                        <a:latin typeface="Times New Roman" panose="02020603050405020304" pitchFamily="18" charset="0"/>
+                        <a:ea typeface="Times New Roman" panose="02020603050405020304" pitchFamily="18" charset="0"/>
+                      </a:endParaRPr>
+                    </a:p>
+                  </a:txBody>
+                  <a:tcPr marL="68580" marR="68580" marT="0" marB="0"/>
+                </a:tc>
+                <a:tc>
+                  <a:txBody>
+                    <a:bodyPr/>
+                    <a:lstStyle/>
+                    <a:p>
+                      <a:pPr algn="just">
+                        <a:lnSpc>
+                          <a:spcPct val="150000"/>
+                        </a:lnSpc>
+                        <a:spcAft>
+                          <a:spcPts val="0"/>
+                        </a:spcAft>
+                      </a:pPr>
+                      <a:r>
+                        <a:rPr lang="ru-RU" sz="1400" dirty="0">
+                          <a:effectLst/>
+                        </a:rPr>
+                        <a:t>19 445 </a:t>
+                      </a:r>
+                      <a:r>
+                        <a:rPr lang="uk-UA" sz="1400" dirty="0">
+                          <a:effectLst/>
+                        </a:rPr>
+                        <a:t>₽</a:t>
+                      </a:r>
+                      <a:endParaRPr lang="en-US" sz="1400" dirty="0">
+                        <a:effectLst/>
+                        <a:latin typeface="Times New Roman" panose="02020603050405020304" pitchFamily="18" charset="0"/>
+                        <a:ea typeface="Times New Roman" panose="02020603050405020304" pitchFamily="18" charset="0"/>
+                      </a:endParaRPr>
+                    </a:p>
+                  </a:txBody>
+                  <a:tcPr marL="68580" marR="68580" marT="0" marB="0"/>
+                </a:tc>
+                <a:extLst>
+                  <a:ext uri="{0D108BD9-81ED-4DB2-BD59-A6C34878D82A}">
+                    <a16:rowId xmlns:a16="http://schemas.microsoft.com/office/drawing/2014/main" val="3849703426"/>
+                  </a:ext>
+                </a:extLst>
+              </a:tr>
+            </a:tbl>
+          </a:graphicData>
+        </a:graphic>
+      </p:graphicFrame>
+      <p:graphicFrame>
+        <p:nvGraphicFramePr>
+          <p:cNvPr id="7" name="Таблица 6">
+            <a:extLst>
+              <a:ext uri="{FF2B5EF4-FFF2-40B4-BE49-F238E27FC236}">
+                <a16:creationId xmlns:a16="http://schemas.microsoft.com/office/drawing/2014/main" id="{5DFA0219-15C9-4395-8EC2-04D1C810F6A3}"/>
+              </a:ext>
+            </a:extLst>
+          </p:cNvPr>
+          <p:cNvGraphicFramePr>
+            <a:graphicFrameLocks noGrp="1"/>
+          </p:cNvGraphicFramePr>
+          <p:nvPr>
+            <p:extLst>
+              <p:ext uri="{D42A27DB-BD31-4B8C-83A1-F6EECF244321}">
+                <p14:modId xmlns:p14="http://schemas.microsoft.com/office/powerpoint/2010/main" val="2053040751"/>
+              </p:ext>
+            </p:extLst>
+          </p:nvPr>
+        </p:nvGraphicFramePr>
+        <p:xfrm>
+          <a:off x="5875867" y="1767630"/>
+          <a:ext cx="6190192" cy="4149770"/>
+        </p:xfrm>
+        <a:graphic>
+          <a:graphicData uri="http://schemas.openxmlformats.org/drawingml/2006/table">
+            <a:tbl>
+              <a:tblPr firstRow="1" firstCol="1" bandRow="1">
+                <a:tableStyleId>{5C22544A-7EE6-4342-B048-85BDC9FD1C3A}</a:tableStyleId>
+              </a:tblPr>
+              <a:tblGrid>
+                <a:gridCol w="1911083">
+                  <a:extLst>
+                    <a:ext uri="{9D8B030D-6E8A-4147-A177-3AD203B41FA5}">
+                      <a16:colId xmlns:a16="http://schemas.microsoft.com/office/drawing/2014/main" val="3643416723"/>
+                    </a:ext>
+                  </a:extLst>
+                </a:gridCol>
+                <a:gridCol w="2694783">
+                  <a:extLst>
+                    <a:ext uri="{9D8B030D-6E8A-4147-A177-3AD203B41FA5}">
+                      <a16:colId xmlns:a16="http://schemas.microsoft.com/office/drawing/2014/main" val="3496900744"/>
+                    </a:ext>
+                  </a:extLst>
+                </a:gridCol>
+                <a:gridCol w="711200">
+                  <a:extLst>
+                    <a:ext uri="{9D8B030D-6E8A-4147-A177-3AD203B41FA5}">
+                      <a16:colId xmlns:a16="http://schemas.microsoft.com/office/drawing/2014/main" val="330175170"/>
+                    </a:ext>
+                  </a:extLst>
+                </a:gridCol>
+                <a:gridCol w="873126">
+                  <a:extLst>
+                    <a:ext uri="{9D8B030D-6E8A-4147-A177-3AD203B41FA5}">
+                      <a16:colId xmlns:a16="http://schemas.microsoft.com/office/drawing/2014/main" val="4069171487"/>
+                    </a:ext>
+                  </a:extLst>
+                </a:gridCol>
+              </a:tblGrid>
+              <a:tr h="599633">
+                <a:tc>
+                  <a:txBody>
+                    <a:bodyPr/>
+                    <a:lstStyle/>
+                    <a:p>
+                      <a:pPr algn="ctr">
+                        <a:lnSpc>
+                          <a:spcPct val="150000"/>
+                        </a:lnSpc>
+                        <a:spcAft>
+                          <a:spcPts val="0"/>
+                        </a:spcAft>
+                      </a:pPr>
+                      <a:r>
+                        <a:rPr lang="ru-RU" sz="1400" dirty="0">
+                          <a:effectLst/>
+                        </a:rPr>
+                        <a:t>Компонент</a:t>
+                      </a:r>
+                      <a:endParaRPr lang="en-US" sz="1400" dirty="0">
+                        <a:effectLst/>
+                        <a:latin typeface="Times New Roman" panose="02020603050405020304" pitchFamily="18" charset="0"/>
+                        <a:ea typeface="Times New Roman" panose="02020603050405020304" pitchFamily="18" charset="0"/>
+                      </a:endParaRPr>
+                    </a:p>
+                  </a:txBody>
+                  <a:tcPr marL="68580" marR="68580" marT="0" marB="0"/>
+                </a:tc>
+                <a:tc>
+                  <a:txBody>
+                    <a:bodyPr/>
+                    <a:lstStyle/>
+                    <a:p>
+                      <a:pPr algn="ctr">
+                        <a:lnSpc>
+                          <a:spcPct val="150000"/>
+                        </a:lnSpc>
+                        <a:spcAft>
+                          <a:spcPts val="0"/>
+                        </a:spcAft>
+                      </a:pPr>
+                      <a:r>
+                        <a:rPr lang="ru-RU" sz="1400" dirty="0">
+                          <a:effectLst/>
+                        </a:rPr>
+                        <a:t>Наименование</a:t>
+                      </a:r>
+                      <a:endParaRPr lang="en-US" sz="1400" dirty="0">
+                        <a:effectLst/>
+                        <a:latin typeface="Times New Roman" panose="02020603050405020304" pitchFamily="18" charset="0"/>
+                        <a:ea typeface="Times New Roman" panose="02020603050405020304" pitchFamily="18" charset="0"/>
+                      </a:endParaRPr>
+                    </a:p>
+                  </a:txBody>
+                  <a:tcPr marL="68580" marR="68580" marT="0" marB="0"/>
+                </a:tc>
+                <a:tc>
+                  <a:txBody>
+                    <a:bodyPr/>
+                    <a:lstStyle/>
+                    <a:p>
+                      <a:pPr algn="ctr">
+                        <a:lnSpc>
+                          <a:spcPct val="150000"/>
+                        </a:lnSpc>
+                        <a:spcAft>
+                          <a:spcPts val="0"/>
+                        </a:spcAft>
+                      </a:pPr>
+                      <a:r>
+                        <a:rPr lang="ru-RU" sz="1400" dirty="0">
+                          <a:effectLst/>
+                        </a:rPr>
+                        <a:t>Кол-во</a:t>
+                      </a:r>
+                      <a:endParaRPr lang="en-US" sz="1400" dirty="0">
+                        <a:effectLst/>
+                        <a:latin typeface="Times New Roman" panose="02020603050405020304" pitchFamily="18" charset="0"/>
+                        <a:ea typeface="Times New Roman" panose="02020603050405020304" pitchFamily="18" charset="0"/>
+                      </a:endParaRPr>
+                    </a:p>
+                  </a:txBody>
+                  <a:tcPr marL="68580" marR="68580" marT="0" marB="0"/>
+                </a:tc>
+                <a:tc>
+                  <a:txBody>
+                    <a:bodyPr/>
+                    <a:lstStyle/>
+                    <a:p>
+                      <a:pPr algn="ctr">
+                        <a:lnSpc>
+                          <a:spcPct val="150000"/>
+                        </a:lnSpc>
+                        <a:spcAft>
+                          <a:spcPts val="0"/>
+                        </a:spcAft>
+                      </a:pPr>
+                      <a:r>
+                        <a:rPr lang="ru-RU" sz="1400" dirty="0">
+                          <a:effectLst/>
+                        </a:rPr>
+                        <a:t>Цена</a:t>
+                      </a:r>
+                      <a:endParaRPr lang="en-US" sz="1400" dirty="0">
+                        <a:effectLst/>
+                        <a:latin typeface="Times New Roman" panose="02020603050405020304" pitchFamily="18" charset="0"/>
+                        <a:ea typeface="Times New Roman" panose="02020603050405020304" pitchFamily="18" charset="0"/>
+                      </a:endParaRPr>
+                    </a:p>
+                  </a:txBody>
+                  <a:tcPr marL="68580" marR="68580" marT="0" marB="0"/>
+                </a:tc>
+                <a:extLst>
+                  <a:ext uri="{0D108BD9-81ED-4DB2-BD59-A6C34878D82A}">
+                    <a16:rowId xmlns:a16="http://schemas.microsoft.com/office/drawing/2014/main" val="3866115827"/>
+                  </a:ext>
+                </a:extLst>
+              </a:tr>
+              <a:tr h="354603">
+                <a:tc>
+                  <a:txBody>
+                    <a:bodyPr/>
+                    <a:lstStyle/>
+                    <a:p>
+                      <a:pPr algn="just">
+                        <a:lnSpc>
+                          <a:spcPct val="150000"/>
+                        </a:lnSpc>
+                        <a:spcAft>
+                          <a:spcPts val="0"/>
+                        </a:spcAft>
+                      </a:pPr>
+                      <a:r>
+                        <a:rPr lang="ru-RU" sz="1400">
+                          <a:effectLst/>
+                        </a:rPr>
+                        <a:t>Монитор</a:t>
+                      </a:r>
+                      <a:endParaRPr lang="en-US" sz="1400">
+                        <a:effectLst/>
+                        <a:latin typeface="Times New Roman" panose="02020603050405020304" pitchFamily="18" charset="0"/>
+                        <a:ea typeface="Times New Roman" panose="02020603050405020304" pitchFamily="18" charset="0"/>
+                      </a:endParaRPr>
+                    </a:p>
+                  </a:txBody>
+                  <a:tcPr marL="68580" marR="68580" marT="0" marB="0"/>
+                </a:tc>
+                <a:tc>
+                  <a:txBody>
+                    <a:bodyPr/>
+                    <a:lstStyle/>
+                    <a:p>
+                      <a:r>
+                        <a:rPr lang="uk-UA" sz="1400">
+                          <a:effectLst/>
+                        </a:rPr>
+                        <a:t>Lenovo ThinkVision L1951p </a:t>
+                      </a:r>
+                      <a:endParaRPr lang="en-US" sz="1000">
+                        <a:effectLst/>
+                        <a:latin typeface="Times New Roman" panose="02020603050405020304" pitchFamily="18" charset="0"/>
+                        <a:ea typeface="Times New Roman" panose="02020603050405020304" pitchFamily="18" charset="0"/>
+                      </a:endParaRPr>
+                    </a:p>
+                  </a:txBody>
+                  <a:tcPr marL="68580" marR="68580" marT="0" marB="0"/>
+                </a:tc>
+                <a:tc>
+                  <a:txBody>
+                    <a:bodyPr/>
+                    <a:lstStyle/>
+                    <a:p>
+                      <a:pPr algn="just">
+                        <a:lnSpc>
+                          <a:spcPct val="150000"/>
+                        </a:lnSpc>
+                        <a:spcAft>
+                          <a:spcPts val="0"/>
+                        </a:spcAft>
+                      </a:pPr>
+                      <a:r>
+                        <a:rPr lang="ru-RU" sz="1400">
+                          <a:effectLst/>
+                        </a:rPr>
+                        <a:t>1</a:t>
+                      </a:r>
+                      <a:endParaRPr lang="en-US" sz="1400">
+                        <a:effectLst/>
+                        <a:latin typeface="Times New Roman" panose="02020603050405020304" pitchFamily="18" charset="0"/>
+                        <a:ea typeface="Times New Roman" panose="02020603050405020304" pitchFamily="18" charset="0"/>
+                      </a:endParaRPr>
+                    </a:p>
+                  </a:txBody>
+                  <a:tcPr marL="68580" marR="68580" marT="0" marB="0"/>
+                </a:tc>
+                <a:tc>
+                  <a:txBody>
+                    <a:bodyPr/>
+                    <a:lstStyle/>
+                    <a:p>
+                      <a:pPr algn="l">
+                        <a:spcAft>
+                          <a:spcPts val="0"/>
+                        </a:spcAft>
+                      </a:pPr>
+                      <a:r>
+                        <a:rPr lang="ru-RU" sz="1400">
+                          <a:effectLst/>
+                        </a:rPr>
+                        <a:t>3 899 ₽</a:t>
+                      </a:r>
+                      <a:endParaRPr lang="en-US" sz="1400">
+                        <a:effectLst/>
+                        <a:latin typeface="Times New Roman" panose="02020603050405020304" pitchFamily="18" charset="0"/>
+                        <a:ea typeface="Times New Roman" panose="02020603050405020304" pitchFamily="18" charset="0"/>
+                      </a:endParaRPr>
+                    </a:p>
+                  </a:txBody>
+                  <a:tcPr marL="68580" marR="68580" marT="0" marB="0"/>
+                </a:tc>
+                <a:extLst>
+                  <a:ext uri="{0D108BD9-81ED-4DB2-BD59-A6C34878D82A}">
+                    <a16:rowId xmlns:a16="http://schemas.microsoft.com/office/drawing/2014/main" val="1660382235"/>
+                  </a:ext>
+                </a:extLst>
+              </a:tr>
+              <a:tr h="280564">
+                <a:tc>
+                  <a:txBody>
+                    <a:bodyPr/>
+                    <a:lstStyle/>
+                    <a:p>
+                      <a:pPr algn="just">
+                        <a:lnSpc>
+                          <a:spcPct val="150000"/>
+                        </a:lnSpc>
+                        <a:spcAft>
+                          <a:spcPts val="0"/>
+                        </a:spcAft>
+                      </a:pPr>
+                      <a:r>
+                        <a:rPr lang="ru-RU" sz="1400">
+                          <a:effectLst/>
+                        </a:rPr>
+                        <a:t>Клавиатура</a:t>
+                      </a:r>
+                      <a:endParaRPr lang="en-US" sz="1400">
+                        <a:effectLst/>
+                        <a:latin typeface="Times New Roman" panose="02020603050405020304" pitchFamily="18" charset="0"/>
+                        <a:ea typeface="Times New Roman" panose="02020603050405020304" pitchFamily="18" charset="0"/>
+                      </a:endParaRPr>
+                    </a:p>
+                  </a:txBody>
+                  <a:tcPr marL="68580" marR="68580" marT="0" marB="0"/>
+                </a:tc>
+                <a:tc>
+                  <a:txBody>
+                    <a:bodyPr/>
+                    <a:lstStyle/>
+                    <a:p>
+                      <a:pPr algn="just">
+                        <a:lnSpc>
+                          <a:spcPct val="150000"/>
+                        </a:lnSpc>
+                        <a:spcAft>
+                          <a:spcPts val="0"/>
+                        </a:spcAft>
+                      </a:pPr>
+                      <a:r>
+                        <a:rPr lang="uk-UA" sz="1400">
+                          <a:effectLst/>
+                        </a:rPr>
+                        <a:t>Aceline K-201BU</a:t>
+                      </a:r>
+                      <a:endParaRPr lang="en-US" sz="1400">
+                        <a:effectLst/>
+                        <a:latin typeface="Times New Roman" panose="02020603050405020304" pitchFamily="18" charset="0"/>
+                        <a:ea typeface="Times New Roman" panose="02020603050405020304" pitchFamily="18" charset="0"/>
+                      </a:endParaRPr>
+                    </a:p>
+                  </a:txBody>
+                  <a:tcPr marL="68580" marR="68580" marT="0" marB="0"/>
+                </a:tc>
+                <a:tc>
+                  <a:txBody>
+                    <a:bodyPr/>
+                    <a:lstStyle/>
+                    <a:p>
+                      <a:pPr algn="just">
+                        <a:lnSpc>
+                          <a:spcPct val="150000"/>
+                        </a:lnSpc>
+                        <a:spcAft>
+                          <a:spcPts val="0"/>
+                        </a:spcAft>
+                      </a:pPr>
+                      <a:r>
+                        <a:rPr lang="ru-RU" sz="1400">
+                          <a:effectLst/>
+                        </a:rPr>
+                        <a:t>1</a:t>
+                      </a:r>
+                      <a:endParaRPr lang="en-US" sz="1400">
+                        <a:effectLst/>
+                        <a:latin typeface="Times New Roman" panose="02020603050405020304" pitchFamily="18" charset="0"/>
+                        <a:ea typeface="Times New Roman" panose="02020603050405020304" pitchFamily="18" charset="0"/>
+                      </a:endParaRPr>
+                    </a:p>
+                  </a:txBody>
+                  <a:tcPr marL="68580" marR="68580" marT="0" marB="0"/>
+                </a:tc>
+                <a:tc>
+                  <a:txBody>
+                    <a:bodyPr/>
+                    <a:lstStyle/>
+                    <a:p>
+                      <a:pPr algn="just">
+                        <a:lnSpc>
+                          <a:spcPct val="150000"/>
+                        </a:lnSpc>
+                        <a:spcAft>
+                          <a:spcPts val="0"/>
+                        </a:spcAft>
+                      </a:pPr>
+                      <a:r>
+                        <a:rPr lang="uk-UA" sz="1400">
+                          <a:effectLst/>
+                        </a:rPr>
+                        <a:t>250 ₽</a:t>
+                      </a:r>
+                      <a:endParaRPr lang="en-US" sz="1400">
+                        <a:effectLst/>
+                        <a:latin typeface="Times New Roman" panose="02020603050405020304" pitchFamily="18" charset="0"/>
+                        <a:ea typeface="Times New Roman" panose="02020603050405020304" pitchFamily="18" charset="0"/>
+                      </a:endParaRPr>
+                    </a:p>
+                  </a:txBody>
+                  <a:tcPr marL="68580" marR="68580" marT="0" marB="0"/>
+                </a:tc>
+                <a:extLst>
+                  <a:ext uri="{0D108BD9-81ED-4DB2-BD59-A6C34878D82A}">
+                    <a16:rowId xmlns:a16="http://schemas.microsoft.com/office/drawing/2014/main" val="1969434369"/>
+                  </a:ext>
+                </a:extLst>
+              </a:tr>
+              <a:tr h="549037">
+                <a:tc>
+                  <a:txBody>
+                    <a:bodyPr/>
+                    <a:lstStyle/>
+                    <a:p>
+                      <a:pPr algn="just">
+                        <a:lnSpc>
+                          <a:spcPct val="150000"/>
+                        </a:lnSpc>
+                        <a:spcAft>
+                          <a:spcPts val="0"/>
+                        </a:spcAft>
+                      </a:pPr>
+                      <a:r>
+                        <a:rPr lang="ru-RU" sz="1400">
+                          <a:effectLst/>
+                        </a:rPr>
+                        <a:t>Мышь</a:t>
+                      </a:r>
+                      <a:endParaRPr lang="en-US" sz="1400">
+                        <a:effectLst/>
+                        <a:latin typeface="Times New Roman" panose="02020603050405020304" pitchFamily="18" charset="0"/>
+                        <a:ea typeface="Times New Roman" panose="02020603050405020304" pitchFamily="18" charset="0"/>
+                      </a:endParaRPr>
+                    </a:p>
+                  </a:txBody>
+                  <a:tcPr marL="68580" marR="68580" marT="0" marB="0"/>
+                </a:tc>
+                <a:tc>
+                  <a:txBody>
+                    <a:bodyPr/>
+                    <a:lstStyle/>
+                    <a:p>
+                      <a:pPr algn="just">
+                        <a:lnSpc>
+                          <a:spcPct val="150000"/>
+                        </a:lnSpc>
+                        <a:spcAft>
+                          <a:spcPts val="0"/>
+                        </a:spcAft>
+                      </a:pPr>
+                      <a:r>
+                        <a:rPr lang="uk-UA" sz="1400">
+                          <a:effectLst/>
+                        </a:rPr>
+                        <a:t>Perfeo LINE [PF_A4492] черный</a:t>
+                      </a:r>
+                      <a:endParaRPr lang="en-US" sz="1400">
+                        <a:effectLst/>
+                        <a:latin typeface="Times New Roman" panose="02020603050405020304" pitchFamily="18" charset="0"/>
+                        <a:ea typeface="Times New Roman" panose="02020603050405020304" pitchFamily="18" charset="0"/>
+                      </a:endParaRPr>
+                    </a:p>
+                  </a:txBody>
+                  <a:tcPr marL="68580" marR="68580" marT="0" marB="0"/>
+                </a:tc>
+                <a:tc>
+                  <a:txBody>
+                    <a:bodyPr/>
+                    <a:lstStyle/>
+                    <a:p>
+                      <a:pPr algn="just">
+                        <a:lnSpc>
+                          <a:spcPct val="150000"/>
+                        </a:lnSpc>
+                        <a:spcAft>
+                          <a:spcPts val="0"/>
+                        </a:spcAft>
+                      </a:pPr>
+                      <a:r>
+                        <a:rPr lang="ru-RU" sz="1400">
+                          <a:effectLst/>
+                        </a:rPr>
+                        <a:t>1</a:t>
+                      </a:r>
+                      <a:endParaRPr lang="en-US" sz="1400">
+                        <a:effectLst/>
+                        <a:latin typeface="Times New Roman" panose="02020603050405020304" pitchFamily="18" charset="0"/>
+                        <a:ea typeface="Times New Roman" panose="02020603050405020304" pitchFamily="18" charset="0"/>
+                      </a:endParaRPr>
+                    </a:p>
+                  </a:txBody>
+                  <a:tcPr marL="68580" marR="68580" marT="0" marB="0"/>
+                </a:tc>
+                <a:tc>
+                  <a:txBody>
+                    <a:bodyPr/>
+                    <a:lstStyle/>
+                    <a:p>
+                      <a:pPr algn="l">
+                        <a:spcAft>
+                          <a:spcPts val="0"/>
+                        </a:spcAft>
+                      </a:pPr>
+                      <a:r>
+                        <a:rPr lang="ru-RU" sz="1400">
+                          <a:effectLst/>
+                        </a:rPr>
+                        <a:t>150 ₽</a:t>
+                      </a:r>
+                      <a:endParaRPr lang="en-US" sz="1400">
+                        <a:effectLst/>
+                        <a:latin typeface="Times New Roman" panose="02020603050405020304" pitchFamily="18" charset="0"/>
+                        <a:ea typeface="Times New Roman" panose="02020603050405020304" pitchFamily="18" charset="0"/>
+                      </a:endParaRPr>
+                    </a:p>
+                  </a:txBody>
+                  <a:tcPr marL="68580" marR="68580" marT="0" marB="0"/>
+                </a:tc>
+                <a:extLst>
+                  <a:ext uri="{0D108BD9-81ED-4DB2-BD59-A6C34878D82A}">
+                    <a16:rowId xmlns:a16="http://schemas.microsoft.com/office/drawing/2014/main" val="3953231578"/>
+                  </a:ext>
+                </a:extLst>
+              </a:tr>
+              <a:tr h="327430">
+                <a:tc>
+                  <a:txBody>
+                    <a:bodyPr/>
+                    <a:lstStyle/>
+                    <a:p>
+                      <a:pPr algn="just">
+                        <a:lnSpc>
+                          <a:spcPct val="150000"/>
+                        </a:lnSpc>
+                        <a:spcAft>
+                          <a:spcPts val="0"/>
+                        </a:spcAft>
+                      </a:pPr>
+                      <a:r>
+                        <a:rPr lang="ru-RU" sz="1400">
+                          <a:effectLst/>
+                        </a:rPr>
+                        <a:t>Колнки</a:t>
+                      </a:r>
+                      <a:endParaRPr lang="en-US" sz="1400">
+                        <a:effectLst/>
+                        <a:latin typeface="Times New Roman" panose="02020603050405020304" pitchFamily="18" charset="0"/>
+                        <a:ea typeface="Times New Roman" panose="02020603050405020304" pitchFamily="18" charset="0"/>
+                      </a:endParaRPr>
+                    </a:p>
+                  </a:txBody>
+                  <a:tcPr marL="68580" marR="68580" marT="0" marB="0"/>
+                </a:tc>
+                <a:tc>
+                  <a:txBody>
+                    <a:bodyPr/>
+                    <a:lstStyle/>
+                    <a:p>
+                      <a:pPr algn="just">
+                        <a:lnSpc>
+                          <a:spcPct val="150000"/>
+                        </a:lnSpc>
+                        <a:spcAft>
+                          <a:spcPts val="0"/>
+                        </a:spcAft>
+                      </a:pPr>
+                      <a:r>
+                        <a:rPr lang="uk-UA" sz="1400">
+                          <a:effectLst/>
+                        </a:rPr>
+                        <a:t>Колонки 2.0 Crown CMS-601</a:t>
+                      </a:r>
+                      <a:endParaRPr lang="en-US" sz="1400">
+                        <a:effectLst/>
+                        <a:latin typeface="Times New Roman" panose="02020603050405020304" pitchFamily="18" charset="0"/>
+                        <a:ea typeface="Times New Roman" panose="02020603050405020304" pitchFamily="18" charset="0"/>
+                      </a:endParaRPr>
+                    </a:p>
+                  </a:txBody>
+                  <a:tcPr marL="68580" marR="68580" marT="0" marB="0"/>
+                </a:tc>
+                <a:tc>
+                  <a:txBody>
+                    <a:bodyPr/>
+                    <a:lstStyle/>
+                    <a:p>
+                      <a:pPr algn="just">
+                        <a:lnSpc>
+                          <a:spcPct val="150000"/>
+                        </a:lnSpc>
+                        <a:spcAft>
+                          <a:spcPts val="0"/>
+                        </a:spcAft>
+                      </a:pPr>
+                      <a:r>
+                        <a:rPr lang="ru-RU" sz="1400">
+                          <a:effectLst/>
+                        </a:rPr>
+                        <a:t>1</a:t>
+                      </a:r>
+                      <a:endParaRPr lang="en-US" sz="1400">
+                        <a:effectLst/>
+                        <a:latin typeface="Times New Roman" panose="02020603050405020304" pitchFamily="18" charset="0"/>
+                        <a:ea typeface="Times New Roman" panose="02020603050405020304" pitchFamily="18" charset="0"/>
+                      </a:endParaRPr>
+                    </a:p>
+                  </a:txBody>
+                  <a:tcPr marL="68580" marR="68580" marT="0" marB="0"/>
+                </a:tc>
+                <a:tc>
+                  <a:txBody>
+                    <a:bodyPr/>
+                    <a:lstStyle/>
+                    <a:p>
+                      <a:pPr algn="l">
+                        <a:spcAft>
+                          <a:spcPts val="0"/>
+                        </a:spcAft>
+                      </a:pPr>
+                      <a:r>
+                        <a:rPr lang="ru-RU" sz="1400">
+                          <a:effectLst/>
+                        </a:rPr>
+                        <a:t>399 ₽</a:t>
+                      </a:r>
+                      <a:endParaRPr lang="en-US" sz="1400">
+                        <a:effectLst/>
+                        <a:latin typeface="Times New Roman" panose="02020603050405020304" pitchFamily="18" charset="0"/>
+                        <a:ea typeface="Times New Roman" panose="02020603050405020304" pitchFamily="18" charset="0"/>
+                      </a:endParaRPr>
+                    </a:p>
+                  </a:txBody>
+                  <a:tcPr marL="68580" marR="68580" marT="0" marB="0"/>
+                </a:tc>
+                <a:extLst>
+                  <a:ext uri="{0D108BD9-81ED-4DB2-BD59-A6C34878D82A}">
+                    <a16:rowId xmlns:a16="http://schemas.microsoft.com/office/drawing/2014/main" val="943121815"/>
+                  </a:ext>
+                </a:extLst>
+              </a:tr>
+              <a:tr h="599760">
+                <a:tc>
+                  <a:txBody>
+                    <a:bodyPr/>
+                    <a:lstStyle/>
+                    <a:p>
+                      <a:pPr algn="just">
+                        <a:lnSpc>
+                          <a:spcPct val="150000"/>
+                        </a:lnSpc>
+                        <a:spcAft>
+                          <a:spcPts val="0"/>
+                        </a:spcAft>
+                      </a:pPr>
+                      <a:r>
+                        <a:rPr lang="uk-UA" sz="1400">
+                          <a:effectLst/>
+                        </a:rPr>
+                        <a:t>Сетевой фильтр</a:t>
+                      </a:r>
+                      <a:endParaRPr lang="en-US" sz="1400">
+                        <a:effectLst/>
+                        <a:latin typeface="Times New Roman" panose="02020603050405020304" pitchFamily="18" charset="0"/>
+                        <a:ea typeface="Times New Roman" panose="02020603050405020304" pitchFamily="18" charset="0"/>
+                      </a:endParaRPr>
+                    </a:p>
+                  </a:txBody>
+                  <a:tcPr marL="68580" marR="68580" marT="0" marB="0"/>
+                </a:tc>
+                <a:tc>
+                  <a:txBody>
+                    <a:bodyPr/>
+                    <a:lstStyle/>
+                    <a:p>
+                      <a:pPr algn="just">
+                        <a:lnSpc>
+                          <a:spcPct val="150000"/>
+                        </a:lnSpc>
+                        <a:spcAft>
+                          <a:spcPts val="0"/>
+                        </a:spcAft>
+                      </a:pPr>
+                      <a:r>
+                        <a:rPr lang="uk-UA" sz="1400">
+                          <a:effectLst/>
+                        </a:rPr>
+                        <a:t>Сетевой фильтр FinePower Standard </a:t>
+                      </a:r>
+                      <a:endParaRPr lang="en-US" sz="1400">
+                        <a:effectLst/>
+                        <a:latin typeface="Times New Roman" panose="02020603050405020304" pitchFamily="18" charset="0"/>
+                        <a:ea typeface="Times New Roman" panose="02020603050405020304" pitchFamily="18" charset="0"/>
+                      </a:endParaRPr>
+                    </a:p>
+                  </a:txBody>
+                  <a:tcPr marL="68580" marR="68580" marT="0" marB="0"/>
+                </a:tc>
+                <a:tc>
+                  <a:txBody>
+                    <a:bodyPr/>
+                    <a:lstStyle/>
+                    <a:p>
+                      <a:pPr algn="just">
+                        <a:lnSpc>
+                          <a:spcPct val="150000"/>
+                        </a:lnSpc>
+                        <a:spcAft>
+                          <a:spcPts val="0"/>
+                        </a:spcAft>
+                      </a:pPr>
+                      <a:r>
+                        <a:rPr lang="ru-RU" sz="1400" dirty="0">
+                          <a:effectLst/>
+                        </a:rPr>
+                        <a:t>1</a:t>
+                      </a:r>
+                      <a:endParaRPr lang="en-US" sz="1400" dirty="0">
+                        <a:effectLst/>
+                        <a:latin typeface="Times New Roman" panose="02020603050405020304" pitchFamily="18" charset="0"/>
+                        <a:ea typeface="Times New Roman" panose="02020603050405020304" pitchFamily="18" charset="0"/>
+                      </a:endParaRPr>
+                    </a:p>
+                  </a:txBody>
+                  <a:tcPr marL="68580" marR="68580" marT="0" marB="0"/>
+                </a:tc>
+                <a:tc>
+                  <a:txBody>
+                    <a:bodyPr/>
+                    <a:lstStyle/>
+                    <a:p>
+                      <a:pPr algn="l">
+                        <a:spcAft>
+                          <a:spcPts val="0"/>
+                        </a:spcAft>
+                      </a:pPr>
+                      <a:r>
+                        <a:rPr lang="ru-RU" sz="1400">
+                          <a:effectLst/>
+                        </a:rPr>
+                        <a:t>250 ₽</a:t>
+                      </a:r>
+                      <a:endParaRPr lang="en-US" sz="1400">
+                        <a:effectLst/>
+                        <a:latin typeface="Times New Roman" panose="02020603050405020304" pitchFamily="18" charset="0"/>
+                        <a:ea typeface="Times New Roman" panose="02020603050405020304" pitchFamily="18" charset="0"/>
+                      </a:endParaRPr>
+                    </a:p>
+                  </a:txBody>
+                  <a:tcPr marL="68580" marR="68580" marT="0" marB="0"/>
+                </a:tc>
+                <a:extLst>
+                  <a:ext uri="{0D108BD9-81ED-4DB2-BD59-A6C34878D82A}">
+                    <a16:rowId xmlns:a16="http://schemas.microsoft.com/office/drawing/2014/main" val="3498259591"/>
+                  </a:ext>
+                </a:extLst>
+              </a:tr>
+              <a:tr h="280564">
+                <a:tc>
+                  <a:txBody>
+                    <a:bodyPr/>
+                    <a:lstStyle/>
+                    <a:p>
+                      <a:pPr algn="just">
+                        <a:lnSpc>
+                          <a:spcPct val="150000"/>
+                        </a:lnSpc>
+                        <a:spcAft>
+                          <a:spcPts val="0"/>
+                        </a:spcAft>
+                      </a:pPr>
+                      <a:r>
+                        <a:rPr lang="uk-UA" sz="1400">
+                          <a:effectLst/>
+                        </a:rPr>
+                        <a:t>Коврик для мыши</a:t>
+                      </a:r>
+                      <a:endParaRPr lang="en-US" sz="1400">
+                        <a:effectLst/>
+                        <a:latin typeface="Times New Roman" panose="02020603050405020304" pitchFamily="18" charset="0"/>
+                        <a:ea typeface="Times New Roman" panose="02020603050405020304" pitchFamily="18" charset="0"/>
+                      </a:endParaRPr>
+                    </a:p>
+                  </a:txBody>
+                  <a:tcPr marL="68580" marR="68580" marT="0" marB="0"/>
+                </a:tc>
+                <a:tc>
+                  <a:txBody>
+                    <a:bodyPr/>
+                    <a:lstStyle/>
+                    <a:p>
+                      <a:pPr algn="just">
+                        <a:lnSpc>
+                          <a:spcPct val="150000"/>
+                        </a:lnSpc>
+                        <a:spcAft>
+                          <a:spcPts val="0"/>
+                        </a:spcAft>
+                      </a:pPr>
+                      <a:r>
+                        <a:rPr lang="uk-UA" sz="1400">
+                          <a:effectLst/>
+                        </a:rPr>
+                        <a:t>DEXP OM-XS GreatLake </a:t>
+                      </a:r>
+                      <a:endParaRPr lang="en-US" sz="1400">
+                        <a:effectLst/>
+                        <a:latin typeface="Times New Roman" panose="02020603050405020304" pitchFamily="18" charset="0"/>
+                        <a:ea typeface="Times New Roman" panose="02020603050405020304" pitchFamily="18" charset="0"/>
+                      </a:endParaRPr>
+                    </a:p>
+                  </a:txBody>
+                  <a:tcPr marL="68580" marR="68580" marT="0" marB="0"/>
+                </a:tc>
+                <a:tc>
+                  <a:txBody>
+                    <a:bodyPr/>
+                    <a:lstStyle/>
+                    <a:p>
+                      <a:pPr algn="just">
+                        <a:lnSpc>
+                          <a:spcPct val="150000"/>
+                        </a:lnSpc>
+                        <a:spcAft>
+                          <a:spcPts val="0"/>
+                        </a:spcAft>
+                      </a:pPr>
+                      <a:r>
+                        <a:rPr lang="ru-RU" sz="1400">
+                          <a:effectLst/>
+                        </a:rPr>
+                        <a:t>1</a:t>
+                      </a:r>
+                      <a:endParaRPr lang="en-US" sz="1400">
+                        <a:effectLst/>
+                        <a:latin typeface="Times New Roman" panose="02020603050405020304" pitchFamily="18" charset="0"/>
+                        <a:ea typeface="Times New Roman" panose="02020603050405020304" pitchFamily="18" charset="0"/>
+                      </a:endParaRPr>
+                    </a:p>
+                  </a:txBody>
+                  <a:tcPr marL="68580" marR="68580" marT="0" marB="0"/>
+                </a:tc>
+                <a:tc>
+                  <a:txBody>
+                    <a:bodyPr/>
+                    <a:lstStyle/>
+                    <a:p>
+                      <a:pPr algn="just">
+                        <a:lnSpc>
+                          <a:spcPct val="150000"/>
+                        </a:lnSpc>
+                        <a:spcAft>
+                          <a:spcPts val="0"/>
+                        </a:spcAft>
+                      </a:pPr>
+                      <a:r>
+                        <a:rPr lang="uk-UA" sz="1400">
+                          <a:effectLst/>
+                        </a:rPr>
+                        <a:t>99 ₽</a:t>
+                      </a:r>
+                      <a:endParaRPr lang="en-US" sz="1400">
+                        <a:effectLst/>
+                        <a:latin typeface="Times New Roman" panose="02020603050405020304" pitchFamily="18" charset="0"/>
+                        <a:ea typeface="Times New Roman" panose="02020603050405020304" pitchFamily="18" charset="0"/>
+                      </a:endParaRPr>
+                    </a:p>
+                  </a:txBody>
+                  <a:tcPr marL="68580" marR="68580" marT="0" marB="0"/>
+                </a:tc>
+                <a:extLst>
+                  <a:ext uri="{0D108BD9-81ED-4DB2-BD59-A6C34878D82A}">
+                    <a16:rowId xmlns:a16="http://schemas.microsoft.com/office/drawing/2014/main" val="3504381943"/>
+                  </a:ext>
+                </a:extLst>
+              </a:tr>
+              <a:tr h="549037">
+                <a:tc>
+                  <a:txBody>
+                    <a:bodyPr/>
+                    <a:lstStyle/>
+                    <a:p>
+                      <a:pPr algn="just">
+                        <a:lnSpc>
+                          <a:spcPct val="150000"/>
+                        </a:lnSpc>
+                        <a:spcAft>
+                          <a:spcPts val="0"/>
+                        </a:spcAft>
+                      </a:pPr>
+                      <a:r>
+                        <a:rPr lang="uk-UA" sz="1400">
+                          <a:effectLst/>
+                        </a:rPr>
+                        <a:t>ИБП</a:t>
+                      </a:r>
+                      <a:endParaRPr lang="en-US" sz="1400">
+                        <a:effectLst/>
+                        <a:latin typeface="Times New Roman" panose="02020603050405020304" pitchFamily="18" charset="0"/>
+                        <a:ea typeface="Times New Roman" panose="02020603050405020304" pitchFamily="18" charset="0"/>
+                      </a:endParaRPr>
+                    </a:p>
+                  </a:txBody>
+                  <a:tcPr marL="68580" marR="68580" marT="0" marB="0"/>
+                </a:tc>
+                <a:tc>
+                  <a:txBody>
+                    <a:bodyPr/>
+                    <a:lstStyle/>
+                    <a:p>
+                      <a:pPr algn="just">
+                        <a:lnSpc>
+                          <a:spcPct val="150000"/>
+                        </a:lnSpc>
+                        <a:spcAft>
+                          <a:spcPts val="0"/>
+                        </a:spcAft>
+                      </a:pPr>
+                      <a:r>
+                        <a:rPr lang="uk-UA" sz="1400">
+                          <a:effectLst/>
+                        </a:rPr>
+                        <a:t>ИБП Aerocool Aero Shield C625</a:t>
+                      </a:r>
+                      <a:endParaRPr lang="en-US" sz="1400">
+                        <a:effectLst/>
+                        <a:latin typeface="Times New Roman" panose="02020603050405020304" pitchFamily="18" charset="0"/>
+                        <a:ea typeface="Times New Roman" panose="02020603050405020304" pitchFamily="18" charset="0"/>
+                      </a:endParaRPr>
+                    </a:p>
+                  </a:txBody>
+                  <a:tcPr marL="68580" marR="68580" marT="0" marB="0"/>
+                </a:tc>
+                <a:tc>
+                  <a:txBody>
+                    <a:bodyPr/>
+                    <a:lstStyle/>
+                    <a:p>
+                      <a:pPr algn="just">
+                        <a:lnSpc>
+                          <a:spcPct val="150000"/>
+                        </a:lnSpc>
+                        <a:spcAft>
+                          <a:spcPts val="0"/>
+                        </a:spcAft>
+                      </a:pPr>
+                      <a:r>
+                        <a:rPr lang="ru-RU" sz="1400">
+                          <a:effectLst/>
+                        </a:rPr>
+                        <a:t>1</a:t>
+                      </a:r>
+                      <a:endParaRPr lang="en-US" sz="1400">
+                        <a:effectLst/>
+                        <a:latin typeface="Times New Roman" panose="02020603050405020304" pitchFamily="18" charset="0"/>
+                        <a:ea typeface="Times New Roman" panose="02020603050405020304" pitchFamily="18" charset="0"/>
+                      </a:endParaRPr>
+                    </a:p>
+                  </a:txBody>
+                  <a:tcPr marL="68580" marR="68580" marT="0" marB="0"/>
+                </a:tc>
+                <a:tc>
+                  <a:txBody>
+                    <a:bodyPr/>
+                    <a:lstStyle/>
+                    <a:p>
+                      <a:pPr algn="just">
+                        <a:lnSpc>
+                          <a:spcPct val="150000"/>
+                        </a:lnSpc>
+                        <a:spcAft>
+                          <a:spcPts val="0"/>
+                        </a:spcAft>
+                      </a:pPr>
+                      <a:r>
+                        <a:rPr lang="uk-UA" sz="1400">
+                          <a:effectLst/>
+                        </a:rPr>
+                        <a:t>1 250 ₽</a:t>
+                      </a:r>
+                      <a:endParaRPr lang="en-US" sz="1400">
+                        <a:effectLst/>
+                        <a:latin typeface="Times New Roman" panose="02020603050405020304" pitchFamily="18" charset="0"/>
+                        <a:ea typeface="Times New Roman" panose="02020603050405020304" pitchFamily="18" charset="0"/>
+                      </a:endParaRPr>
+                    </a:p>
+                  </a:txBody>
+                  <a:tcPr marL="68580" marR="68580" marT="0" marB="0"/>
+                </a:tc>
+                <a:extLst>
+                  <a:ext uri="{0D108BD9-81ED-4DB2-BD59-A6C34878D82A}">
+                    <a16:rowId xmlns:a16="http://schemas.microsoft.com/office/drawing/2014/main" val="3266198756"/>
+                  </a:ext>
+                </a:extLst>
+              </a:tr>
+              <a:tr h="499874">
+                <a:tc>
+                  <a:txBody>
+                    <a:bodyPr/>
+                    <a:lstStyle/>
+                    <a:p>
+                      <a:pPr algn="just">
+                        <a:lnSpc>
+                          <a:spcPct val="150000"/>
+                        </a:lnSpc>
+                        <a:spcAft>
+                          <a:spcPts val="0"/>
+                        </a:spcAft>
+                      </a:pPr>
+                      <a:r>
+                        <a:rPr lang="ru-RU" sz="1400">
+                          <a:effectLst/>
+                        </a:rPr>
+                        <a:t>Итого:</a:t>
+                      </a:r>
+                      <a:endParaRPr lang="en-US" sz="1400">
+                        <a:effectLst/>
+                        <a:latin typeface="Times New Roman" panose="02020603050405020304" pitchFamily="18" charset="0"/>
+                        <a:ea typeface="Times New Roman" panose="02020603050405020304" pitchFamily="18" charset="0"/>
+                      </a:endParaRPr>
+                    </a:p>
+                  </a:txBody>
+                  <a:tcPr marL="68580" marR="68580" marT="0" marB="0"/>
+                </a:tc>
+                <a:tc>
+                  <a:txBody>
+                    <a:bodyPr/>
+                    <a:lstStyle/>
+                    <a:p>
+                      <a:pPr algn="just">
+                        <a:lnSpc>
+                          <a:spcPct val="150000"/>
+                        </a:lnSpc>
+                        <a:spcAft>
+                          <a:spcPts val="0"/>
+                        </a:spcAft>
+                      </a:pPr>
+                      <a:r>
+                        <a:rPr lang="uk-UA" sz="1400" dirty="0">
+                          <a:effectLst/>
+                        </a:rPr>
+                        <a:t> </a:t>
+                      </a:r>
+                      <a:endParaRPr lang="en-US" sz="1400" dirty="0">
+                        <a:effectLst/>
+                        <a:latin typeface="Times New Roman" panose="02020603050405020304" pitchFamily="18" charset="0"/>
+                        <a:ea typeface="Times New Roman" panose="02020603050405020304" pitchFamily="18" charset="0"/>
+                      </a:endParaRPr>
+                    </a:p>
+                  </a:txBody>
+                  <a:tcPr marL="68580" marR="68580" marT="0" marB="0"/>
+                </a:tc>
+                <a:tc>
+                  <a:txBody>
+                    <a:bodyPr/>
+                    <a:lstStyle/>
+                    <a:p>
+                      <a:pPr algn="just">
+                        <a:lnSpc>
+                          <a:spcPct val="150000"/>
+                        </a:lnSpc>
+                        <a:spcAft>
+                          <a:spcPts val="0"/>
+                        </a:spcAft>
+                      </a:pPr>
+                      <a:r>
+                        <a:rPr lang="uk-UA" sz="1400">
+                          <a:effectLst/>
+                        </a:rPr>
+                        <a:t> </a:t>
+                      </a:r>
+                      <a:endParaRPr lang="en-US" sz="1400">
+                        <a:effectLst/>
+                        <a:latin typeface="Times New Roman" panose="02020603050405020304" pitchFamily="18" charset="0"/>
+                        <a:ea typeface="Times New Roman" panose="02020603050405020304" pitchFamily="18" charset="0"/>
+                      </a:endParaRPr>
+                    </a:p>
+                  </a:txBody>
+                  <a:tcPr marL="68580" marR="68580" marT="0" marB="0"/>
+                </a:tc>
+                <a:tc>
+                  <a:txBody>
+                    <a:bodyPr/>
+                    <a:lstStyle/>
+                    <a:p>
+                      <a:pPr algn="just">
+                        <a:lnSpc>
+                          <a:spcPct val="150000"/>
+                        </a:lnSpc>
+                        <a:spcAft>
+                          <a:spcPts val="0"/>
+                        </a:spcAft>
+                      </a:pPr>
+                      <a:r>
+                        <a:rPr lang="en-US" sz="1400" dirty="0">
+                          <a:effectLst/>
+                        </a:rPr>
+                        <a:t>6297 </a:t>
+                      </a:r>
+                      <a:r>
+                        <a:rPr lang="uk-UA" sz="1400" dirty="0">
+                          <a:effectLst/>
+                        </a:rPr>
+                        <a:t>₽</a:t>
+                      </a:r>
+                      <a:endParaRPr lang="en-US" sz="1400" dirty="0">
+                        <a:effectLst/>
+                        <a:latin typeface="Times New Roman" panose="02020603050405020304" pitchFamily="18" charset="0"/>
+                        <a:ea typeface="Times New Roman" panose="02020603050405020304" pitchFamily="18" charset="0"/>
+                      </a:endParaRPr>
+                    </a:p>
+                  </a:txBody>
+                  <a:tcPr marL="68580" marR="68580" marT="0" marB="0"/>
+                </a:tc>
+                <a:extLst>
+                  <a:ext uri="{0D108BD9-81ED-4DB2-BD59-A6C34878D82A}">
+                    <a16:rowId xmlns:a16="http://schemas.microsoft.com/office/drawing/2014/main" val="3743140857"/>
+                  </a:ext>
+                </a:extLst>
+              </a:tr>
+            </a:tbl>
+          </a:graphicData>
+        </a:graphic>
+      </p:graphicFrame>
+      <p:sp>
+        <p:nvSpPr>
+          <p:cNvPr id="8" name="TextBox 7">
+            <a:extLst>
+              <a:ext uri="{FF2B5EF4-FFF2-40B4-BE49-F238E27FC236}">
+                <a16:creationId xmlns:a16="http://schemas.microsoft.com/office/drawing/2014/main" id="{1D75866B-3FB5-488B-848B-572E922AB08D}"/>
+              </a:ext>
+            </a:extLst>
+          </p:cNvPr>
+          <p:cNvSpPr txBox="1"/>
+          <p:nvPr/>
+        </p:nvSpPr>
+        <p:spPr>
+          <a:xfrm>
+            <a:off x="5875867" y="6230672"/>
+            <a:ext cx="4814138" cy="369332"/>
+          </a:xfrm>
+          <a:prstGeom prst="rect">
+            <a:avLst/>
+          </a:prstGeom>
+          <a:noFill/>
+        </p:spPr>
+        <p:txBody>
+          <a:bodyPr wrap="none" rtlCol="0">
+            <a:spAutoFit/>
+          </a:bodyPr>
+          <a:lstStyle/>
+          <a:p>
+            <a:r>
+              <a:rPr lang="ru-RU" dirty="0"/>
+              <a:t>Итого на 1 </a:t>
+            </a:r>
+            <a:r>
+              <a:rPr lang="ru-RU" dirty="0" err="1"/>
+              <a:t>пк</a:t>
+            </a:r>
+            <a:r>
+              <a:rPr lang="ru-RU" dirty="0"/>
+              <a:t>: </a:t>
+            </a:r>
+            <a:r>
+              <a:rPr lang="en-US" dirty="0"/>
+              <a:t>6297 </a:t>
+            </a:r>
+            <a:r>
+              <a:rPr lang="uk-UA" dirty="0"/>
+              <a:t>₽</a:t>
+            </a:r>
+            <a:r>
+              <a:rPr lang="ru-RU" dirty="0"/>
+              <a:t> + 19 445 </a:t>
+            </a:r>
+            <a:r>
+              <a:rPr lang="uk-UA" dirty="0"/>
+              <a:t>₽</a:t>
+            </a:r>
+            <a:r>
+              <a:rPr lang="ru-RU" dirty="0">
+                <a:latin typeface="Times New Roman" panose="02020603050405020304" pitchFamily="18" charset="0"/>
+              </a:rPr>
+              <a:t> = </a:t>
+            </a:r>
+            <a:r>
+              <a:rPr lang="ru-RU" dirty="0"/>
+              <a:t>25 742 </a:t>
+            </a:r>
+            <a:r>
+              <a:rPr lang="uk-UA" dirty="0"/>
+              <a:t>₽</a:t>
+            </a:r>
+            <a:endParaRPr lang="en-US" dirty="0">
+              <a:latin typeface="Times New Roman" panose="02020603050405020304" pitchFamily="18" charset="0"/>
+              <a:ea typeface="Times New Roman" panose="02020603050405020304" pitchFamily="18" charset="0"/>
+            </a:endParaRPr>
           </a:p>
         </p:txBody>
       </p:sp>
     </p:spTree>
     <p:extLst>
       <p:ext uri="{BB962C8B-B14F-4D97-AF65-F5344CB8AC3E}">
-        <p14:creationId xmlns:p14="http://schemas.microsoft.com/office/powerpoint/2010/main" val="3819921279"/>
+        <p14:creationId xmlns:p14="http://schemas.microsoft.com/office/powerpoint/2010/main" val="2542538292"/>
       </p:ext>
     </p:extLst>
   </p:cSld>
   <p:clrMapOvr>
     <a:masterClrMapping/>
   </p:clrMapOvr>
+  <mc:AlternateContent xmlns:mc="http://schemas.openxmlformats.org/markup-compatibility/2006">
+    <mc:Choice xmlns:p14="http://schemas.microsoft.com/office/powerpoint/2010/main" Requires="p14">
+      <p:transition spd="med" p14:dur="700">
+        <p:fade/>
+      </p:transition>
+    </mc:Choice>
+    <mc:Fallback>
+      <p:transition spd="med">
+        <p:fade/>
+      </p:transition>
+    </mc:Fallback>
+  </mc:AlternateContent>
+</p:sld>
+</file>
+
+<file path=ppt/slides/slide6.xml><?xml version="1.0" encoding="utf-8"?>
+<p:sld xmlns:a="http://schemas.openxmlformats.org/drawingml/2006/main" xmlns:r="http://schemas.openxmlformats.org/officeDocument/2006/relationships" xmlns:p="http://schemas.openxmlformats.org/presentationml/2006/main">
+  <p:cSld>
+    <p:spTree>
+      <p:nvGrpSpPr>
+        <p:cNvPr id="1" name=""/>
+        <p:cNvGrpSpPr/>
+        <p:nvPr/>
+      </p:nvGrpSpPr>
+      <p:grpSpPr>
+        <a:xfrm>
+          <a:off x="0" y="0"/>
+          <a:ext cx="0" cy="0"/>
+          <a:chOff x="0" y="0"/>
+          <a:chExt cx="0" cy="0"/>
+        </a:xfrm>
+      </p:grpSpPr>
+      <p:sp>
+        <p:nvSpPr>
+          <p:cNvPr id="2" name="Заголовок 1">
+            <a:extLst>
+              <a:ext uri="{FF2B5EF4-FFF2-40B4-BE49-F238E27FC236}">
+                <a16:creationId xmlns:a16="http://schemas.microsoft.com/office/drawing/2014/main" id="{0A87A379-1389-446D-A923-6A6F02DEFA6D}"/>
+              </a:ext>
+            </a:extLst>
+          </p:cNvPr>
+          <p:cNvSpPr>
+            <a:spLocks noGrp="1"/>
+          </p:cNvSpPr>
+          <p:nvPr>
+            <p:ph type="title"/>
+          </p:nvPr>
+        </p:nvSpPr>
+        <p:spPr>
+          <a:xfrm>
+            <a:off x="0" y="0"/>
+            <a:ext cx="12192000" cy="838200"/>
+          </a:xfrm>
+        </p:spPr>
+        <p:txBody>
+          <a:bodyPr>
+            <a:normAutofit/>
+          </a:bodyPr>
+          <a:lstStyle/>
+          <a:p>
+            <a:r>
+              <a:rPr lang="uk-UA" sz="3200" b="1" dirty="0"/>
+              <a:t>Сбор программного обеспечения для ПК</a:t>
+            </a:r>
+            <a:endParaRPr lang="en-US" sz="3200" dirty="0"/>
+          </a:p>
+        </p:txBody>
+      </p:sp>
+      <p:sp>
+        <p:nvSpPr>
+          <p:cNvPr id="4" name="Текст 3">
+            <a:extLst>
+              <a:ext uri="{FF2B5EF4-FFF2-40B4-BE49-F238E27FC236}">
+                <a16:creationId xmlns:a16="http://schemas.microsoft.com/office/drawing/2014/main" id="{27551702-9E16-4F7B-AE72-654328D7A3A8}"/>
+              </a:ext>
+            </a:extLst>
+          </p:cNvPr>
+          <p:cNvSpPr>
+            <a:spLocks noGrp="1"/>
+          </p:cNvSpPr>
+          <p:nvPr>
+            <p:ph type="body" idx="1"/>
+          </p:nvPr>
+        </p:nvSpPr>
+        <p:spPr>
+          <a:xfrm>
+            <a:off x="0" y="956733"/>
+            <a:ext cx="12192000" cy="1947334"/>
+          </a:xfrm>
+        </p:spPr>
+        <p:txBody>
+          <a:bodyPr>
+            <a:normAutofit/>
+          </a:bodyPr>
+          <a:lstStyle/>
+          <a:p>
+            <a:r>
+              <a:rPr lang="ru-RU" dirty="0">
+                <a:solidFill>
+                  <a:schemeClr val="tx1"/>
+                </a:solidFill>
+              </a:rPr>
+              <a:t>От в</a:t>
+            </a:r>
+            <a:r>
+              <a:rPr lang="uk-UA" dirty="0" err="1">
+                <a:solidFill>
+                  <a:schemeClr val="tx1"/>
+                </a:solidFill>
+              </a:rPr>
+              <a:t>ыбора</a:t>
+            </a:r>
+            <a:r>
+              <a:rPr lang="uk-UA" dirty="0">
+                <a:solidFill>
+                  <a:schemeClr val="tx1"/>
+                </a:solidFill>
+              </a:rPr>
+              <a:t> ОС </a:t>
+            </a:r>
+            <a:r>
+              <a:rPr lang="uk-UA" dirty="0" err="1">
+                <a:solidFill>
+                  <a:schemeClr val="tx1"/>
+                </a:solidFill>
+              </a:rPr>
+              <a:t>также</a:t>
+            </a:r>
+            <a:r>
+              <a:rPr lang="uk-UA" dirty="0">
+                <a:solidFill>
+                  <a:schemeClr val="tx1"/>
+                </a:solidFill>
+              </a:rPr>
+              <a:t> </a:t>
+            </a:r>
+            <a:r>
+              <a:rPr lang="uk-UA" dirty="0" err="1">
+                <a:solidFill>
+                  <a:schemeClr val="tx1"/>
+                </a:solidFill>
+              </a:rPr>
+              <a:t>зависит</a:t>
+            </a:r>
+            <a:r>
+              <a:rPr lang="uk-UA" dirty="0">
+                <a:solidFill>
+                  <a:schemeClr val="tx1"/>
+                </a:solidFill>
+              </a:rPr>
+              <a:t> </a:t>
+            </a:r>
+            <a:r>
+              <a:rPr lang="uk-UA" dirty="0" err="1">
+                <a:solidFill>
+                  <a:schemeClr val="tx1"/>
+                </a:solidFill>
+              </a:rPr>
+              <a:t>производительность</a:t>
+            </a:r>
+            <a:r>
+              <a:rPr lang="uk-UA" dirty="0">
+                <a:solidFill>
+                  <a:schemeClr val="tx1"/>
+                </a:solidFill>
+              </a:rPr>
+              <a:t> </a:t>
+            </a:r>
+            <a:r>
+              <a:rPr lang="uk-UA" dirty="0" err="1">
+                <a:solidFill>
+                  <a:schemeClr val="tx1"/>
+                </a:solidFill>
+              </a:rPr>
+              <a:t>работы</a:t>
+            </a:r>
+            <a:r>
+              <a:rPr lang="uk-UA" dirty="0">
+                <a:solidFill>
+                  <a:schemeClr val="tx1"/>
+                </a:solidFill>
+              </a:rPr>
+              <a:t>, </a:t>
+            </a:r>
+            <a:r>
+              <a:rPr lang="uk-UA" dirty="0" err="1">
+                <a:solidFill>
+                  <a:schemeClr val="tx1"/>
+                </a:solidFill>
+              </a:rPr>
+              <a:t>степень</a:t>
+            </a:r>
+            <a:r>
+              <a:rPr lang="uk-UA" dirty="0">
+                <a:solidFill>
+                  <a:schemeClr val="tx1"/>
+                </a:solidFill>
+              </a:rPr>
+              <a:t> </a:t>
+            </a:r>
+            <a:r>
+              <a:rPr lang="uk-UA" dirty="0" err="1">
+                <a:solidFill>
+                  <a:schemeClr val="tx1"/>
+                </a:solidFill>
+              </a:rPr>
+              <a:t>защиты</a:t>
+            </a:r>
+            <a:r>
+              <a:rPr lang="uk-UA" dirty="0">
+                <a:solidFill>
+                  <a:schemeClr val="tx1"/>
+                </a:solidFill>
+              </a:rPr>
+              <a:t> </a:t>
+            </a:r>
+            <a:r>
+              <a:rPr lang="uk-UA" dirty="0" err="1">
+                <a:solidFill>
+                  <a:schemeClr val="tx1"/>
+                </a:solidFill>
+              </a:rPr>
+              <a:t>данных</a:t>
+            </a:r>
+            <a:r>
+              <a:rPr lang="uk-UA" dirty="0">
+                <a:solidFill>
+                  <a:schemeClr val="tx1"/>
+                </a:solidFill>
+              </a:rPr>
+              <a:t>, </a:t>
+            </a:r>
+            <a:r>
+              <a:rPr lang="uk-UA" dirty="0" err="1">
+                <a:solidFill>
+                  <a:schemeClr val="tx1"/>
+                </a:solidFill>
+              </a:rPr>
+              <a:t>необходимые</a:t>
+            </a:r>
+            <a:r>
+              <a:rPr lang="uk-UA" dirty="0">
+                <a:solidFill>
+                  <a:schemeClr val="tx1"/>
+                </a:solidFill>
+              </a:rPr>
+              <a:t> </a:t>
+            </a:r>
+            <a:r>
+              <a:rPr lang="uk-UA" dirty="0" err="1">
+                <a:solidFill>
+                  <a:schemeClr val="tx1"/>
+                </a:solidFill>
+              </a:rPr>
+              <a:t>аппаратные</a:t>
+            </a:r>
+            <a:r>
+              <a:rPr lang="uk-UA" dirty="0">
+                <a:solidFill>
+                  <a:schemeClr val="tx1"/>
+                </a:solidFill>
+              </a:rPr>
+              <a:t> </a:t>
+            </a:r>
+            <a:r>
+              <a:rPr lang="uk-UA" dirty="0" err="1">
+                <a:solidFill>
+                  <a:schemeClr val="tx1"/>
+                </a:solidFill>
+              </a:rPr>
+              <a:t>средства</a:t>
+            </a:r>
+            <a:r>
+              <a:rPr lang="uk-UA" dirty="0">
+                <a:solidFill>
+                  <a:schemeClr val="tx1"/>
+                </a:solidFill>
+              </a:rPr>
+              <a:t>. В </a:t>
+            </a:r>
+            <a:r>
+              <a:rPr lang="uk-UA" dirty="0" err="1">
+                <a:solidFill>
+                  <a:schemeClr val="tx1"/>
+                </a:solidFill>
+              </a:rPr>
+              <a:t>индивидуальном</a:t>
+            </a:r>
+            <a:r>
+              <a:rPr lang="uk-UA" dirty="0">
+                <a:solidFill>
+                  <a:schemeClr val="tx1"/>
+                </a:solidFill>
+              </a:rPr>
+              <a:t> проекте </a:t>
+            </a:r>
+            <a:r>
+              <a:rPr lang="uk-UA" dirty="0" err="1">
+                <a:solidFill>
+                  <a:schemeClr val="tx1"/>
+                </a:solidFill>
+              </a:rPr>
+              <a:t>выбрана</a:t>
+            </a:r>
+            <a:r>
+              <a:rPr lang="uk-UA" dirty="0">
+                <a:solidFill>
+                  <a:schemeClr val="tx1"/>
+                </a:solidFill>
+              </a:rPr>
+              <a:t> ОС Microsoft Windows 11 </a:t>
+            </a:r>
+            <a:r>
+              <a:rPr lang="uk-UA" dirty="0" err="1">
+                <a:solidFill>
+                  <a:schemeClr val="tx1"/>
+                </a:solidFill>
+              </a:rPr>
+              <a:t>Home</a:t>
+            </a:r>
+            <a:r>
+              <a:rPr lang="uk-UA" dirty="0">
+                <a:solidFill>
+                  <a:schemeClr val="tx1"/>
+                </a:solidFill>
+              </a:rPr>
+              <a:t>.</a:t>
+            </a:r>
+            <a:endParaRPr lang="ru-RU" dirty="0">
+              <a:solidFill>
+                <a:schemeClr val="tx1"/>
+              </a:solidFill>
+            </a:endParaRPr>
+          </a:p>
+          <a:p>
+            <a:r>
+              <a:rPr lang="ru-RU" dirty="0">
+                <a:solidFill>
+                  <a:schemeClr val="tx1"/>
+                </a:solidFill>
+              </a:rPr>
+              <a:t>Так как у нас офисный </a:t>
+            </a:r>
+            <a:r>
+              <a:rPr lang="ru-RU" dirty="0" err="1">
+                <a:solidFill>
+                  <a:schemeClr val="tx1"/>
+                </a:solidFill>
+              </a:rPr>
+              <a:t>пк</a:t>
+            </a:r>
+            <a:r>
+              <a:rPr lang="ru-RU" dirty="0">
+                <a:solidFill>
+                  <a:schemeClr val="tx1"/>
+                </a:solidFill>
+              </a:rPr>
+              <a:t>, то установим помимо Операционной системы </a:t>
+            </a:r>
+            <a:r>
+              <a:rPr lang="ru-RU" dirty="0" err="1">
+                <a:solidFill>
+                  <a:schemeClr val="tx1"/>
+                </a:solidFill>
+              </a:rPr>
+              <a:t>ёщё</a:t>
+            </a:r>
+            <a:r>
+              <a:rPr lang="ru-RU" dirty="0">
+                <a:solidFill>
+                  <a:schemeClr val="tx1"/>
+                </a:solidFill>
+              </a:rPr>
+              <a:t> Офисный пакет, Антивирус, Архиватор и 1-С </a:t>
+            </a:r>
+            <a:r>
+              <a:rPr lang="ru-RU" dirty="0" err="1">
+                <a:solidFill>
+                  <a:schemeClr val="tx1"/>
+                </a:solidFill>
+              </a:rPr>
+              <a:t>Битрикс</a:t>
+            </a:r>
+            <a:endParaRPr lang="en-US" dirty="0">
+              <a:solidFill>
+                <a:schemeClr val="tx1"/>
+              </a:solidFill>
+            </a:endParaRPr>
+          </a:p>
+        </p:txBody>
+      </p:sp>
+      <p:graphicFrame>
+        <p:nvGraphicFramePr>
+          <p:cNvPr id="6" name="Таблица 5">
+            <a:extLst>
+              <a:ext uri="{FF2B5EF4-FFF2-40B4-BE49-F238E27FC236}">
+                <a16:creationId xmlns:a16="http://schemas.microsoft.com/office/drawing/2014/main" id="{1C6557A2-8D1D-4147-B7FD-695E48331F26}"/>
+              </a:ext>
+            </a:extLst>
+          </p:cNvPr>
+          <p:cNvGraphicFramePr>
+            <a:graphicFrameLocks noGrp="1"/>
+          </p:cNvGraphicFramePr>
+          <p:nvPr>
+            <p:extLst>
+              <p:ext uri="{D42A27DB-BD31-4B8C-83A1-F6EECF244321}">
+                <p14:modId xmlns:p14="http://schemas.microsoft.com/office/powerpoint/2010/main" val="2432686420"/>
+              </p:ext>
+            </p:extLst>
+          </p:nvPr>
+        </p:nvGraphicFramePr>
+        <p:xfrm>
+          <a:off x="275166" y="2607733"/>
+          <a:ext cx="11641668" cy="3987802"/>
+        </p:xfrm>
+        <a:graphic>
+          <a:graphicData uri="http://schemas.openxmlformats.org/drawingml/2006/table">
+            <a:tbl>
+              <a:tblPr firstRow="1" firstCol="1" bandRow="1">
+                <a:tableStyleId>{5C22544A-7EE6-4342-B048-85BDC9FD1C3A}</a:tableStyleId>
+              </a:tblPr>
+              <a:tblGrid>
+                <a:gridCol w="9181314">
+                  <a:extLst>
+                    <a:ext uri="{9D8B030D-6E8A-4147-A177-3AD203B41FA5}">
+                      <a16:colId xmlns:a16="http://schemas.microsoft.com/office/drawing/2014/main" val="366911060"/>
+                    </a:ext>
+                  </a:extLst>
+                </a:gridCol>
+                <a:gridCol w="1264203">
+                  <a:extLst>
+                    <a:ext uri="{9D8B030D-6E8A-4147-A177-3AD203B41FA5}">
+                      <a16:colId xmlns:a16="http://schemas.microsoft.com/office/drawing/2014/main" val="2831569377"/>
+                    </a:ext>
+                  </a:extLst>
+                </a:gridCol>
+                <a:gridCol w="1196151">
+                  <a:extLst>
+                    <a:ext uri="{9D8B030D-6E8A-4147-A177-3AD203B41FA5}">
+                      <a16:colId xmlns:a16="http://schemas.microsoft.com/office/drawing/2014/main" val="3352964819"/>
+                    </a:ext>
+                  </a:extLst>
+                </a:gridCol>
+              </a:tblGrid>
+              <a:tr h="320945">
+                <a:tc>
+                  <a:txBody>
+                    <a:bodyPr/>
+                    <a:lstStyle/>
+                    <a:p>
+                      <a:pPr algn="ctr">
+                        <a:lnSpc>
+                          <a:spcPct val="150000"/>
+                        </a:lnSpc>
+                        <a:spcAft>
+                          <a:spcPts val="0"/>
+                        </a:spcAft>
+                      </a:pPr>
+                      <a:r>
+                        <a:rPr lang="uk-UA" sz="1400" dirty="0" err="1">
+                          <a:effectLst/>
+                        </a:rPr>
+                        <a:t>Наименование</a:t>
+                      </a:r>
+                      <a:r>
+                        <a:rPr lang="uk-UA" sz="1400" dirty="0">
+                          <a:effectLst/>
+                        </a:rPr>
+                        <a:t> ПО</a:t>
+                      </a:r>
+                      <a:endParaRPr lang="en-US" sz="1400" dirty="0">
+                        <a:effectLst/>
+                        <a:latin typeface="Times New Roman" panose="02020603050405020304" pitchFamily="18" charset="0"/>
+                        <a:ea typeface="Times New Roman" panose="02020603050405020304" pitchFamily="18" charset="0"/>
+                      </a:endParaRPr>
+                    </a:p>
+                  </a:txBody>
+                  <a:tcPr marL="68580" marR="68580" marT="0" marB="0" anchor="ctr"/>
+                </a:tc>
+                <a:tc>
+                  <a:txBody>
+                    <a:bodyPr/>
+                    <a:lstStyle/>
+                    <a:p>
+                      <a:r>
+                        <a:rPr lang="ru-RU" dirty="0"/>
+                        <a:t>Кол-во</a:t>
+                      </a:r>
+                      <a:endParaRPr lang="en-US" dirty="0"/>
+                    </a:p>
+                  </a:txBody>
+                  <a:tcPr marL="68580" marR="68580" marT="0" marB="0" anchor="ctr"/>
+                </a:tc>
+                <a:tc>
+                  <a:txBody>
+                    <a:bodyPr/>
+                    <a:lstStyle/>
+                    <a:p>
+                      <a:pPr algn="ctr">
+                        <a:lnSpc>
+                          <a:spcPct val="150000"/>
+                        </a:lnSpc>
+                        <a:spcAft>
+                          <a:spcPts val="0"/>
+                        </a:spcAft>
+                      </a:pPr>
+                      <a:r>
+                        <a:rPr lang="uk-UA" sz="1400" dirty="0" err="1">
+                          <a:effectLst/>
+                        </a:rPr>
+                        <a:t>Цена</a:t>
+                      </a:r>
+                      <a:endParaRPr lang="en-US" sz="1400" dirty="0">
+                        <a:effectLst/>
+                        <a:latin typeface="Times New Roman" panose="02020603050405020304" pitchFamily="18" charset="0"/>
+                        <a:ea typeface="Times New Roman" panose="02020603050405020304" pitchFamily="18" charset="0"/>
+                      </a:endParaRPr>
+                    </a:p>
+                  </a:txBody>
+                  <a:tcPr marL="68580" marR="68580" marT="0" marB="0" anchor="ctr"/>
+                </a:tc>
+                <a:extLst>
+                  <a:ext uri="{0D108BD9-81ED-4DB2-BD59-A6C34878D82A}">
+                    <a16:rowId xmlns:a16="http://schemas.microsoft.com/office/drawing/2014/main" val="1561516098"/>
+                  </a:ext>
+                </a:extLst>
+              </a:tr>
+              <a:tr h="926554">
+                <a:tc>
+                  <a:txBody>
+                    <a:bodyPr/>
+                    <a:lstStyle/>
+                    <a:p>
+                      <a:pPr algn="just">
+                        <a:lnSpc>
+                          <a:spcPct val="150000"/>
+                        </a:lnSpc>
+                        <a:spcAft>
+                          <a:spcPts val="0"/>
+                        </a:spcAft>
+                      </a:pPr>
+                      <a:r>
+                        <a:rPr lang="ru-RU" sz="1400">
+                          <a:effectLst/>
+                        </a:rPr>
+                        <a:t>Операционная система </a:t>
+                      </a:r>
+                      <a:r>
+                        <a:rPr lang="uk-UA" sz="1400">
+                          <a:effectLst/>
+                        </a:rPr>
+                        <a:t>WINDOWS </a:t>
+                      </a:r>
+                      <a:r>
+                        <a:rPr lang="ru-RU" sz="1400">
+                          <a:effectLst/>
+                        </a:rPr>
+                        <a:t>1</a:t>
+                      </a:r>
+                      <a:r>
+                        <a:rPr lang="en-US" sz="1400">
+                          <a:effectLst/>
+                        </a:rPr>
+                        <a:t>1 HOME</a:t>
+                      </a:r>
+                      <a:endParaRPr lang="en-US" sz="1400">
+                        <a:effectLst/>
+                        <a:latin typeface="Times New Roman" panose="02020603050405020304" pitchFamily="18" charset="0"/>
+                        <a:ea typeface="Times New Roman" panose="02020603050405020304" pitchFamily="18" charset="0"/>
+                      </a:endParaRPr>
+                    </a:p>
+                  </a:txBody>
+                  <a:tcPr marL="68580" marR="68580" marT="0" marB="0" anchor="ctr"/>
+                </a:tc>
+                <a:tc>
+                  <a:txBody>
+                    <a:bodyPr/>
+                    <a:lstStyle/>
+                    <a:p>
+                      <a:r>
+                        <a:rPr lang="ru-RU" dirty="0"/>
+                        <a:t>1</a:t>
+                      </a:r>
+                      <a:endParaRPr lang="en-US" dirty="0"/>
+                    </a:p>
+                  </a:txBody>
+                  <a:tcPr marL="68580" marR="68580" marT="0" marB="0" anchor="ctr"/>
+                </a:tc>
+                <a:tc>
+                  <a:txBody>
+                    <a:bodyPr/>
+                    <a:lstStyle/>
+                    <a:p>
+                      <a:pPr algn="l">
+                        <a:lnSpc>
+                          <a:spcPct val="150000"/>
+                        </a:lnSpc>
+                        <a:spcAft>
+                          <a:spcPts val="0"/>
+                        </a:spcAft>
+                      </a:pPr>
+                      <a:r>
+                        <a:rPr lang="en-US" sz="1400" dirty="0">
+                          <a:effectLst/>
+                        </a:rPr>
+                        <a:t>15307</a:t>
+                      </a:r>
+                      <a:endParaRPr lang="en-US" sz="1400" dirty="0">
+                        <a:effectLst/>
+                        <a:latin typeface="Times New Roman" panose="02020603050405020304" pitchFamily="18" charset="0"/>
+                        <a:ea typeface="Times New Roman" panose="02020603050405020304" pitchFamily="18" charset="0"/>
+                      </a:endParaRPr>
+                    </a:p>
+                  </a:txBody>
+                  <a:tcPr marL="68580" marR="68580" marT="0" marB="0" anchor="ctr"/>
+                </a:tc>
+                <a:extLst>
+                  <a:ext uri="{0D108BD9-81ED-4DB2-BD59-A6C34878D82A}">
+                    <a16:rowId xmlns:a16="http://schemas.microsoft.com/office/drawing/2014/main" val="2603547487"/>
+                  </a:ext>
+                </a:extLst>
+              </a:tr>
+              <a:tr h="604803">
+                <a:tc>
+                  <a:txBody>
+                    <a:bodyPr/>
+                    <a:lstStyle/>
+                    <a:p>
+                      <a:pPr algn="just">
+                        <a:lnSpc>
+                          <a:spcPct val="150000"/>
+                        </a:lnSpc>
+                        <a:spcAft>
+                          <a:spcPts val="0"/>
+                        </a:spcAft>
+                      </a:pPr>
+                      <a:r>
+                        <a:rPr lang="uk-UA" sz="1400">
+                          <a:effectLst/>
+                        </a:rPr>
+                        <a:t> </a:t>
+                      </a:r>
+                      <a:r>
+                        <a:rPr lang="ru-RU" sz="1400">
+                          <a:effectLst/>
+                        </a:rPr>
+                        <a:t>Офисный пакет Microsoft Office 2021</a:t>
+                      </a:r>
+                      <a:endParaRPr lang="en-US" sz="1400">
+                        <a:effectLst/>
+                        <a:latin typeface="Times New Roman" panose="02020603050405020304" pitchFamily="18" charset="0"/>
+                        <a:ea typeface="Times New Roman" panose="02020603050405020304" pitchFamily="18" charset="0"/>
+                      </a:endParaRPr>
+                    </a:p>
+                  </a:txBody>
+                  <a:tcPr marL="68580" marR="68580" marT="0" marB="0" anchor="ctr"/>
+                </a:tc>
+                <a:tc>
+                  <a:txBody>
+                    <a:bodyPr/>
+                    <a:lstStyle/>
+                    <a:p>
+                      <a:r>
+                        <a:rPr lang="ru-RU" dirty="0"/>
+                        <a:t>1</a:t>
+                      </a:r>
+                      <a:endParaRPr lang="en-US" dirty="0"/>
+                    </a:p>
+                  </a:txBody>
+                  <a:tcPr marL="68580" marR="68580" marT="0" marB="0" anchor="ctr"/>
+                </a:tc>
+                <a:tc>
+                  <a:txBody>
+                    <a:bodyPr/>
+                    <a:lstStyle/>
+                    <a:p>
+                      <a:pPr algn="l">
+                        <a:lnSpc>
+                          <a:spcPct val="150000"/>
+                        </a:lnSpc>
+                        <a:spcAft>
+                          <a:spcPts val="0"/>
+                        </a:spcAft>
+                      </a:pPr>
+                      <a:r>
+                        <a:rPr lang="en-US" sz="1400">
+                          <a:effectLst/>
+                        </a:rPr>
+                        <a:t>33377</a:t>
+                      </a:r>
+                      <a:endParaRPr lang="en-US" sz="1400">
+                        <a:effectLst/>
+                        <a:latin typeface="Times New Roman" panose="02020603050405020304" pitchFamily="18" charset="0"/>
+                        <a:ea typeface="Times New Roman" panose="02020603050405020304" pitchFamily="18" charset="0"/>
+                      </a:endParaRPr>
+                    </a:p>
+                  </a:txBody>
+                  <a:tcPr marL="68580" marR="68580" marT="0" marB="0" anchor="ctr"/>
+                </a:tc>
+                <a:extLst>
+                  <a:ext uri="{0D108BD9-81ED-4DB2-BD59-A6C34878D82A}">
+                    <a16:rowId xmlns:a16="http://schemas.microsoft.com/office/drawing/2014/main" val="1021141781"/>
+                  </a:ext>
+                </a:extLst>
+              </a:tr>
+              <a:tr h="604803">
+                <a:tc>
+                  <a:txBody>
+                    <a:bodyPr/>
+                    <a:lstStyle/>
+                    <a:p>
+                      <a:pPr algn="just">
+                        <a:lnSpc>
+                          <a:spcPct val="150000"/>
+                        </a:lnSpc>
+                        <a:spcAft>
+                          <a:spcPts val="0"/>
+                        </a:spcAft>
+                      </a:pPr>
+                      <a:r>
+                        <a:rPr lang="ru-RU" sz="1400">
+                          <a:effectLst/>
+                        </a:rPr>
+                        <a:t>Антивирус </a:t>
+                      </a:r>
+                      <a:r>
+                        <a:rPr lang="uk-UA" sz="1400">
+                          <a:effectLst/>
+                        </a:rPr>
+                        <a:t>Kaspersky Anti-Virus</a:t>
+                      </a:r>
+                      <a:endParaRPr lang="en-US" sz="1400">
+                        <a:effectLst/>
+                        <a:latin typeface="Times New Roman" panose="02020603050405020304" pitchFamily="18" charset="0"/>
+                        <a:ea typeface="Times New Roman" panose="02020603050405020304" pitchFamily="18" charset="0"/>
+                      </a:endParaRPr>
+                    </a:p>
+                  </a:txBody>
+                  <a:tcPr marL="68580" marR="68580" marT="0" marB="0" anchor="ctr"/>
+                </a:tc>
+                <a:tc>
+                  <a:txBody>
+                    <a:bodyPr/>
+                    <a:lstStyle/>
+                    <a:p>
+                      <a:r>
+                        <a:rPr lang="ru-RU" dirty="0"/>
+                        <a:t>1</a:t>
+                      </a:r>
+                      <a:endParaRPr lang="en-US" dirty="0"/>
+                    </a:p>
+                  </a:txBody>
+                  <a:tcPr marL="68580" marR="68580" marT="0" marB="0" anchor="ctr"/>
+                </a:tc>
+                <a:tc>
+                  <a:txBody>
+                    <a:bodyPr/>
+                    <a:lstStyle/>
+                    <a:p>
+                      <a:pPr algn="l">
+                        <a:lnSpc>
+                          <a:spcPct val="150000"/>
+                        </a:lnSpc>
+                        <a:spcAft>
+                          <a:spcPts val="0"/>
+                        </a:spcAft>
+                      </a:pPr>
+                      <a:r>
+                        <a:rPr lang="en-US" sz="1400">
+                          <a:effectLst/>
+                        </a:rPr>
+                        <a:t>1342</a:t>
+                      </a:r>
+                      <a:endParaRPr lang="en-US" sz="1400">
+                        <a:effectLst/>
+                        <a:latin typeface="Times New Roman" panose="02020603050405020304" pitchFamily="18" charset="0"/>
+                        <a:ea typeface="Times New Roman" panose="02020603050405020304" pitchFamily="18" charset="0"/>
+                      </a:endParaRPr>
+                    </a:p>
+                  </a:txBody>
+                  <a:tcPr marL="68580" marR="68580" marT="0" marB="0" anchor="ctr"/>
+                </a:tc>
+                <a:extLst>
+                  <a:ext uri="{0D108BD9-81ED-4DB2-BD59-A6C34878D82A}">
+                    <a16:rowId xmlns:a16="http://schemas.microsoft.com/office/drawing/2014/main" val="3571884617"/>
+                  </a:ext>
+                </a:extLst>
+              </a:tr>
+              <a:tr h="604803">
+                <a:tc>
+                  <a:txBody>
+                    <a:bodyPr/>
+                    <a:lstStyle/>
+                    <a:p>
+                      <a:pPr algn="just">
+                        <a:lnSpc>
+                          <a:spcPct val="150000"/>
+                        </a:lnSpc>
+                        <a:spcAft>
+                          <a:spcPts val="0"/>
+                        </a:spcAft>
+                      </a:pPr>
+                      <a:r>
+                        <a:rPr lang="ru-RU" sz="1400">
+                          <a:effectLst/>
+                        </a:rPr>
+                        <a:t>Архиватор </a:t>
+                      </a:r>
+                      <a:r>
+                        <a:rPr lang="uk-UA" sz="1400">
+                          <a:effectLst/>
+                        </a:rPr>
+                        <a:t>RARSoft WinRAR</a:t>
+                      </a:r>
+                      <a:endParaRPr lang="en-US" sz="1400">
+                        <a:effectLst/>
+                        <a:latin typeface="Times New Roman" panose="02020603050405020304" pitchFamily="18" charset="0"/>
+                        <a:ea typeface="Times New Roman" panose="02020603050405020304" pitchFamily="18" charset="0"/>
+                      </a:endParaRPr>
+                    </a:p>
+                  </a:txBody>
+                  <a:tcPr marL="68580" marR="68580" marT="0" marB="0" anchor="ctr"/>
+                </a:tc>
+                <a:tc>
+                  <a:txBody>
+                    <a:bodyPr/>
+                    <a:lstStyle/>
+                    <a:p>
+                      <a:r>
+                        <a:rPr lang="ru-RU" dirty="0"/>
+                        <a:t>1</a:t>
+                      </a:r>
+                      <a:endParaRPr lang="en-US" dirty="0"/>
+                    </a:p>
+                  </a:txBody>
+                  <a:tcPr marL="68580" marR="68580" marT="0" marB="0" anchor="ctr"/>
+                </a:tc>
+                <a:tc>
+                  <a:txBody>
+                    <a:bodyPr/>
+                    <a:lstStyle/>
+                    <a:p>
+                      <a:pPr algn="l">
+                        <a:lnSpc>
+                          <a:spcPct val="150000"/>
+                        </a:lnSpc>
+                        <a:spcAft>
+                          <a:spcPts val="0"/>
+                        </a:spcAft>
+                      </a:pPr>
+                      <a:r>
+                        <a:rPr lang="en-US" sz="1400" dirty="0">
+                          <a:effectLst/>
+                        </a:rPr>
+                        <a:t>2237</a:t>
+                      </a:r>
+                      <a:endParaRPr lang="en-US" sz="1400" dirty="0">
+                        <a:effectLst/>
+                        <a:latin typeface="Times New Roman" panose="02020603050405020304" pitchFamily="18" charset="0"/>
+                        <a:ea typeface="Times New Roman" panose="02020603050405020304" pitchFamily="18" charset="0"/>
+                      </a:endParaRPr>
+                    </a:p>
+                  </a:txBody>
+                  <a:tcPr marL="68580" marR="68580" marT="0" marB="0" anchor="ctr"/>
+                </a:tc>
+                <a:extLst>
+                  <a:ext uri="{0D108BD9-81ED-4DB2-BD59-A6C34878D82A}">
+                    <a16:rowId xmlns:a16="http://schemas.microsoft.com/office/drawing/2014/main" val="2737420685"/>
+                  </a:ext>
+                </a:extLst>
+              </a:tr>
+              <a:tr h="604803">
+                <a:tc>
+                  <a:txBody>
+                    <a:bodyPr/>
+                    <a:lstStyle/>
+                    <a:p>
+                      <a:pPr algn="just">
+                        <a:lnSpc>
+                          <a:spcPct val="150000"/>
+                        </a:lnSpc>
+                        <a:spcAft>
+                          <a:spcPts val="0"/>
+                        </a:spcAft>
+                      </a:pPr>
+                      <a:r>
+                        <a:rPr lang="uk-UA" sz="1400">
+                          <a:effectLst/>
+                        </a:rPr>
+                        <a:t>1С-Битрикс 1С-Битрикc:</a:t>
+                      </a:r>
+                      <a:endParaRPr lang="en-US" sz="1400">
+                        <a:effectLst/>
+                        <a:latin typeface="Times New Roman" panose="02020603050405020304" pitchFamily="18" charset="0"/>
+                        <a:ea typeface="Times New Roman" panose="02020603050405020304" pitchFamily="18" charset="0"/>
+                      </a:endParaRPr>
+                    </a:p>
+                  </a:txBody>
+                  <a:tcPr marL="68580" marR="68580" marT="0" marB="0" anchor="ctr"/>
+                </a:tc>
+                <a:tc>
+                  <a:txBody>
+                    <a:bodyPr/>
+                    <a:lstStyle/>
+                    <a:p>
+                      <a:r>
+                        <a:rPr lang="ru-RU" dirty="0"/>
+                        <a:t>1</a:t>
+                      </a:r>
+                      <a:endParaRPr lang="en-US" dirty="0"/>
+                    </a:p>
+                  </a:txBody>
+                  <a:tcPr marL="68580" marR="68580" marT="0" marB="0" anchor="ctr"/>
+                </a:tc>
+                <a:tc>
+                  <a:txBody>
+                    <a:bodyPr/>
+                    <a:lstStyle/>
+                    <a:p>
+                      <a:pPr algn="l">
+                        <a:lnSpc>
+                          <a:spcPct val="150000"/>
+                        </a:lnSpc>
+                        <a:spcAft>
+                          <a:spcPts val="0"/>
+                        </a:spcAft>
+                      </a:pPr>
+                      <a:r>
+                        <a:rPr lang="ru-RU" sz="1400" dirty="0">
+                          <a:effectLst/>
+                        </a:rPr>
+                        <a:t>17900</a:t>
+                      </a:r>
+                      <a:endParaRPr lang="en-US" sz="1400" dirty="0">
+                        <a:effectLst/>
+                        <a:latin typeface="Times New Roman" panose="02020603050405020304" pitchFamily="18" charset="0"/>
+                        <a:ea typeface="Times New Roman" panose="02020603050405020304" pitchFamily="18" charset="0"/>
+                      </a:endParaRPr>
+                    </a:p>
+                  </a:txBody>
+                  <a:tcPr marL="68580" marR="68580" marT="0" marB="0" anchor="ctr"/>
+                </a:tc>
+                <a:extLst>
+                  <a:ext uri="{0D108BD9-81ED-4DB2-BD59-A6C34878D82A}">
+                    <a16:rowId xmlns:a16="http://schemas.microsoft.com/office/drawing/2014/main" val="161105298"/>
+                  </a:ext>
+                </a:extLst>
+              </a:tr>
+              <a:tr h="321091">
+                <a:tc>
+                  <a:txBody>
+                    <a:bodyPr/>
+                    <a:lstStyle/>
+                    <a:p>
+                      <a:pPr algn="just">
+                        <a:lnSpc>
+                          <a:spcPct val="150000"/>
+                        </a:lnSpc>
+                        <a:spcAft>
+                          <a:spcPts val="0"/>
+                        </a:spcAft>
+                      </a:pPr>
+                      <a:r>
+                        <a:rPr lang="uk-UA" sz="1400">
+                          <a:effectLst/>
+                        </a:rPr>
+                        <a:t>ИТОГО</a:t>
+                      </a:r>
+                      <a:r>
+                        <a:rPr lang="ru-RU" sz="1400">
+                          <a:effectLst/>
+                        </a:rPr>
+                        <a:t>, руб.</a:t>
+                      </a:r>
+                      <a:endParaRPr lang="en-US" sz="1400">
+                        <a:effectLst/>
+                        <a:latin typeface="Times New Roman" panose="02020603050405020304" pitchFamily="18" charset="0"/>
+                        <a:ea typeface="Times New Roman" panose="02020603050405020304" pitchFamily="18" charset="0"/>
+                      </a:endParaRPr>
+                    </a:p>
+                  </a:txBody>
+                  <a:tcPr marL="68580" marR="68580" marT="0" marB="0" anchor="ctr"/>
+                </a:tc>
+                <a:tc gridSpan="2">
+                  <a:txBody>
+                    <a:bodyPr/>
+                    <a:lstStyle/>
+                    <a:p>
+                      <a:pPr algn="just">
+                        <a:lnSpc>
+                          <a:spcPct val="150000"/>
+                        </a:lnSpc>
+                        <a:spcAft>
+                          <a:spcPts val="0"/>
+                        </a:spcAft>
+                      </a:pPr>
+                      <a:r>
+                        <a:rPr lang="ru-RU" sz="1400" dirty="0">
+                          <a:effectLst/>
+                        </a:rPr>
+                        <a:t>   70163</a:t>
+                      </a:r>
+                      <a:endParaRPr lang="en-US" sz="1400" dirty="0">
+                        <a:effectLst/>
+                        <a:latin typeface="Times New Roman" panose="02020603050405020304" pitchFamily="18" charset="0"/>
+                        <a:ea typeface="Times New Roman" panose="02020603050405020304" pitchFamily="18" charset="0"/>
+                      </a:endParaRPr>
+                    </a:p>
+                  </a:txBody>
+                  <a:tcPr marL="68580" marR="68580" marT="0" marB="0" anchor="ctr"/>
+                </a:tc>
+                <a:tc hMerge="1">
+                  <a:txBody>
+                    <a:bodyPr/>
+                    <a:lstStyle/>
+                    <a:p>
+                      <a:endParaRPr lang="en-US"/>
+                    </a:p>
+                  </a:txBody>
+                  <a:tcPr/>
+                </a:tc>
+                <a:extLst>
+                  <a:ext uri="{0D108BD9-81ED-4DB2-BD59-A6C34878D82A}">
+                    <a16:rowId xmlns:a16="http://schemas.microsoft.com/office/drawing/2014/main" val="4133918920"/>
+                  </a:ext>
+                </a:extLst>
+              </a:tr>
+            </a:tbl>
+          </a:graphicData>
+        </a:graphic>
+      </p:graphicFrame>
+    </p:spTree>
+    <p:extLst>
+      <p:ext uri="{BB962C8B-B14F-4D97-AF65-F5344CB8AC3E}">
+        <p14:creationId xmlns:p14="http://schemas.microsoft.com/office/powerpoint/2010/main" val="377385708"/>
+      </p:ext>
+    </p:extLst>
+  </p:cSld>
+  <p:clrMapOvr>
+    <a:masterClrMapping/>
+  </p:clrMapOvr>
+  <mc:AlternateContent xmlns:mc="http://schemas.openxmlformats.org/markup-compatibility/2006">
+    <mc:Choice xmlns:p14="http://schemas.microsoft.com/office/powerpoint/2010/main" Requires="p14">
+      <p:transition spd="med" p14:dur="700">
+        <p:fade/>
+      </p:transition>
+    </mc:Choice>
+    <mc:Fallback>
+      <p:transition spd="med">
+        <p:fade/>
+      </p:transition>
+    </mc:Fallback>
+  </mc:AlternateContent>
+</p:sld>
+</file>
+
+<file path=ppt/slides/slide7.xml><?xml version="1.0" encoding="utf-8"?>
+<p:sld xmlns:a="http://schemas.openxmlformats.org/drawingml/2006/main" xmlns:r="http://schemas.openxmlformats.org/officeDocument/2006/relationships" xmlns:p="http://schemas.openxmlformats.org/presentationml/2006/main">
+  <p:cSld>
+    <p:spTree>
+      <p:nvGrpSpPr>
+        <p:cNvPr id="1" name=""/>
+        <p:cNvGrpSpPr/>
+        <p:nvPr/>
+      </p:nvGrpSpPr>
+      <p:grpSpPr>
+        <a:xfrm>
+          <a:off x="0" y="0"/>
+          <a:ext cx="0" cy="0"/>
+          <a:chOff x="0" y="0"/>
+          <a:chExt cx="0" cy="0"/>
+        </a:xfrm>
+      </p:grpSpPr>
+      <p:sp>
+        <p:nvSpPr>
+          <p:cNvPr id="6" name="Прямоугольник 5">
+            <a:extLst>
+              <a:ext uri="{FF2B5EF4-FFF2-40B4-BE49-F238E27FC236}">
+                <a16:creationId xmlns:a16="http://schemas.microsoft.com/office/drawing/2014/main" id="{B9531B01-ADEF-4D43-9355-7FCD18FC1D8D}"/>
+              </a:ext>
+            </a:extLst>
+          </p:cNvPr>
+          <p:cNvSpPr/>
+          <p:nvPr/>
+        </p:nvSpPr>
+        <p:spPr>
+          <a:xfrm>
+            <a:off x="368300" y="3733801"/>
+            <a:ext cx="11455400" cy="2904067"/>
+          </a:xfrm>
+          <a:prstGeom prst="rect">
+            <a:avLst/>
+          </a:prstGeom>
+          <a:solidFill>
+            <a:srgbClr val="000000">
+              <a:alpha val="50196"/>
+            </a:srgbClr>
+          </a:solidFill>
+          <a:ln>
+            <a:solidFill>
+              <a:schemeClr val="bg1">
+                <a:lumMod val="75000"/>
+                <a:lumOff val="25000"/>
+              </a:schemeClr>
+            </a:solidFill>
+          </a:ln>
+        </p:spPr>
+        <p:style>
+          <a:lnRef idx="2">
+            <a:schemeClr val="accent1">
+              <a:shade val="50000"/>
+            </a:schemeClr>
+          </a:lnRef>
+          <a:fillRef idx="1">
+            <a:schemeClr val="accent1"/>
+          </a:fillRef>
+          <a:effectRef idx="0">
+            <a:schemeClr val="accent1"/>
+          </a:effectRef>
+          <a:fontRef idx="minor">
+            <a:schemeClr val="lt1"/>
+          </a:fontRef>
+        </p:style>
+        <p:txBody>
+          <a:bodyPr rtlCol="0" anchor="ctr"/>
+          <a:lstStyle/>
+          <a:p>
+            <a:pPr algn="ctr"/>
+            <a:endParaRPr lang="en-US"/>
+          </a:p>
+        </p:txBody>
+      </p:sp>
+      <p:sp>
+        <p:nvSpPr>
+          <p:cNvPr id="2" name="Заголовок 1">
+            <a:extLst>
+              <a:ext uri="{FF2B5EF4-FFF2-40B4-BE49-F238E27FC236}">
+                <a16:creationId xmlns:a16="http://schemas.microsoft.com/office/drawing/2014/main" id="{727A2FFA-D443-4CE2-8040-028B93B5AF08}"/>
+              </a:ext>
+            </a:extLst>
+          </p:cNvPr>
+          <p:cNvSpPr>
+            <a:spLocks noGrp="1"/>
+          </p:cNvSpPr>
+          <p:nvPr>
+            <p:ph type="title"/>
+          </p:nvPr>
+        </p:nvSpPr>
+        <p:spPr>
+          <a:xfrm>
+            <a:off x="0" y="0"/>
+            <a:ext cx="8932333" cy="838200"/>
+          </a:xfrm>
+        </p:spPr>
+        <p:txBody>
+          <a:bodyPr>
+            <a:normAutofit/>
+          </a:bodyPr>
+          <a:lstStyle/>
+          <a:p>
+            <a:r>
+              <a:rPr lang="ru-RU" sz="3200" dirty="0"/>
+              <a:t>Итоговая цена Кабинета</a:t>
+            </a:r>
+            <a:endParaRPr lang="en-US" sz="3200" dirty="0"/>
+          </a:p>
+        </p:txBody>
+      </p:sp>
+      <p:sp>
+        <p:nvSpPr>
+          <p:cNvPr id="4" name="Текст 3">
+            <a:extLst>
+              <a:ext uri="{FF2B5EF4-FFF2-40B4-BE49-F238E27FC236}">
+                <a16:creationId xmlns:a16="http://schemas.microsoft.com/office/drawing/2014/main" id="{2BFE4BED-2721-47B3-A1D1-416B233FB2FF}"/>
+              </a:ext>
+            </a:extLst>
+          </p:cNvPr>
+          <p:cNvSpPr>
+            <a:spLocks noGrp="1"/>
+          </p:cNvSpPr>
+          <p:nvPr>
+            <p:ph type="body" idx="1"/>
+          </p:nvPr>
+        </p:nvSpPr>
+        <p:spPr>
+          <a:xfrm>
+            <a:off x="0" y="838200"/>
+            <a:ext cx="12192000" cy="2345267"/>
+          </a:xfrm>
+        </p:spPr>
+        <p:txBody>
+          <a:bodyPr>
+            <a:normAutofit/>
+          </a:bodyPr>
+          <a:lstStyle/>
+          <a:p>
+            <a:r>
+              <a:rPr lang="uk-UA" dirty="0">
+                <a:solidFill>
+                  <a:schemeClr val="tx1"/>
+                </a:solidFill>
+              </a:rPr>
+              <a:t>В </a:t>
+            </a:r>
+            <a:r>
+              <a:rPr lang="uk-UA" dirty="0" err="1">
+                <a:solidFill>
+                  <a:schemeClr val="tx1"/>
+                </a:solidFill>
+              </a:rPr>
+              <a:t>данном</a:t>
+            </a:r>
+            <a:r>
+              <a:rPr lang="uk-UA" dirty="0">
+                <a:solidFill>
+                  <a:schemeClr val="tx1"/>
+                </a:solidFill>
+              </a:rPr>
+              <a:t> </a:t>
+            </a:r>
+            <a:r>
+              <a:rPr lang="uk-UA" dirty="0" err="1">
+                <a:solidFill>
+                  <a:schemeClr val="tx1"/>
+                </a:solidFill>
+              </a:rPr>
+              <a:t>индивидуальном</a:t>
+            </a:r>
+            <a:r>
+              <a:rPr lang="uk-UA" dirty="0">
+                <a:solidFill>
+                  <a:schemeClr val="tx1"/>
+                </a:solidFill>
+              </a:rPr>
+              <a:t> </a:t>
+            </a:r>
+            <a:r>
+              <a:rPr lang="ru-RU" dirty="0">
+                <a:solidFill>
+                  <a:schemeClr val="tx1"/>
+                </a:solidFill>
+              </a:rPr>
+              <a:t>п</a:t>
+            </a:r>
+            <a:r>
+              <a:rPr lang="uk-UA" dirty="0" err="1">
+                <a:solidFill>
+                  <a:schemeClr val="tx1"/>
+                </a:solidFill>
+              </a:rPr>
+              <a:t>роекте</a:t>
+            </a:r>
+            <a:r>
+              <a:rPr lang="uk-UA" dirty="0">
+                <a:solidFill>
+                  <a:schemeClr val="tx1"/>
+                </a:solidFill>
+              </a:rPr>
+              <a:t> </a:t>
+            </a:r>
+            <a:r>
+              <a:rPr lang="ru-RU" dirty="0" err="1">
+                <a:solidFill>
+                  <a:schemeClr val="tx1"/>
+                </a:solidFill>
+              </a:rPr>
+              <a:t>поставленнной</a:t>
+            </a:r>
+            <a:r>
+              <a:rPr lang="uk-UA" dirty="0">
+                <a:solidFill>
+                  <a:schemeClr val="tx1"/>
+                </a:solidFill>
+              </a:rPr>
+              <a:t> </a:t>
+            </a:r>
+            <a:r>
+              <a:rPr lang="uk-UA" dirty="0" err="1">
+                <a:solidFill>
+                  <a:schemeClr val="tx1"/>
+                </a:solidFill>
+              </a:rPr>
+              <a:t>задачей</a:t>
+            </a:r>
+            <a:r>
+              <a:rPr lang="uk-UA" dirty="0">
+                <a:solidFill>
+                  <a:schemeClr val="tx1"/>
+                </a:solidFill>
+              </a:rPr>
+              <a:t> </a:t>
+            </a:r>
+            <a:r>
+              <a:rPr lang="uk-UA" dirty="0" err="1">
+                <a:solidFill>
+                  <a:schemeClr val="tx1"/>
+                </a:solidFill>
+              </a:rPr>
+              <a:t>являлся</a:t>
+            </a:r>
+            <a:r>
+              <a:rPr lang="uk-UA" dirty="0">
+                <a:solidFill>
+                  <a:schemeClr val="tx1"/>
+                </a:solidFill>
+              </a:rPr>
+              <a:t> </a:t>
+            </a:r>
+            <a:r>
+              <a:rPr lang="uk-UA" dirty="0" err="1">
+                <a:solidFill>
+                  <a:schemeClr val="tx1"/>
+                </a:solidFill>
+              </a:rPr>
+              <a:t>расчет</a:t>
+            </a:r>
+            <a:r>
+              <a:rPr lang="uk-UA" dirty="0">
+                <a:solidFill>
+                  <a:schemeClr val="tx1"/>
+                </a:solidFill>
+              </a:rPr>
+              <a:t> </a:t>
+            </a:r>
+            <a:r>
+              <a:rPr lang="uk-UA" dirty="0" err="1">
+                <a:solidFill>
+                  <a:schemeClr val="tx1"/>
+                </a:solidFill>
+              </a:rPr>
+              <a:t>оптимальной</a:t>
+            </a:r>
+            <a:r>
+              <a:rPr lang="uk-UA" dirty="0">
+                <a:solidFill>
+                  <a:schemeClr val="tx1"/>
+                </a:solidFill>
+              </a:rPr>
+              <a:t> </a:t>
+            </a:r>
+            <a:r>
+              <a:rPr lang="uk-UA" dirty="0" err="1">
+                <a:solidFill>
+                  <a:schemeClr val="tx1"/>
+                </a:solidFill>
+              </a:rPr>
+              <a:t>схемы</a:t>
+            </a:r>
+            <a:r>
+              <a:rPr lang="uk-UA" dirty="0">
+                <a:solidFill>
+                  <a:schemeClr val="tx1"/>
+                </a:solidFill>
+              </a:rPr>
+              <a:t> </a:t>
+            </a:r>
+            <a:r>
+              <a:rPr lang="uk-UA" dirty="0" err="1">
+                <a:solidFill>
+                  <a:schemeClr val="tx1"/>
+                </a:solidFill>
+              </a:rPr>
+              <a:t>компьютерной</a:t>
+            </a:r>
+            <a:r>
+              <a:rPr lang="uk-UA" dirty="0">
+                <a:solidFill>
+                  <a:schemeClr val="tx1"/>
+                </a:solidFill>
+              </a:rPr>
+              <a:t> сети и </a:t>
+            </a:r>
+            <a:r>
+              <a:rPr lang="uk-UA" dirty="0" err="1">
+                <a:solidFill>
+                  <a:schemeClr val="tx1"/>
+                </a:solidFill>
+              </a:rPr>
+              <a:t>подбор</a:t>
+            </a:r>
+            <a:r>
+              <a:rPr lang="uk-UA" dirty="0">
+                <a:solidFill>
+                  <a:schemeClr val="tx1"/>
+                </a:solidFill>
+              </a:rPr>
+              <a:t> </a:t>
+            </a:r>
+            <a:r>
+              <a:rPr lang="uk-UA" dirty="0" err="1">
+                <a:solidFill>
+                  <a:schemeClr val="tx1"/>
+                </a:solidFill>
+              </a:rPr>
+              <a:t>оборудования</a:t>
+            </a:r>
+            <a:r>
+              <a:rPr lang="uk-UA" dirty="0">
+                <a:solidFill>
+                  <a:schemeClr val="tx1"/>
+                </a:solidFill>
+              </a:rPr>
+              <a:t> для </a:t>
+            </a:r>
+            <a:r>
+              <a:rPr lang="uk-UA" dirty="0" err="1">
+                <a:solidFill>
+                  <a:schemeClr val="tx1"/>
+                </a:solidFill>
+              </a:rPr>
+              <a:t>учебного</a:t>
+            </a:r>
+            <a:r>
+              <a:rPr lang="uk-UA" dirty="0">
+                <a:solidFill>
+                  <a:schemeClr val="tx1"/>
+                </a:solidFill>
+              </a:rPr>
+              <a:t> </a:t>
+            </a:r>
+            <a:r>
+              <a:rPr lang="uk-UA" dirty="0" err="1">
+                <a:solidFill>
+                  <a:schemeClr val="tx1"/>
+                </a:solidFill>
+              </a:rPr>
+              <a:t>кабинета</a:t>
+            </a:r>
+            <a:r>
+              <a:rPr lang="uk-UA" dirty="0">
+                <a:solidFill>
+                  <a:schemeClr val="tx1"/>
+                </a:solidFill>
+              </a:rPr>
+              <a:t>, </a:t>
+            </a:r>
+            <a:r>
+              <a:rPr lang="ru-RU" dirty="0">
+                <a:solidFill>
+                  <a:schemeClr val="tx1"/>
+                </a:solidFill>
+              </a:rPr>
+              <a:t>с</a:t>
+            </a:r>
+            <a:r>
+              <a:rPr lang="uk-UA" dirty="0">
+                <a:solidFill>
+                  <a:schemeClr val="tx1"/>
+                </a:solidFill>
+              </a:rPr>
+              <a:t>бор </a:t>
+            </a:r>
+            <a:r>
+              <a:rPr lang="uk-UA" dirty="0" err="1">
+                <a:solidFill>
+                  <a:schemeClr val="tx1"/>
+                </a:solidFill>
+              </a:rPr>
+              <a:t>оптимальной</a:t>
+            </a:r>
+            <a:r>
+              <a:rPr lang="uk-UA" dirty="0">
+                <a:solidFill>
+                  <a:schemeClr val="tx1"/>
+                </a:solidFill>
+              </a:rPr>
+              <a:t> </a:t>
+            </a:r>
+            <a:r>
+              <a:rPr lang="uk-UA" dirty="0" err="1">
+                <a:solidFill>
+                  <a:schemeClr val="tx1"/>
+                </a:solidFill>
+              </a:rPr>
+              <a:t>конфигурации</a:t>
+            </a:r>
+            <a:r>
+              <a:rPr lang="uk-UA" dirty="0">
+                <a:solidFill>
+                  <a:schemeClr val="tx1"/>
+                </a:solidFill>
+              </a:rPr>
+              <a:t> ПК и </a:t>
+            </a:r>
+            <a:r>
+              <a:rPr lang="ru-RU" dirty="0">
+                <a:solidFill>
+                  <a:schemeClr val="tx1"/>
+                </a:solidFill>
+              </a:rPr>
+              <a:t>с</a:t>
+            </a:r>
+            <a:r>
+              <a:rPr lang="uk-UA" dirty="0">
+                <a:solidFill>
+                  <a:schemeClr val="tx1"/>
+                </a:solidFill>
+              </a:rPr>
+              <a:t>бор </a:t>
+            </a:r>
+            <a:r>
+              <a:rPr lang="uk-UA" dirty="0" err="1">
+                <a:solidFill>
+                  <a:schemeClr val="tx1"/>
+                </a:solidFill>
+              </a:rPr>
+              <a:t>программного</a:t>
+            </a:r>
+            <a:r>
+              <a:rPr lang="uk-UA" dirty="0">
+                <a:solidFill>
+                  <a:schemeClr val="tx1"/>
+                </a:solidFill>
+              </a:rPr>
+              <a:t> </a:t>
+            </a:r>
+            <a:r>
+              <a:rPr lang="uk-UA" dirty="0" err="1">
+                <a:solidFill>
+                  <a:schemeClr val="tx1"/>
+                </a:solidFill>
+              </a:rPr>
+              <a:t>обеспечения</a:t>
+            </a:r>
+            <a:r>
+              <a:rPr lang="uk-UA" dirty="0">
+                <a:solidFill>
+                  <a:schemeClr val="tx1"/>
+                </a:solidFill>
+              </a:rPr>
+              <a:t> для ПК. </a:t>
+            </a:r>
+            <a:endParaRPr lang="en-US" dirty="0">
+              <a:solidFill>
+                <a:schemeClr val="tx1"/>
+              </a:solidFill>
+            </a:endParaRPr>
+          </a:p>
+          <a:p>
+            <a:r>
+              <a:rPr lang="uk-UA" dirty="0">
+                <a:solidFill>
+                  <a:schemeClr val="tx1"/>
+                </a:solidFill>
+              </a:rPr>
+              <a:t>При </a:t>
+            </a:r>
+            <a:r>
+              <a:rPr lang="uk-UA" dirty="0" err="1">
+                <a:solidFill>
+                  <a:schemeClr val="tx1"/>
+                </a:solidFill>
+              </a:rPr>
+              <a:t>проектировании</a:t>
+            </a:r>
+            <a:r>
+              <a:rPr lang="uk-UA" dirty="0">
+                <a:solidFill>
+                  <a:schemeClr val="tx1"/>
+                </a:solidFill>
+              </a:rPr>
+              <a:t> </a:t>
+            </a:r>
+            <a:r>
+              <a:rPr lang="uk-UA" dirty="0" err="1">
+                <a:solidFill>
+                  <a:schemeClr val="tx1"/>
+                </a:solidFill>
+              </a:rPr>
+              <a:t>были</a:t>
+            </a:r>
+            <a:r>
+              <a:rPr lang="uk-UA" dirty="0">
+                <a:solidFill>
+                  <a:schemeClr val="tx1"/>
+                </a:solidFill>
+              </a:rPr>
+              <a:t> </a:t>
+            </a:r>
+            <a:r>
+              <a:rPr lang="uk-UA" dirty="0" err="1">
+                <a:solidFill>
+                  <a:schemeClr val="tx1"/>
+                </a:solidFill>
+              </a:rPr>
+              <a:t>учтены</a:t>
+            </a:r>
+            <a:r>
+              <a:rPr lang="uk-UA" dirty="0">
+                <a:solidFill>
+                  <a:schemeClr val="tx1"/>
+                </a:solidFill>
+              </a:rPr>
+              <a:t> и </a:t>
+            </a:r>
+            <a:r>
+              <a:rPr lang="uk-UA" dirty="0" err="1">
+                <a:solidFill>
+                  <a:schemeClr val="tx1"/>
+                </a:solidFill>
+              </a:rPr>
+              <a:t>выполнены</a:t>
+            </a:r>
+            <a:r>
+              <a:rPr lang="uk-UA" dirty="0">
+                <a:solidFill>
+                  <a:schemeClr val="tx1"/>
+                </a:solidFill>
+              </a:rPr>
+              <a:t> все </a:t>
+            </a:r>
+            <a:r>
+              <a:rPr lang="uk-UA" dirty="0" err="1">
+                <a:solidFill>
+                  <a:schemeClr val="tx1"/>
+                </a:solidFill>
+              </a:rPr>
+              <a:t>требования</a:t>
+            </a:r>
+            <a:r>
+              <a:rPr lang="uk-UA" dirty="0">
+                <a:solidFill>
+                  <a:schemeClr val="tx1"/>
+                </a:solidFill>
+              </a:rPr>
+              <a:t>, </a:t>
+            </a:r>
+            <a:r>
+              <a:rPr lang="uk-UA" dirty="0" err="1">
+                <a:solidFill>
+                  <a:schemeClr val="tx1"/>
+                </a:solidFill>
+              </a:rPr>
+              <a:t>указанные</a:t>
+            </a:r>
+            <a:r>
+              <a:rPr lang="uk-UA" dirty="0">
+                <a:solidFill>
+                  <a:schemeClr val="tx1"/>
+                </a:solidFill>
+              </a:rPr>
+              <a:t> в </a:t>
+            </a:r>
+            <a:r>
+              <a:rPr lang="uk-UA" dirty="0" err="1">
+                <a:solidFill>
+                  <a:schemeClr val="tx1"/>
+                </a:solidFill>
+              </a:rPr>
+              <a:t>задании</a:t>
+            </a:r>
+            <a:r>
+              <a:rPr lang="uk-UA" dirty="0">
+                <a:solidFill>
+                  <a:schemeClr val="tx1"/>
+                </a:solidFill>
+              </a:rPr>
+              <a:t>.</a:t>
+            </a:r>
+          </a:p>
+          <a:p>
+            <a:endParaRPr lang="en-US" dirty="0">
+              <a:solidFill>
+                <a:schemeClr val="tx1"/>
+              </a:solidFill>
+            </a:endParaRPr>
+          </a:p>
+          <a:p>
+            <a:endParaRPr lang="en-US" dirty="0">
+              <a:solidFill>
+                <a:schemeClr val="tx1"/>
+              </a:solidFill>
+            </a:endParaRPr>
+          </a:p>
+        </p:txBody>
+      </p:sp>
+      <p:sp>
+        <p:nvSpPr>
+          <p:cNvPr id="5" name="TextBox 4">
+            <a:extLst>
+              <a:ext uri="{FF2B5EF4-FFF2-40B4-BE49-F238E27FC236}">
+                <a16:creationId xmlns:a16="http://schemas.microsoft.com/office/drawing/2014/main" id="{D0B763FF-00F1-416A-9502-2BAF92A13508}"/>
+              </a:ext>
+            </a:extLst>
+          </p:cNvPr>
+          <p:cNvSpPr txBox="1"/>
+          <p:nvPr/>
+        </p:nvSpPr>
+        <p:spPr>
+          <a:xfrm>
+            <a:off x="0" y="4493252"/>
+            <a:ext cx="12192000" cy="830997"/>
+          </a:xfrm>
+          <a:prstGeom prst="rect">
+            <a:avLst/>
+          </a:prstGeom>
+          <a:noFill/>
+        </p:spPr>
+        <p:txBody>
+          <a:bodyPr wrap="square" rtlCol="0">
+            <a:spAutoFit/>
+          </a:bodyPr>
+          <a:lstStyle/>
+          <a:p>
+            <a:pPr algn="ctr"/>
+            <a:r>
+              <a:rPr lang="uk-UA" sz="2400" dirty="0" err="1"/>
+              <a:t>Общая</a:t>
+            </a:r>
+            <a:r>
+              <a:rPr lang="uk-UA" sz="2400" dirty="0"/>
+              <a:t> </a:t>
+            </a:r>
+            <a:r>
+              <a:rPr lang="uk-UA" sz="2400" dirty="0" err="1"/>
+              <a:t>стоимость</a:t>
+            </a:r>
+            <a:r>
+              <a:rPr lang="uk-UA" sz="2400" dirty="0"/>
+              <a:t> </a:t>
+            </a:r>
+            <a:r>
+              <a:rPr lang="uk-UA" sz="2400" dirty="0" err="1"/>
+              <a:t>организации</a:t>
+            </a:r>
+            <a:r>
+              <a:rPr lang="uk-UA" sz="2400" dirty="0"/>
+              <a:t> ЛВС </a:t>
+            </a:r>
+            <a:r>
+              <a:rPr lang="uk-UA" sz="2400" dirty="0" err="1"/>
+              <a:t>составила</a:t>
+            </a:r>
+            <a:r>
+              <a:rPr lang="uk-UA" sz="2400" dirty="0"/>
+              <a:t>: </a:t>
+            </a:r>
+            <a:endParaRPr lang="en-US" sz="2400" dirty="0"/>
+          </a:p>
+          <a:p>
+            <a:pPr algn="ctr"/>
+            <a:r>
+              <a:rPr lang="ru-RU" sz="2400" dirty="0"/>
+              <a:t>13 860,31 </a:t>
+            </a:r>
+            <a:r>
+              <a:rPr lang="uk-UA" sz="2400" dirty="0"/>
+              <a:t>руб</a:t>
+            </a:r>
+            <a:r>
+              <a:rPr lang="ru-RU" sz="2400" dirty="0"/>
+              <a:t> + 15 ПК * (19445 </a:t>
+            </a:r>
+            <a:r>
+              <a:rPr lang="uk-UA" sz="2400" dirty="0"/>
+              <a:t>₽</a:t>
+            </a:r>
+            <a:r>
+              <a:rPr lang="ru-RU" sz="2400" dirty="0"/>
+              <a:t> + 6297 </a:t>
+            </a:r>
+            <a:r>
+              <a:rPr lang="uk-UA" sz="2400" dirty="0"/>
+              <a:t>₽</a:t>
+            </a:r>
+            <a:r>
+              <a:rPr lang="ru-RU" sz="2400" dirty="0"/>
+              <a:t>) + 15 ПК * 70163 </a:t>
+            </a:r>
+            <a:r>
+              <a:rPr lang="uk-UA" sz="2400" dirty="0"/>
+              <a:t> ₽</a:t>
+            </a:r>
+            <a:r>
+              <a:rPr lang="ru-RU" sz="2400" dirty="0"/>
+              <a:t> = 1452435.31 </a:t>
+            </a:r>
+            <a:r>
+              <a:rPr lang="uk-UA" sz="2400" dirty="0"/>
+              <a:t>₽</a:t>
+            </a:r>
+          </a:p>
+        </p:txBody>
+      </p:sp>
+    </p:spTree>
+    <p:extLst>
+      <p:ext uri="{BB962C8B-B14F-4D97-AF65-F5344CB8AC3E}">
+        <p14:creationId xmlns:p14="http://schemas.microsoft.com/office/powerpoint/2010/main" val="3228728284"/>
+      </p:ext>
+    </p:extLst>
+  </p:cSld>
+  <p:clrMapOvr>
+    <a:masterClrMapping/>
+  </p:clrMapOvr>
+  <mc:AlternateContent xmlns:mc="http://schemas.openxmlformats.org/markup-compatibility/2006">
+    <mc:Choice xmlns:p14="http://schemas.microsoft.com/office/powerpoint/2010/main" Requires="p14">
+      <p:transition spd="med" p14:dur="700">
+        <p:fade/>
+      </p:transition>
+    </mc:Choice>
+    <mc:Fallback>
+      <p:transition spd="med">
+        <p:fade/>
+      </p:transition>
+    </mc:Fallback>
+  </mc:AlternateContent>
 </p:sld>
 </file>
 

--- a/Проект/Индивидуальный проект.pptx
+++ b/Проект/Индивидуальный проект.pptx
@@ -310,7 +310,7 @@
             <a:fld id="{A5B0A250-5CC0-1746-B209-08E8B0DAE6AF}" type="datetimeFigureOut">
               <a:rPr lang="en-US" smtClean="0"/>
               <a:pPr/>
-              <a:t>17-Jun-23</a:t>
+              <a:t>18-Jun-23</a:t>
             </a:fld>
             <a:endParaRPr lang="en-US" dirty="0"/>
           </a:p>
@@ -748,7 +748,7 @@
             <a:fld id="{A5B0A250-5CC0-1746-B209-08E8B0DAE6AF}" type="datetimeFigureOut">
               <a:rPr lang="en-US" smtClean="0"/>
               <a:pPr/>
-              <a:t>17-Jun-23</a:t>
+              <a:t>18-Jun-23</a:t>
             </a:fld>
             <a:endParaRPr lang="en-US" dirty="0"/>
           </a:p>
@@ -1000,7 +1000,7 @@
             <a:fld id="{A5B0A250-5CC0-1746-B209-08E8B0DAE6AF}" type="datetimeFigureOut">
               <a:rPr lang="en-US" smtClean="0"/>
               <a:pPr/>
-              <a:t>17-Jun-23</a:t>
+              <a:t>18-Jun-23</a:t>
             </a:fld>
             <a:endParaRPr lang="en-US" dirty="0"/>
           </a:p>
@@ -1310,7 +1310,7 @@
             <a:fld id="{A5B0A250-5CC0-1746-B209-08E8B0DAE6AF}" type="datetimeFigureOut">
               <a:rPr lang="en-US" smtClean="0"/>
               <a:pPr/>
-              <a:t>17-Jun-23</a:t>
+              <a:t>18-Jun-23</a:t>
             </a:fld>
             <a:endParaRPr lang="en-US" dirty="0"/>
           </a:p>
@@ -1630,7 +1630,7 @@
             <a:fld id="{A5B0A250-5CC0-1746-B209-08E8B0DAE6AF}" type="datetimeFigureOut">
               <a:rPr lang="en-US" smtClean="0"/>
               <a:pPr/>
-              <a:t>17-Jun-23</a:t>
+              <a:t>18-Jun-23</a:t>
             </a:fld>
             <a:endParaRPr lang="en-US" dirty="0"/>
           </a:p>
@@ -1934,7 +1934,7 @@
             <a:fld id="{A5B0A250-5CC0-1746-B209-08E8B0DAE6AF}" type="datetimeFigureOut">
               <a:rPr lang="en-US" smtClean="0"/>
               <a:pPr/>
-              <a:t>17-Jun-23</a:t>
+              <a:t>18-Jun-23</a:t>
             </a:fld>
             <a:endParaRPr lang="en-US" dirty="0"/>
           </a:p>
@@ -2303,7 +2303,7 @@
             <a:fld id="{A5B0A250-5CC0-1746-B209-08E8B0DAE6AF}" type="datetimeFigureOut">
               <a:rPr lang="en-US" smtClean="0"/>
               <a:pPr/>
-              <a:t>17-Jun-23</a:t>
+              <a:t>18-Jun-23</a:t>
             </a:fld>
             <a:endParaRPr lang="en-US" dirty="0"/>
           </a:p>
@@ -2479,7 +2479,7 @@
             <a:fld id="{A5B0A250-5CC0-1746-B209-08E8B0DAE6AF}" type="datetimeFigureOut">
               <a:rPr lang="en-US" smtClean="0"/>
               <a:pPr/>
-              <a:t>17-Jun-23</a:t>
+              <a:t>18-Jun-23</a:t>
             </a:fld>
             <a:endParaRPr lang="en-US" dirty="0"/>
           </a:p>
@@ -2661,7 +2661,7 @@
             <a:fld id="{A5B0A250-5CC0-1746-B209-08E8B0DAE6AF}" type="datetimeFigureOut">
               <a:rPr lang="en-US" smtClean="0"/>
               <a:pPr/>
-              <a:t>17-Jun-23</a:t>
+              <a:t>18-Jun-23</a:t>
             </a:fld>
             <a:endParaRPr lang="en-US" dirty="0"/>
           </a:p>
@@ -2833,7 +2833,7 @@
             <a:fld id="{A5B0A250-5CC0-1746-B209-08E8B0DAE6AF}" type="datetimeFigureOut">
               <a:rPr lang="en-US" smtClean="0"/>
               <a:pPr/>
-              <a:t>17-Jun-23</a:t>
+              <a:t>18-Jun-23</a:t>
             </a:fld>
             <a:endParaRPr lang="en-US" dirty="0"/>
           </a:p>
@@ -3085,7 +3085,7 @@
             <a:fld id="{A5B0A250-5CC0-1746-B209-08E8B0DAE6AF}" type="datetimeFigureOut">
               <a:rPr lang="en-US" smtClean="0"/>
               <a:pPr/>
-              <a:t>17-Jun-23</a:t>
+              <a:t>18-Jun-23</a:t>
             </a:fld>
             <a:endParaRPr lang="en-US" dirty="0"/>
           </a:p>
@@ -3323,7 +3323,7 @@
             <a:fld id="{A5B0A250-5CC0-1746-B209-08E8B0DAE6AF}" type="datetimeFigureOut">
               <a:rPr lang="en-US" smtClean="0"/>
               <a:pPr/>
-              <a:t>17-Jun-23</a:t>
+              <a:t>18-Jun-23</a:t>
             </a:fld>
             <a:endParaRPr lang="en-US" dirty="0"/>
           </a:p>
@@ -3707,7 +3707,7 @@
             <a:fld id="{A5B0A250-5CC0-1746-B209-08E8B0DAE6AF}" type="datetimeFigureOut">
               <a:rPr lang="en-US" smtClean="0"/>
               <a:pPr/>
-              <a:t>17-Jun-23</a:t>
+              <a:t>18-Jun-23</a:t>
             </a:fld>
             <a:endParaRPr lang="en-US" dirty="0"/>
           </a:p>
@@ -3827,7 +3827,7 @@
             <a:fld id="{A5B0A250-5CC0-1746-B209-08E8B0DAE6AF}" type="datetimeFigureOut">
               <a:rPr lang="en-US" smtClean="0"/>
               <a:pPr/>
-              <a:t>17-Jun-23</a:t>
+              <a:t>18-Jun-23</a:t>
             </a:fld>
             <a:endParaRPr lang="en-US" dirty="0"/>
           </a:p>
@@ -3924,7 +3924,7 @@
             <a:fld id="{A5B0A250-5CC0-1746-B209-08E8B0DAE6AF}" type="datetimeFigureOut">
               <a:rPr lang="en-US" smtClean="0"/>
               <a:pPr/>
-              <a:t>17-Jun-23</a:t>
+              <a:t>18-Jun-23</a:t>
             </a:fld>
             <a:endParaRPr lang="en-US" dirty="0"/>
           </a:p>
@@ -4181,7 +4181,7 @@
             <a:fld id="{A5B0A250-5CC0-1746-B209-08E8B0DAE6AF}" type="datetimeFigureOut">
               <a:rPr lang="en-US" smtClean="0"/>
               <a:pPr/>
-              <a:t>17-Jun-23</a:t>
+              <a:t>18-Jun-23</a:t>
             </a:fld>
             <a:endParaRPr lang="en-US" dirty="0"/>
           </a:p>
@@ -4466,7 +4466,7 @@
             <a:fld id="{A5B0A250-5CC0-1746-B209-08E8B0DAE6AF}" type="datetimeFigureOut">
               <a:rPr lang="en-US" smtClean="0"/>
               <a:pPr/>
-              <a:t>17-Jun-23</a:t>
+              <a:t>18-Jun-23</a:t>
             </a:fld>
             <a:endParaRPr lang="en-US" dirty="0"/>
           </a:p>
@@ -4874,7 +4874,7 @@
             <a:fld id="{A5B0A250-5CC0-1746-B209-08E8B0DAE6AF}" type="datetimeFigureOut">
               <a:rPr lang="en-US" smtClean="0"/>
               <a:pPr/>
-              <a:t>17-Jun-23</a:t>
+              <a:t>18-Jun-23</a:t>
             </a:fld>
             <a:endParaRPr lang="en-US" dirty="0"/>
           </a:p>
@@ -6373,13 +6373,13 @@
   <p:clrMapOvr>
     <a:masterClrMapping/>
   </p:clrMapOvr>
-  <mc:AlternateContent xmlns:mc="http://schemas.openxmlformats.org/markup-compatibility/2006">
-    <mc:Choice xmlns:p14="http://schemas.microsoft.com/office/powerpoint/2010/main" Requires="p14">
+  <mc:AlternateContent xmlns:mc="http://schemas.openxmlformats.org/markup-compatibility/2006" xmlns:p14="http://schemas.microsoft.com/office/powerpoint/2010/main">
+    <mc:Choice Requires="p14">
       <p:transition spd="med" p14:dur="700">
         <p:fade/>
       </p:transition>
     </mc:Choice>
-    <mc:Fallback>
+    <mc:Fallback xmlns="">
       <p:transition spd="med">
         <p:fade/>
       </p:transition>
@@ -6538,16 +6538,23 @@
                 <a:effectLst/>
                 <a:ea typeface="Times New Roman" panose="02020603050405020304" pitchFamily="18" charset="0"/>
               </a:rPr>
-              <a:t>1) Ширина   </a:t>
+              <a:t>1) </a:t>
+            </a:r>
+            <a:r>
+              <a:rPr kumimoji="0" lang="uk-UA" altLang="en-US" sz="1600" b="0" i="0" u="none" strike="noStrike" cap="none" normalizeH="0" baseline="0" dirty="0">
+                <a:ln>
+                  <a:noFill/>
+                </a:ln>
+                <a:effectLst/>
+                <a:ea typeface="Times New Roman" panose="02020603050405020304" pitchFamily="18" charset="0"/>
+              </a:rPr>
+              <a:t>Ширина   </a:t>
             </a:r>
             <a:r>
               <a:rPr kumimoji="0" lang="uk-UA" altLang="en-US" sz="1600" b="0" i="0" u="none" strike="noStrike" cap="none" normalizeH="0" baseline="0" dirty="0" err="1">
                 <a:ln>
                   <a:noFill/>
                 </a:ln>
-                <a:solidFill>
-                  <a:schemeClr val="tx1"/>
-                </a:solidFill>
                 <a:effectLst/>
                 <a:ea typeface="Times New Roman" panose="02020603050405020304" pitchFamily="18" charset="0"/>
               </a:rPr>
@@ -6558,9 +6565,6 @@
                 <a:ln>
                   <a:noFill/>
                 </a:ln>
-                <a:solidFill>
-                  <a:schemeClr val="tx1"/>
-                </a:solidFill>
                 <a:effectLst/>
                 <a:ea typeface="Times New Roman" panose="02020603050405020304" pitchFamily="18" charset="0"/>
               </a:rPr>
@@ -6571,9 +6575,6 @@
                 <a:ln>
                   <a:noFill/>
                 </a:ln>
-                <a:solidFill>
-                  <a:schemeClr val="tx1"/>
-                </a:solidFill>
                 <a:effectLst/>
                 <a:ea typeface="Times New Roman" panose="02020603050405020304" pitchFamily="18" charset="0"/>
               </a:rPr>
@@ -6584,9 +6585,6 @@
                 <a:ln>
                   <a:noFill/>
                 </a:ln>
-                <a:solidFill>
-                  <a:schemeClr val="tx1"/>
-                </a:solidFill>
                 <a:effectLst/>
                 <a:ea typeface="Times New Roman" panose="02020603050405020304" pitchFamily="18" charset="0"/>
               </a:rPr>
@@ -6597,9 +6595,6 @@
                 <a:ln>
                   <a:noFill/>
                 </a:ln>
-                <a:solidFill>
-                  <a:schemeClr val="tx1"/>
-                </a:solidFill>
                 <a:effectLst/>
                 <a:ea typeface="Times New Roman" panose="02020603050405020304" pitchFamily="18" charset="0"/>
               </a:rPr>
@@ -6610,9 +6605,6 @@
                 <a:ln>
                   <a:noFill/>
                 </a:ln>
-                <a:solidFill>
-                  <a:schemeClr val="tx1"/>
-                </a:solidFill>
                 <a:effectLst/>
                 <a:ea typeface="Times New Roman" panose="02020603050405020304" pitchFamily="18" charset="0"/>
               </a:rPr>
@@ -8346,13 +8338,13 @@
   <p:clrMapOvr>
     <a:masterClrMapping/>
   </p:clrMapOvr>
-  <mc:AlternateContent xmlns:mc="http://schemas.openxmlformats.org/markup-compatibility/2006">
-    <mc:Choice xmlns:p14="http://schemas.microsoft.com/office/powerpoint/2010/main" Requires="p14">
+  <mc:AlternateContent xmlns:mc="http://schemas.openxmlformats.org/markup-compatibility/2006" xmlns:p14="http://schemas.microsoft.com/office/powerpoint/2010/main">
+    <mc:Choice Requires="p14">
       <p:transition spd="med" p14:dur="700">
         <p:fade/>
       </p:transition>
     </mc:Choice>
-    <mc:Fallback>
+    <mc:Fallback xmlns="">
       <p:transition spd="med">
         <p:fade/>
       </p:transition>
@@ -11017,13 +11009,13 @@
   <p:clrMapOvr>
     <a:masterClrMapping/>
   </p:clrMapOvr>
-  <mc:AlternateContent xmlns:mc="http://schemas.openxmlformats.org/markup-compatibility/2006">
-    <mc:Choice xmlns:p14="http://schemas.microsoft.com/office/powerpoint/2010/main" Requires="p14">
+  <mc:AlternateContent xmlns:mc="http://schemas.openxmlformats.org/markup-compatibility/2006" xmlns:p14="http://schemas.microsoft.com/office/powerpoint/2010/main">
+    <mc:Choice Requires="p14">
       <p:transition spd="med" p14:dur="700">
         <p:fade/>
       </p:transition>
     </mc:Choice>
-    <mc:Fallback>
+    <mc:Fallback xmlns="">
       <p:transition spd="med">
         <p:fade/>
       </p:transition>
@@ -12058,13 +12050,13 @@
   <p:clrMapOvr>
     <a:masterClrMapping/>
   </p:clrMapOvr>
-  <mc:AlternateContent xmlns:mc="http://schemas.openxmlformats.org/markup-compatibility/2006">
-    <mc:Choice xmlns:p14="http://schemas.microsoft.com/office/powerpoint/2010/main" Requires="p14">
+  <mc:AlternateContent xmlns:mc="http://schemas.openxmlformats.org/markup-compatibility/2006" xmlns:p14="http://schemas.microsoft.com/office/powerpoint/2010/main">
+    <mc:Choice Requires="p14">
       <p:transition spd="med" p14:dur="700">
         <p:fade/>
       </p:transition>
     </mc:Choice>
-    <mc:Fallback>
+    <mc:Fallback xmlns="">
       <p:transition spd="med">
         <p:fade/>
       </p:transition>
@@ -12811,13 +12803,13 @@
   <p:clrMapOvr>
     <a:masterClrMapping/>
   </p:clrMapOvr>
-  <mc:AlternateContent xmlns:mc="http://schemas.openxmlformats.org/markup-compatibility/2006">
-    <mc:Choice xmlns:p14="http://schemas.microsoft.com/office/powerpoint/2010/main" Requires="p14">
+  <mc:AlternateContent xmlns:mc="http://schemas.openxmlformats.org/markup-compatibility/2006" xmlns:p14="http://schemas.microsoft.com/office/powerpoint/2010/main">
+    <mc:Choice Requires="p14">
       <p:transition spd="med" p14:dur="700">
         <p:fade/>
       </p:transition>
     </mc:Choice>
-    <mc:Fallback>
+    <mc:Fallback xmlns="">
       <p:transition spd="med">
         <p:fade/>
       </p:transition>

--- a/Проект/Индивидуальный проект.pptx
+++ b/Проект/Индивидуальный проект.pptx
@@ -5743,6 +5743,53 @@
           </a:p>
         </p:txBody>
       </p:sp>
+      <p:pic>
+        <p:nvPicPr>
+          <p:cNvPr id="1026" name="Picture 2" descr="О, привет:) | Пикабу">
+            <a:extLst>
+              <a:ext uri="{FF2B5EF4-FFF2-40B4-BE49-F238E27FC236}">
+                <a16:creationId xmlns:a16="http://schemas.microsoft.com/office/drawing/2014/main" id="{484B743B-E95F-49E6-8D2E-EFDF63E63739}"/>
+              </a:ext>
+            </a:extLst>
+          </p:cNvPr>
+          <p:cNvPicPr>
+            <a:picLocks noChangeAspect="1" noChangeArrowheads="1"/>
+          </p:cNvPicPr>
+          <p:nvPr/>
+        </p:nvPicPr>
+        <p:blipFill>
+          <a:blip r:embed="rId2">
+            <a:extLst>
+              <a:ext uri="{28A0092B-C50C-407E-A947-70E740481C1C}">
+                <a14:useLocalDpi xmlns:a14="http://schemas.microsoft.com/office/drawing/2010/main" val="0"/>
+              </a:ext>
+            </a:extLst>
+          </a:blip>
+          <a:srcRect/>
+          <a:stretch>
+            <a:fillRect/>
+          </a:stretch>
+        </p:blipFill>
+        <p:spPr bwMode="auto">
+          <a:xfrm>
+            <a:off x="8401160" y="2600855"/>
+            <a:ext cx="3235215" cy="2367492"/>
+          </a:xfrm>
+          <a:prstGeom prst="rect">
+            <a:avLst/>
+          </a:prstGeom>
+          <a:noFill/>
+          <a:extLst>
+            <a:ext uri="{909E8E84-426E-40DD-AFC4-6F175D3DCCD1}">
+              <a14:hiddenFill xmlns:a14="http://schemas.microsoft.com/office/drawing/2010/main">
+                <a:solidFill>
+                  <a:srgbClr val="FFFFFF"/>
+                </a:solidFill>
+              </a14:hiddenFill>
+            </a:ext>
+          </a:extLst>
+        </p:spPr>
+      </p:pic>
     </p:spTree>
     <p:extLst>
       <p:ext uri="{BB962C8B-B14F-4D97-AF65-F5344CB8AC3E}">
@@ -6192,6 +6239,53 @@
           </a:p>
         </p:txBody>
       </p:sp>
+      <p:pic>
+        <p:nvPicPr>
+          <p:cNvPr id="2050" name="Picture 2">
+            <a:extLst>
+              <a:ext uri="{FF2B5EF4-FFF2-40B4-BE49-F238E27FC236}">
+                <a16:creationId xmlns:a16="http://schemas.microsoft.com/office/drawing/2014/main" id="{2F5F9753-078F-4441-ABD6-92E7BD8E4924}"/>
+              </a:ext>
+            </a:extLst>
+          </p:cNvPr>
+          <p:cNvPicPr>
+            <a:picLocks noChangeAspect="1" noChangeArrowheads="1"/>
+          </p:cNvPicPr>
+          <p:nvPr/>
+        </p:nvPicPr>
+        <p:blipFill>
+          <a:blip r:embed="rId2">
+            <a:extLst>
+              <a:ext uri="{28A0092B-C50C-407E-A947-70E740481C1C}">
+                <a14:useLocalDpi xmlns:a14="http://schemas.microsoft.com/office/drawing/2010/main" val="0"/>
+              </a:ext>
+            </a:extLst>
+          </a:blip>
+          <a:srcRect/>
+          <a:stretch>
+            <a:fillRect/>
+          </a:stretch>
+        </p:blipFill>
+        <p:spPr bwMode="auto">
+          <a:xfrm>
+            <a:off x="7969250" y="3584047"/>
+            <a:ext cx="3393017" cy="2263884"/>
+          </a:xfrm>
+          <a:prstGeom prst="rect">
+            <a:avLst/>
+          </a:prstGeom>
+          <a:noFill/>
+          <a:extLst>
+            <a:ext uri="{909E8E84-426E-40DD-AFC4-6F175D3DCCD1}">
+              <a14:hiddenFill xmlns:a14="http://schemas.microsoft.com/office/drawing/2010/main">
+                <a:solidFill>
+                  <a:srgbClr val="FFFFFF"/>
+                </a:solidFill>
+              </a14:hiddenFill>
+            </a:ext>
+          </a:extLst>
+        </p:spPr>
+      </p:pic>
     </p:spTree>
     <p:extLst>
       <p:ext uri="{BB962C8B-B14F-4D97-AF65-F5344CB8AC3E}">
@@ -6355,12 +6449,59 @@
         </p:blipFill>
         <p:spPr>
           <a:xfrm>
-            <a:off x="2036233" y="2270271"/>
+            <a:off x="4076699" y="2287204"/>
             <a:ext cx="7920567" cy="4342197"/>
           </a:xfrm>
           <a:prstGeom prst="rect">
             <a:avLst/>
           </a:prstGeom>
+        </p:spPr>
+      </p:pic>
+      <p:pic>
+        <p:nvPicPr>
+          <p:cNvPr id="3078" name="Picture 6">
+            <a:extLst>
+              <a:ext uri="{FF2B5EF4-FFF2-40B4-BE49-F238E27FC236}">
+                <a16:creationId xmlns:a16="http://schemas.microsoft.com/office/drawing/2014/main" id="{9A38CB46-F11A-4573-A972-8E65C1883C42}"/>
+              </a:ext>
+            </a:extLst>
+          </p:cNvPr>
+          <p:cNvPicPr>
+            <a:picLocks noChangeAspect="1" noChangeArrowheads="1"/>
+          </p:cNvPicPr>
+          <p:nvPr/>
+        </p:nvPicPr>
+        <p:blipFill>
+          <a:blip r:embed="rId3">
+            <a:extLst>
+              <a:ext uri="{28A0092B-C50C-407E-A947-70E740481C1C}">
+                <a14:useLocalDpi xmlns:a14="http://schemas.microsoft.com/office/drawing/2010/main" val="0"/>
+              </a:ext>
+            </a:extLst>
+          </a:blip>
+          <a:srcRect/>
+          <a:stretch>
+            <a:fillRect/>
+          </a:stretch>
+        </p:blipFill>
+        <p:spPr bwMode="auto">
+          <a:xfrm>
+            <a:off x="563034" y="3471335"/>
+            <a:ext cx="3128629" cy="2346472"/>
+          </a:xfrm>
+          <a:prstGeom prst="rect">
+            <a:avLst/>
+          </a:prstGeom>
+          <a:noFill/>
+          <a:extLst>
+            <a:ext uri="{909E8E84-426E-40DD-AFC4-6F175D3DCCD1}">
+              <a14:hiddenFill xmlns:a14="http://schemas.microsoft.com/office/drawing/2010/main">
+                <a:solidFill>
+                  <a:srgbClr val="FFFFFF"/>
+                </a:solidFill>
+              </a14:hiddenFill>
+            </a:ext>
+          </a:extLst>
         </p:spPr>
       </p:pic>
     </p:spTree>
@@ -8328,6 +8469,53 @@
           </a:graphicData>
         </a:graphic>
       </p:graphicFrame>
+      <p:pic>
+        <p:nvPicPr>
+          <p:cNvPr id="4098" name="Picture 2">
+            <a:extLst>
+              <a:ext uri="{FF2B5EF4-FFF2-40B4-BE49-F238E27FC236}">
+                <a16:creationId xmlns:a16="http://schemas.microsoft.com/office/drawing/2014/main" id="{C8CDD284-73FF-439B-9D68-C2567F3270B1}"/>
+              </a:ext>
+            </a:extLst>
+          </p:cNvPr>
+          <p:cNvPicPr>
+            <a:picLocks noChangeAspect="1" noChangeArrowheads="1"/>
+          </p:cNvPicPr>
+          <p:nvPr/>
+        </p:nvPicPr>
+        <p:blipFill>
+          <a:blip r:embed="rId2">
+            <a:extLst>
+              <a:ext uri="{28A0092B-C50C-407E-A947-70E740481C1C}">
+                <a14:useLocalDpi xmlns:a14="http://schemas.microsoft.com/office/drawing/2010/main" val="0"/>
+              </a:ext>
+            </a:extLst>
+          </a:blip>
+          <a:srcRect/>
+          <a:stretch>
+            <a:fillRect/>
+          </a:stretch>
+        </p:blipFill>
+        <p:spPr bwMode="auto">
+          <a:xfrm>
+            <a:off x="9431867" y="76199"/>
+            <a:ext cx="1765952" cy="1324464"/>
+          </a:xfrm>
+          <a:prstGeom prst="rect">
+            <a:avLst/>
+          </a:prstGeom>
+          <a:noFill/>
+          <a:extLst>
+            <a:ext uri="{909E8E84-426E-40DD-AFC4-6F175D3DCCD1}">
+              <a14:hiddenFill xmlns:a14="http://schemas.microsoft.com/office/drawing/2010/main">
+                <a:solidFill>
+                  <a:srgbClr val="FFFFFF"/>
+                </a:solidFill>
+              </a14:hiddenFill>
+            </a:ext>
+          </a:extLst>
+        </p:spPr>
+      </p:pic>
     </p:spTree>
     <p:extLst>
       <p:ext uri="{BB962C8B-B14F-4D97-AF65-F5344CB8AC3E}">
@@ -10999,6 +11187,53 @@
           </a:p>
         </p:txBody>
       </p:sp>
+      <p:pic>
+        <p:nvPicPr>
+          <p:cNvPr id="5126" name="Picture 6">
+            <a:extLst>
+              <a:ext uri="{FF2B5EF4-FFF2-40B4-BE49-F238E27FC236}">
+                <a16:creationId xmlns:a16="http://schemas.microsoft.com/office/drawing/2014/main" id="{CFC1AE2F-AEF2-407E-AD02-FEDA58DDA763}"/>
+              </a:ext>
+            </a:extLst>
+          </p:cNvPr>
+          <p:cNvPicPr>
+            <a:picLocks noChangeAspect="1" noChangeArrowheads="1"/>
+          </p:cNvPicPr>
+          <p:nvPr/>
+        </p:nvPicPr>
+        <p:blipFill>
+          <a:blip r:embed="rId2">
+            <a:extLst>
+              <a:ext uri="{28A0092B-C50C-407E-A947-70E740481C1C}">
+                <a14:useLocalDpi xmlns:a14="http://schemas.microsoft.com/office/drawing/2010/main" val="0"/>
+              </a:ext>
+            </a:extLst>
+          </a:blip>
+          <a:srcRect/>
+          <a:stretch>
+            <a:fillRect/>
+          </a:stretch>
+        </p:blipFill>
+        <p:spPr bwMode="auto">
+          <a:xfrm>
+            <a:off x="10626549" y="5948832"/>
+            <a:ext cx="1565451" cy="880568"/>
+          </a:xfrm>
+          <a:prstGeom prst="rect">
+            <a:avLst/>
+          </a:prstGeom>
+          <a:noFill/>
+          <a:extLst>
+            <a:ext uri="{909E8E84-426E-40DD-AFC4-6F175D3DCCD1}">
+              <a14:hiddenFill xmlns:a14="http://schemas.microsoft.com/office/drawing/2010/main">
+                <a:solidFill>
+                  <a:srgbClr val="FFFFFF"/>
+                </a:solidFill>
+              </a14:hiddenFill>
+            </a:ext>
+          </a:extLst>
+        </p:spPr>
+      </p:pic>
     </p:spTree>
     <p:extLst>
       <p:ext uri="{BB962C8B-B14F-4D97-AF65-F5344CB8AC3E}">
@@ -12040,6 +12275,62 @@
           </a:graphicData>
         </a:graphic>
       </p:graphicFrame>
+      <p:pic>
+        <p:nvPicPr>
+          <p:cNvPr id="6146" name="Picture 2">
+            <a:extLst>
+              <a:ext uri="{FF2B5EF4-FFF2-40B4-BE49-F238E27FC236}">
+                <a16:creationId xmlns:a16="http://schemas.microsoft.com/office/drawing/2014/main" id="{6783CCFA-15E8-4785-A1E4-0942B33A94A6}"/>
+              </a:ext>
+            </a:extLst>
+          </p:cNvPr>
+          <p:cNvPicPr>
+            <a:picLocks noChangeAspect="1" noChangeArrowheads="1"/>
+          </p:cNvPicPr>
+          <p:nvPr/>
+        </p:nvPicPr>
+        <p:blipFill>
+          <a:blip r:embed="rId2">
+            <a:extLst>
+              <a:ext uri="{28A0092B-C50C-407E-A947-70E740481C1C}">
+                <a14:useLocalDpi xmlns:a14="http://schemas.microsoft.com/office/drawing/2010/main" val="0"/>
+              </a:ext>
+            </a:extLst>
+          </a:blip>
+          <a:srcRect/>
+          <a:stretch>
+            <a:fillRect/>
+          </a:stretch>
+        </p:blipFill>
+        <p:spPr bwMode="auto">
+          <a:xfrm>
+            <a:off x="9941558" y="97364"/>
+            <a:ext cx="1310642" cy="819151"/>
+          </a:xfrm>
+          <a:prstGeom prst="rect">
+            <a:avLst/>
+          </a:prstGeom>
+          <a:ln>
+            <a:noFill/>
+          </a:ln>
+          <a:effectLst>
+            <a:outerShdw blurRad="292100" dist="139700" dir="2700000" algn="tl" rotWithShape="0">
+              <a:srgbClr val="333333">
+                <a:alpha val="65000"/>
+              </a:srgbClr>
+            </a:outerShdw>
+          </a:effectLst>
+          <a:extLst>
+            <a:ext uri="{909E8E84-426E-40DD-AFC4-6F175D3DCCD1}">
+              <a14:hiddenFill xmlns:a14="http://schemas.microsoft.com/office/drawing/2010/main">
+                <a:solidFill>
+                  <a:srgbClr val="FFFFFF"/>
+                </a:solidFill>
+              </a14:hiddenFill>
+            </a:ext>
+          </a:extLst>
+        </p:spPr>
+      </p:pic>
     </p:spTree>
     <p:extLst>
       <p:ext uri="{BB962C8B-B14F-4D97-AF65-F5344CB8AC3E}">
@@ -12096,8 +12387,8 @@
         </p:nvSpPr>
         <p:spPr>
           <a:xfrm>
-            <a:off x="368300" y="3733801"/>
-            <a:ext cx="11455400" cy="2904067"/>
+            <a:off x="368300" y="4647558"/>
+            <a:ext cx="11455400" cy="1998776"/>
           </a:xfrm>
           <a:prstGeom prst="rect">
             <a:avLst/>
@@ -12699,7 +12990,7 @@
         </p:nvSpPr>
         <p:spPr>
           <a:xfrm>
-            <a:off x="0" y="4493252"/>
+            <a:off x="0" y="5604301"/>
             <a:ext cx="12192000" cy="830997"/>
           </a:xfrm>
           <a:prstGeom prst="rect">
@@ -12793,6 +13084,41 @@
           </a:p>
         </p:txBody>
       </p:sp>
+      <p:pic>
+        <p:nvPicPr>
+          <p:cNvPr id="7" name="Рисунок 6">
+            <a:extLst>
+              <a:ext uri="{FF2B5EF4-FFF2-40B4-BE49-F238E27FC236}">
+                <a16:creationId xmlns:a16="http://schemas.microsoft.com/office/drawing/2014/main" id="{B029C956-AF26-43A7-996F-D3EC09827CAB}"/>
+              </a:ext>
+            </a:extLst>
+          </p:cNvPr>
+          <p:cNvPicPr>
+            <a:picLocks noChangeAspect="1"/>
+          </p:cNvPicPr>
+          <p:nvPr/>
+        </p:nvPicPr>
+        <p:blipFill rotWithShape="1">
+          <a:blip r:embed="rId2">
+            <a:extLst>
+              <a:ext uri="{28A0092B-C50C-407E-A947-70E740481C1C}">
+                <a14:useLocalDpi xmlns:a14="http://schemas.microsoft.com/office/drawing/2010/main" val="0"/>
+              </a:ext>
+            </a:extLst>
+          </a:blip>
+          <a:srcRect l="3251" b="3417"/>
+          <a:stretch/>
+        </p:blipFill>
+        <p:spPr>
+          <a:xfrm>
+            <a:off x="4035425" y="2210442"/>
+            <a:ext cx="3364442" cy="2326203"/>
+          </a:xfrm>
+          <a:prstGeom prst="rect">
+            <a:avLst/>
+          </a:prstGeom>
+        </p:spPr>
+      </p:pic>
     </p:spTree>
     <p:extLst>
       <p:ext uri="{BB962C8B-B14F-4D97-AF65-F5344CB8AC3E}">
